--- a/Lab/Lab05-RPi_GPIO.pptx
+++ b/Lab/Lab05-RPi_GPIO.pptx
@@ -5,28 +5,27 @@
     <p:sldMasterId id="2147483757" r:id="rId1"/>
   </p:sldMasterIdLst>
   <p:notesMasterIdLst>
-    <p:notesMasterId r:id="rId18"/>
+    <p:notesMasterId r:id="rId17"/>
   </p:notesMasterIdLst>
   <p:handoutMasterIdLst>
-    <p:handoutMasterId r:id="rId19"/>
+    <p:handoutMasterId r:id="rId18"/>
   </p:handoutMasterIdLst>
   <p:sldIdLst>
     <p:sldId id="441" r:id="rId2"/>
-    <p:sldId id="256" r:id="rId3"/>
-    <p:sldId id="398" r:id="rId4"/>
-    <p:sldId id="408" r:id="rId5"/>
-    <p:sldId id="429" r:id="rId6"/>
-    <p:sldId id="430" r:id="rId7"/>
-    <p:sldId id="431" r:id="rId8"/>
-    <p:sldId id="432" r:id="rId9"/>
-    <p:sldId id="433" r:id="rId10"/>
-    <p:sldId id="437" r:id="rId11"/>
-    <p:sldId id="434" r:id="rId12"/>
-    <p:sldId id="435" r:id="rId13"/>
-    <p:sldId id="436" r:id="rId14"/>
-    <p:sldId id="438" r:id="rId15"/>
-    <p:sldId id="439" r:id="rId16"/>
-    <p:sldId id="440" r:id="rId17"/>
+    <p:sldId id="398" r:id="rId3"/>
+    <p:sldId id="408" r:id="rId4"/>
+    <p:sldId id="429" r:id="rId5"/>
+    <p:sldId id="430" r:id="rId6"/>
+    <p:sldId id="431" r:id="rId7"/>
+    <p:sldId id="432" r:id="rId8"/>
+    <p:sldId id="433" r:id="rId9"/>
+    <p:sldId id="437" r:id="rId10"/>
+    <p:sldId id="434" r:id="rId11"/>
+    <p:sldId id="435" r:id="rId12"/>
+    <p:sldId id="436" r:id="rId13"/>
+    <p:sldId id="438" r:id="rId14"/>
+    <p:sldId id="439" r:id="rId15"/>
+    <p:sldId id="440" r:id="rId16"/>
   </p:sldIdLst>
   <p:sldSz cx="9144000" cy="6858000" type="screen4x3"/>
   <p:notesSz cx="6858000" cy="9144000"/>
@@ -144,6 +143,10 @@
 </p:presentation>
 </file>
 
+<file path=ppt/revisionInfo.xml><?xml version="1.0" encoding="utf-8"?>
+<p1510:revInfo xmlns:a="http://schemas.openxmlformats.org/drawingml/2006/main" xmlns:r="http://schemas.openxmlformats.org/officeDocument/2006/relationships" xmlns:p1510="http://schemas.microsoft.com/office/powerpoint/2015/10/main"/>
+</file>
+
 <file path=ppt/handoutMasters/handoutMaster1.xml><?xml version="1.0" encoding="utf-8"?>
 <p:handoutMaster xmlns:a="http://schemas.openxmlformats.org/drawingml/2006/main" xmlns:r="http://schemas.openxmlformats.org/officeDocument/2006/relationships" xmlns:p="http://schemas.openxmlformats.org/presentationml/2006/main">
   <p:cSld>
@@ -226,7 +229,7 @@
           <a:p>
             <a:fld id="{FBD9761D-1F95-3B4C-BE9C-CDD1389A8812}" type="datetimeFigureOut">
               <a:rPr lang="en-US" smtClean="0"/>
-              <a:t>6/19/17</a:t>
+              <a:t>6/29/2017</a:t>
             </a:fld>
             <a:endParaRPr lang="en-US"/>
           </a:p>
@@ -392,7 +395,7 @@
           <a:p>
             <a:fld id="{7D95A596-FA52-0448-9C24-EA3FEFB30C0E}" type="datetimeFigureOut">
               <a:rPr lang="en-US" smtClean="0"/>
-              <a:t>6/19/17</a:t>
+              <a:t>6/29/2017</a:t>
             </a:fld>
             <a:endParaRPr lang="en-US"/>
           </a:p>
@@ -456,38 +459,37 @@
           <a:p>
             <a:pPr lvl="0"/>
             <a:r>
-              <a:rPr lang="en-US" smtClean="0"/>
+              <a:rPr lang="en-US"/>
               <a:t>Click to edit Master text styles</a:t>
             </a:r>
           </a:p>
           <a:p>
             <a:pPr lvl="1"/>
             <a:r>
-              <a:rPr lang="en-US" smtClean="0"/>
+              <a:rPr lang="en-US"/>
               <a:t>Second level</a:t>
             </a:r>
           </a:p>
           <a:p>
             <a:pPr lvl="2"/>
             <a:r>
-              <a:rPr lang="en-US" smtClean="0"/>
+              <a:rPr lang="en-US"/>
               <a:t>Third level</a:t>
             </a:r>
           </a:p>
           <a:p>
             <a:pPr lvl="3"/>
             <a:r>
-              <a:rPr lang="en-US" smtClean="0"/>
+              <a:rPr lang="en-US"/>
               <a:t>Fourth level</a:t>
             </a:r>
           </a:p>
           <a:p>
             <a:pPr lvl="4"/>
             <a:r>
-              <a:rPr lang="en-US" smtClean="0"/>
+              <a:rPr lang="en-US"/>
               <a:t>Fifth level</a:t>
             </a:r>
-            <a:endParaRPr lang="en-US"/>
           </a:p>
         </p:txBody>
       </p:sp>
@@ -703,7 +705,7 @@
           </a:lstStyle>
           <a:p>
             <a:r>
-              <a:rPr lang="zh-TW" altLang="en-US" smtClean="0"/>
+              <a:rPr lang="zh-TW" altLang="en-US"/>
               <a:t>按一下以編輯母片標題樣式</a:t>
             </a:r>
             <a:endParaRPr lang="en-US" dirty="0"/>
@@ -823,7 +825,7 @@
           </a:lstStyle>
           <a:p>
             <a:r>
-              <a:rPr lang="zh-TW" altLang="en-US" smtClean="0"/>
+              <a:rPr lang="zh-TW" altLang="en-US"/>
               <a:t>按一下以編輯母片副標題樣式</a:t>
             </a:r>
             <a:endParaRPr lang="en-US" dirty="0"/>
@@ -847,7 +849,7 @@
           <a:p>
             <a:fld id="{F6F81F14-9AEC-394B-B8F6-AE69A194437D}" type="datetime1">
               <a:rPr lang="en-US" smtClean="0"/>
-              <a:t>6/19/17</a:t>
+              <a:t>6/29/2017</a:t>
             </a:fld>
             <a:endParaRPr lang="en-US" dirty="0"/>
           </a:p>
@@ -948,7 +950,7 @@
           </a:lstStyle>
           <a:p>
             <a:r>
-              <a:rPr lang="zh-TW" altLang="en-US" smtClean="0"/>
+              <a:rPr lang="zh-TW" altLang="en-US"/>
               <a:t>按一下以編輯母片標題樣式</a:t>
             </a:r>
             <a:endParaRPr lang="en-US" dirty="0"/>
@@ -1027,7 +1029,7 @@
           </a:lstStyle>
           <a:p>
             <a:r>
-              <a:rPr lang="zh-TW" altLang="en-US" smtClean="0"/>
+              <a:rPr lang="zh-TW" altLang="en-US"/>
               <a:t>將圖片拖曳至版面配置區或按一下圖示以新增</a:t>
             </a:r>
             <a:endParaRPr lang="en-US" dirty="0"/>
@@ -1095,7 +1097,7 @@
           <a:p>
             <a:pPr lvl="0"/>
             <a:r>
-              <a:rPr lang="zh-TW" altLang="en-US" smtClean="0"/>
+              <a:rPr lang="zh-TW" altLang="en-US"/>
               <a:t>按一下以編輯母片文字樣式</a:t>
             </a:r>
           </a:p>
@@ -1118,7 +1120,7 @@
           <a:p>
             <a:fld id="{F6F81F14-9AEC-394B-B8F6-AE69A194437D}" type="datetime1">
               <a:rPr lang="en-US" smtClean="0"/>
-              <a:t>6/19/17</a:t>
+              <a:t>6/29/2017</a:t>
             </a:fld>
             <a:endParaRPr lang="en-US" dirty="0"/>
           </a:p>
@@ -1217,7 +1219,7 @@
           </a:lstStyle>
           <a:p>
             <a:r>
-              <a:rPr lang="zh-TW" altLang="en-US" smtClean="0"/>
+              <a:rPr lang="zh-TW" altLang="en-US"/>
               <a:t>按一下以編輯母片標題樣式</a:t>
             </a:r>
             <a:endParaRPr lang="en-US" dirty="0"/>
@@ -1285,7 +1287,7 @@
           <a:p>
             <a:pPr lvl="0"/>
             <a:r>
-              <a:rPr lang="zh-TW" altLang="en-US" smtClean="0"/>
+              <a:rPr lang="zh-TW" altLang="en-US"/>
               <a:t>按一下以編輯母片文字樣式</a:t>
             </a:r>
           </a:p>
@@ -1308,7 +1310,7 @@
           <a:p>
             <a:fld id="{F6F81F14-9AEC-394B-B8F6-AE69A194437D}" type="datetime1">
               <a:rPr lang="en-US" smtClean="0"/>
-              <a:t>6/19/17</a:t>
+              <a:t>6/29/2017</a:t>
             </a:fld>
             <a:endParaRPr lang="en-US" dirty="0"/>
           </a:p>
@@ -1407,7 +1409,7 @@
           </a:lstStyle>
           <a:p>
             <a:r>
-              <a:rPr lang="zh-TW" altLang="en-US" smtClean="0"/>
+              <a:rPr lang="zh-TW" altLang="en-US"/>
               <a:t>按一下以編輯母片標題樣式</a:t>
             </a:r>
             <a:endParaRPr lang="en-US" dirty="0"/>
@@ -1487,7 +1489,7 @@
               <a:buNone/>
             </a:pPr>
             <a:r>
-              <a:rPr lang="zh-TW" altLang="en-US" smtClean="0"/>
+              <a:rPr lang="zh-TW" altLang="en-US"/>
               <a:t>按一下以編輯母片文字樣式</a:t>
             </a:r>
           </a:p>
@@ -1554,7 +1556,7 @@
           <a:p>
             <a:pPr lvl="0"/>
             <a:r>
-              <a:rPr lang="zh-TW" altLang="en-US" smtClean="0"/>
+              <a:rPr lang="zh-TW" altLang="en-US"/>
               <a:t>按一下以編輯母片文字樣式</a:t>
             </a:r>
           </a:p>
@@ -1577,7 +1579,7 @@
           <a:p>
             <a:fld id="{F6F81F14-9AEC-394B-B8F6-AE69A194437D}" type="datetime1">
               <a:rPr lang="en-US" smtClean="0"/>
-              <a:t>6/19/17</a:t>
+              <a:t>6/29/2017</a:t>
             </a:fld>
             <a:endParaRPr lang="en-US" dirty="0"/>
           </a:p>
@@ -1770,7 +1772,7 @@
           </a:lstStyle>
           <a:p>
             <a:r>
-              <a:rPr lang="zh-TW" altLang="en-US" smtClean="0"/>
+              <a:rPr lang="zh-TW" altLang="en-US"/>
               <a:t>按一下以編輯母片標題樣式</a:t>
             </a:r>
             <a:endParaRPr lang="en-US" dirty="0"/>
@@ -1891,7 +1893,7 @@
           <a:p>
             <a:pPr lvl="0"/>
             <a:r>
-              <a:rPr lang="zh-TW" altLang="en-US" smtClean="0"/>
+              <a:rPr lang="zh-TW" altLang="en-US"/>
               <a:t>按一下以編輯母片文字樣式</a:t>
             </a:r>
           </a:p>
@@ -1914,7 +1916,7 @@
           <a:p>
             <a:fld id="{F6F81F14-9AEC-394B-B8F6-AE69A194437D}" type="datetime1">
               <a:rPr lang="en-US" smtClean="0"/>
-              <a:t>6/19/17</a:t>
+              <a:t>6/29/2017</a:t>
             </a:fld>
             <a:endParaRPr lang="en-US" dirty="0"/>
           </a:p>
@@ -2008,7 +2010,7 @@
           </a:lstStyle>
           <a:p>
             <a:r>
-              <a:rPr lang="zh-TW" altLang="en-US" smtClean="0"/>
+              <a:rPr lang="zh-TW" altLang="en-US"/>
               <a:t>按一下以編輯母片標題樣式</a:t>
             </a:r>
             <a:endParaRPr lang="en-US" dirty="0"/>
@@ -2083,7 +2085,7 @@
           <a:p>
             <a:pPr lvl="0"/>
             <a:r>
-              <a:rPr lang="zh-TW" altLang="en-US" smtClean="0"/>
+              <a:rPr lang="zh-TW" altLang="en-US"/>
               <a:t>按一下以編輯母片文字樣式</a:t>
             </a:r>
           </a:p>
@@ -2150,7 +2152,7 @@
           <a:p>
             <a:pPr lvl="0"/>
             <a:r>
-              <a:rPr lang="zh-TW" altLang="en-US" smtClean="0"/>
+              <a:rPr lang="zh-TW" altLang="en-US"/>
               <a:t>按一下以編輯母片文字樣式</a:t>
             </a:r>
           </a:p>
@@ -2224,7 +2226,7 @@
           <a:p>
             <a:pPr lvl="0"/>
             <a:r>
-              <a:rPr lang="zh-TW" altLang="en-US" smtClean="0"/>
+              <a:rPr lang="zh-TW" altLang="en-US"/>
               <a:t>按一下以編輯母片文字樣式</a:t>
             </a:r>
           </a:p>
@@ -2291,7 +2293,7 @@
           <a:p>
             <a:pPr lvl="0"/>
             <a:r>
-              <a:rPr lang="zh-TW" altLang="en-US" smtClean="0"/>
+              <a:rPr lang="zh-TW" altLang="en-US"/>
               <a:t>按一下以編輯母片文字樣式</a:t>
             </a:r>
           </a:p>
@@ -2365,7 +2367,7 @@
           <a:p>
             <a:pPr lvl="0"/>
             <a:r>
-              <a:rPr lang="zh-TW" altLang="en-US" smtClean="0"/>
+              <a:rPr lang="zh-TW" altLang="en-US"/>
               <a:t>按一下以編輯母片文字樣式</a:t>
             </a:r>
           </a:p>
@@ -2432,7 +2434,7 @@
           <a:p>
             <a:pPr lvl="0"/>
             <a:r>
-              <a:rPr lang="zh-TW" altLang="en-US" smtClean="0"/>
+              <a:rPr lang="zh-TW" altLang="en-US"/>
               <a:t>按一下以編輯母片文字樣式</a:t>
             </a:r>
           </a:p>
@@ -2533,7 +2535,7 @@
           <a:p>
             <a:fld id="{F6F81F14-9AEC-394B-B8F6-AE69A194437D}" type="datetime1">
               <a:rPr lang="en-US" smtClean="0"/>
-              <a:t>6/19/17</a:t>
+              <a:t>6/29/2017</a:t>
             </a:fld>
             <a:endParaRPr lang="en-US" dirty="0"/>
           </a:p>
@@ -2627,7 +2629,7 @@
           </a:lstStyle>
           <a:p>
             <a:r>
-              <a:rPr lang="zh-TW" altLang="en-US" smtClean="0"/>
+              <a:rPr lang="zh-TW" altLang="en-US"/>
               <a:t>按一下以編輯母片標題樣式</a:t>
             </a:r>
             <a:endParaRPr lang="en-US" dirty="0"/>
@@ -2702,7 +2704,7 @@
           <a:p>
             <a:pPr lvl="0"/>
             <a:r>
-              <a:rPr lang="zh-TW" altLang="en-US" smtClean="0"/>
+              <a:rPr lang="zh-TW" altLang="en-US"/>
               <a:t>按一下以編輯母片文字樣式</a:t>
             </a:r>
           </a:p>
@@ -2780,7 +2782,7 @@
           </a:lstStyle>
           <a:p>
             <a:r>
-              <a:rPr lang="zh-TW" altLang="en-US" smtClean="0"/>
+              <a:rPr lang="zh-TW" altLang="en-US"/>
               <a:t>將圖片拖曳至版面配置區或按一下圖示以新增</a:t>
             </a:r>
             <a:endParaRPr lang="en-US" dirty="0"/>
@@ -2848,7 +2850,7 @@
           <a:p>
             <a:pPr lvl="0"/>
             <a:r>
-              <a:rPr lang="zh-TW" altLang="en-US" smtClean="0"/>
+              <a:rPr lang="zh-TW" altLang="en-US"/>
               <a:t>按一下以編輯母片文字樣式</a:t>
             </a:r>
           </a:p>
@@ -2922,7 +2924,7 @@
           <a:p>
             <a:pPr lvl="0"/>
             <a:r>
-              <a:rPr lang="zh-TW" altLang="en-US" smtClean="0"/>
+              <a:rPr lang="zh-TW" altLang="en-US"/>
               <a:t>按一下以編輯母片文字樣式</a:t>
             </a:r>
           </a:p>
@@ -3000,7 +3002,7 @@
           </a:lstStyle>
           <a:p>
             <a:r>
-              <a:rPr lang="zh-TW" altLang="en-US" smtClean="0"/>
+              <a:rPr lang="zh-TW" altLang="en-US"/>
               <a:t>將圖片拖曳至版面配置區或按一下圖示以新增</a:t>
             </a:r>
             <a:endParaRPr lang="en-US" dirty="0"/>
@@ -3068,7 +3070,7 @@
           <a:p>
             <a:pPr lvl="0"/>
             <a:r>
-              <a:rPr lang="zh-TW" altLang="en-US" smtClean="0"/>
+              <a:rPr lang="zh-TW" altLang="en-US"/>
               <a:t>按一下以編輯母片文字樣式</a:t>
             </a:r>
           </a:p>
@@ -3142,7 +3144,7 @@
           <a:p>
             <a:pPr lvl="0"/>
             <a:r>
-              <a:rPr lang="zh-TW" altLang="en-US" smtClean="0"/>
+              <a:rPr lang="zh-TW" altLang="en-US"/>
               <a:t>按一下以編輯母片文字樣式</a:t>
             </a:r>
           </a:p>
@@ -3220,7 +3222,7 @@
           </a:lstStyle>
           <a:p>
             <a:r>
-              <a:rPr lang="zh-TW" altLang="en-US" smtClean="0"/>
+              <a:rPr lang="zh-TW" altLang="en-US"/>
               <a:t>將圖片拖曳至版面配置區或按一下圖示以新增</a:t>
             </a:r>
             <a:endParaRPr lang="en-US" dirty="0"/>
@@ -3288,7 +3290,7 @@
           <a:p>
             <a:pPr lvl="0"/>
             <a:r>
-              <a:rPr lang="zh-TW" altLang="en-US" smtClean="0"/>
+              <a:rPr lang="zh-TW" altLang="en-US"/>
               <a:t>按一下以編輯母片文字樣式</a:t>
             </a:r>
           </a:p>
@@ -3389,7 +3391,7 @@
           <a:p>
             <a:fld id="{F6F81F14-9AEC-394B-B8F6-AE69A194437D}" type="datetime1">
               <a:rPr lang="en-US" smtClean="0"/>
-              <a:t>6/19/17</a:t>
+              <a:t>6/29/2017</a:t>
             </a:fld>
             <a:endParaRPr lang="en-US" dirty="0"/>
           </a:p>
@@ -3479,7 +3481,7 @@
           <a:lstStyle/>
           <a:p>
             <a:r>
-              <a:rPr lang="zh-TW" altLang="en-US" smtClean="0"/>
+              <a:rPr lang="zh-TW" altLang="en-US"/>
               <a:t>按一下以編輯母片標題樣式</a:t>
             </a:r>
             <a:endParaRPr lang="en-US" dirty="0"/>
@@ -3503,35 +3505,35 @@
           <a:p>
             <a:pPr lvl="0"/>
             <a:r>
-              <a:rPr lang="zh-TW" altLang="en-US" smtClean="0"/>
+              <a:rPr lang="zh-TW" altLang="en-US"/>
               <a:t>按一下以編輯母片文字樣式</a:t>
             </a:r>
           </a:p>
           <a:p>
             <a:pPr lvl="1"/>
             <a:r>
-              <a:rPr lang="zh-TW" altLang="en-US" smtClean="0"/>
+              <a:rPr lang="zh-TW" altLang="en-US"/>
               <a:t>第二層</a:t>
             </a:r>
           </a:p>
           <a:p>
             <a:pPr lvl="2"/>
             <a:r>
-              <a:rPr lang="zh-TW" altLang="en-US" smtClean="0"/>
+              <a:rPr lang="zh-TW" altLang="en-US"/>
               <a:t>第三層</a:t>
             </a:r>
           </a:p>
           <a:p>
             <a:pPr lvl="3"/>
             <a:r>
-              <a:rPr lang="zh-TW" altLang="en-US" smtClean="0"/>
+              <a:rPr lang="zh-TW" altLang="en-US"/>
               <a:t>第四層</a:t>
             </a:r>
           </a:p>
           <a:p>
             <a:pPr lvl="4"/>
             <a:r>
-              <a:rPr lang="zh-TW" altLang="en-US" smtClean="0"/>
+              <a:rPr lang="zh-TW" altLang="en-US"/>
               <a:t>第五層</a:t>
             </a:r>
             <a:endParaRPr lang="en-US" dirty="0"/>
@@ -3555,7 +3557,7 @@
           <a:p>
             <a:fld id="{F6F81F14-9AEC-394B-B8F6-AE69A194437D}" type="datetime1">
               <a:rPr lang="en-US" smtClean="0"/>
-              <a:t>6/19/17</a:t>
+              <a:t>6/29/2017</a:t>
             </a:fld>
             <a:endParaRPr lang="en-US" dirty="0"/>
           </a:p>
@@ -3650,7 +3652,7 @@
           <a:lstStyle/>
           <a:p>
             <a:r>
-              <a:rPr lang="zh-TW" altLang="en-US" smtClean="0"/>
+              <a:rPr lang="zh-TW" altLang="en-US"/>
               <a:t>按一下以編輯母片標題樣式</a:t>
             </a:r>
             <a:endParaRPr lang="en-US" dirty="0"/>
@@ -3679,35 +3681,35 @@
           <a:p>
             <a:pPr lvl="0"/>
             <a:r>
-              <a:rPr lang="zh-TW" altLang="en-US" smtClean="0"/>
+              <a:rPr lang="zh-TW" altLang="en-US"/>
               <a:t>按一下以編輯母片文字樣式</a:t>
             </a:r>
           </a:p>
           <a:p>
             <a:pPr lvl="1"/>
             <a:r>
-              <a:rPr lang="zh-TW" altLang="en-US" smtClean="0"/>
+              <a:rPr lang="zh-TW" altLang="en-US"/>
               <a:t>第二層</a:t>
             </a:r>
           </a:p>
           <a:p>
             <a:pPr lvl="2"/>
             <a:r>
-              <a:rPr lang="zh-TW" altLang="en-US" smtClean="0"/>
+              <a:rPr lang="zh-TW" altLang="en-US"/>
               <a:t>第三層</a:t>
             </a:r>
           </a:p>
           <a:p>
             <a:pPr lvl="3"/>
             <a:r>
-              <a:rPr lang="zh-TW" altLang="en-US" smtClean="0"/>
+              <a:rPr lang="zh-TW" altLang="en-US"/>
               <a:t>第四層</a:t>
             </a:r>
           </a:p>
           <a:p>
             <a:pPr lvl="4"/>
             <a:r>
-              <a:rPr lang="zh-TW" altLang="en-US" smtClean="0"/>
+              <a:rPr lang="zh-TW" altLang="en-US"/>
               <a:t>第五層</a:t>
             </a:r>
             <a:endParaRPr lang="en-US" dirty="0"/>
@@ -3731,7 +3733,7 @@
           <a:p>
             <a:fld id="{F6F81F14-9AEC-394B-B8F6-AE69A194437D}" type="datetime1">
               <a:rPr lang="en-US" smtClean="0"/>
-              <a:t>6/19/17</a:t>
+              <a:t>6/29/2017</a:t>
             </a:fld>
             <a:endParaRPr lang="en-US" dirty="0"/>
           </a:p>
@@ -3821,7 +3823,7 @@
           <a:lstStyle/>
           <a:p>
             <a:r>
-              <a:rPr lang="zh-TW" altLang="en-US" smtClean="0"/>
+              <a:rPr lang="zh-TW" altLang="en-US"/>
               <a:t>按一下以編輯母片標題樣式</a:t>
             </a:r>
             <a:endParaRPr lang="en-US" dirty="0"/>
@@ -3845,35 +3847,35 @@
           <a:p>
             <a:pPr lvl="0"/>
             <a:r>
-              <a:rPr lang="zh-TW" altLang="en-US" smtClean="0"/>
+              <a:rPr lang="zh-TW" altLang="en-US"/>
               <a:t>按一下以編輯母片文字樣式</a:t>
             </a:r>
           </a:p>
           <a:p>
             <a:pPr lvl="1"/>
             <a:r>
-              <a:rPr lang="zh-TW" altLang="en-US" smtClean="0"/>
+              <a:rPr lang="zh-TW" altLang="en-US"/>
               <a:t>第二層</a:t>
             </a:r>
           </a:p>
           <a:p>
             <a:pPr lvl="2"/>
             <a:r>
-              <a:rPr lang="zh-TW" altLang="en-US" smtClean="0"/>
+              <a:rPr lang="zh-TW" altLang="en-US"/>
               <a:t>第三層</a:t>
             </a:r>
           </a:p>
           <a:p>
             <a:pPr lvl="3"/>
             <a:r>
-              <a:rPr lang="zh-TW" altLang="en-US" smtClean="0"/>
+              <a:rPr lang="zh-TW" altLang="en-US"/>
               <a:t>第四層</a:t>
             </a:r>
           </a:p>
           <a:p>
             <a:pPr lvl="4"/>
             <a:r>
-              <a:rPr lang="zh-TW" altLang="en-US" smtClean="0"/>
+              <a:rPr lang="zh-TW" altLang="en-US"/>
               <a:t>第五層</a:t>
             </a:r>
             <a:endParaRPr lang="en-US" dirty="0"/>
@@ -3897,7 +3899,7 @@
           <a:p>
             <a:fld id="{F6F81F14-9AEC-394B-B8F6-AE69A194437D}" type="datetime1">
               <a:rPr lang="en-US" smtClean="0"/>
-              <a:t>6/19/17</a:t>
+              <a:t>6/29/2017</a:t>
             </a:fld>
             <a:endParaRPr lang="en-US" dirty="0"/>
           </a:p>
@@ -3996,7 +3998,7 @@
           </a:lstStyle>
           <a:p>
             <a:r>
-              <a:rPr lang="zh-TW" altLang="en-US" smtClean="0"/>
+              <a:rPr lang="zh-TW" altLang="en-US"/>
               <a:t>按一下以編輯母片標題樣式</a:t>
             </a:r>
             <a:endParaRPr lang="en-US" dirty="0"/>
@@ -4117,7 +4119,7 @@
           <a:p>
             <a:pPr lvl="0"/>
             <a:r>
-              <a:rPr lang="zh-TW" altLang="en-US" smtClean="0"/>
+              <a:rPr lang="zh-TW" altLang="en-US"/>
               <a:t>按一下以編輯母片文字樣式</a:t>
             </a:r>
           </a:p>
@@ -4140,7 +4142,7 @@
           <a:p>
             <a:fld id="{F6F81F14-9AEC-394B-B8F6-AE69A194437D}" type="datetime1">
               <a:rPr lang="en-US" smtClean="0"/>
-              <a:t>6/19/17</a:t>
+              <a:t>6/29/2017</a:t>
             </a:fld>
             <a:endParaRPr lang="en-US" dirty="0"/>
           </a:p>
@@ -4230,7 +4232,7 @@
           <a:lstStyle/>
           <a:p>
             <a:r>
-              <a:rPr lang="zh-TW" altLang="en-US" smtClean="0"/>
+              <a:rPr lang="zh-TW" altLang="en-US"/>
               <a:t>按一下以編輯母片標題樣式</a:t>
             </a:r>
             <a:endParaRPr lang="en-US" dirty="0"/>
@@ -4289,35 +4291,35 @@
           <a:p>
             <a:pPr lvl="0"/>
             <a:r>
-              <a:rPr lang="zh-TW" altLang="en-US" smtClean="0"/>
+              <a:rPr lang="zh-TW" altLang="en-US"/>
               <a:t>按一下以編輯母片文字樣式</a:t>
             </a:r>
           </a:p>
           <a:p>
             <a:pPr lvl="1"/>
             <a:r>
-              <a:rPr lang="zh-TW" altLang="en-US" smtClean="0"/>
+              <a:rPr lang="zh-TW" altLang="en-US"/>
               <a:t>第二層</a:t>
             </a:r>
           </a:p>
           <a:p>
             <a:pPr lvl="2"/>
             <a:r>
-              <a:rPr lang="zh-TW" altLang="en-US" smtClean="0"/>
+              <a:rPr lang="zh-TW" altLang="en-US"/>
               <a:t>第三層</a:t>
             </a:r>
           </a:p>
           <a:p>
             <a:pPr lvl="3"/>
             <a:r>
-              <a:rPr lang="zh-TW" altLang="en-US" smtClean="0"/>
+              <a:rPr lang="zh-TW" altLang="en-US"/>
               <a:t>第四層</a:t>
             </a:r>
           </a:p>
           <a:p>
             <a:pPr lvl="4"/>
             <a:r>
-              <a:rPr lang="zh-TW" altLang="en-US" smtClean="0"/>
+              <a:rPr lang="zh-TW" altLang="en-US"/>
               <a:t>第五層</a:t>
             </a:r>
             <a:endParaRPr lang="en-US" dirty="0"/>
@@ -4376,35 +4378,35 @@
           <a:p>
             <a:pPr lvl="0"/>
             <a:r>
-              <a:rPr lang="zh-TW" altLang="en-US" smtClean="0"/>
+              <a:rPr lang="zh-TW" altLang="en-US"/>
               <a:t>按一下以編輯母片文字樣式</a:t>
             </a:r>
           </a:p>
           <a:p>
             <a:pPr lvl="1"/>
             <a:r>
-              <a:rPr lang="zh-TW" altLang="en-US" smtClean="0"/>
+              <a:rPr lang="zh-TW" altLang="en-US"/>
               <a:t>第二層</a:t>
             </a:r>
           </a:p>
           <a:p>
             <a:pPr lvl="2"/>
             <a:r>
-              <a:rPr lang="zh-TW" altLang="en-US" smtClean="0"/>
+              <a:rPr lang="zh-TW" altLang="en-US"/>
               <a:t>第三層</a:t>
             </a:r>
           </a:p>
           <a:p>
             <a:pPr lvl="3"/>
             <a:r>
-              <a:rPr lang="zh-TW" altLang="en-US" smtClean="0"/>
+              <a:rPr lang="zh-TW" altLang="en-US"/>
               <a:t>第四層</a:t>
             </a:r>
           </a:p>
           <a:p>
             <a:pPr lvl="4"/>
             <a:r>
-              <a:rPr lang="zh-TW" altLang="en-US" smtClean="0"/>
+              <a:rPr lang="zh-TW" altLang="en-US"/>
               <a:t>第五層</a:t>
             </a:r>
             <a:endParaRPr lang="en-US" dirty="0"/>
@@ -4428,7 +4430,7 @@
           <a:p>
             <a:fld id="{F6F81F14-9AEC-394B-B8F6-AE69A194437D}" type="datetime1">
               <a:rPr lang="en-US" smtClean="0"/>
-              <a:t>6/19/17</a:t>
+              <a:t>6/29/2017</a:t>
             </a:fld>
             <a:endParaRPr lang="en-US" dirty="0"/>
           </a:p>
@@ -4522,7 +4524,7 @@
           </a:lstStyle>
           <a:p>
             <a:r>
-              <a:rPr lang="zh-TW" altLang="en-US" smtClean="0"/>
+              <a:rPr lang="zh-TW" altLang="en-US"/>
               <a:t>按一下以編輯母片標題樣式</a:t>
             </a:r>
             <a:endParaRPr lang="en-US" dirty="0"/>
@@ -4597,7 +4599,7 @@
           <a:p>
             <a:pPr lvl="0"/>
             <a:r>
-              <a:rPr lang="zh-TW" altLang="en-US" smtClean="0"/>
+              <a:rPr lang="zh-TW" altLang="en-US"/>
               <a:t>按一下以編輯母片文字樣式</a:t>
             </a:r>
           </a:p>
@@ -4655,35 +4657,35 @@
           <a:p>
             <a:pPr lvl="0"/>
             <a:r>
-              <a:rPr lang="zh-TW" altLang="en-US" smtClean="0"/>
+              <a:rPr lang="zh-TW" altLang="en-US"/>
               <a:t>按一下以編輯母片文字樣式</a:t>
             </a:r>
           </a:p>
           <a:p>
             <a:pPr lvl="1"/>
             <a:r>
-              <a:rPr lang="zh-TW" altLang="en-US" smtClean="0"/>
+              <a:rPr lang="zh-TW" altLang="en-US"/>
               <a:t>第二層</a:t>
             </a:r>
           </a:p>
           <a:p>
             <a:pPr lvl="2"/>
             <a:r>
-              <a:rPr lang="zh-TW" altLang="en-US" smtClean="0"/>
+              <a:rPr lang="zh-TW" altLang="en-US"/>
               <a:t>第三層</a:t>
             </a:r>
           </a:p>
           <a:p>
             <a:pPr lvl="3"/>
             <a:r>
-              <a:rPr lang="zh-TW" altLang="en-US" smtClean="0"/>
+              <a:rPr lang="zh-TW" altLang="en-US"/>
               <a:t>第四層</a:t>
             </a:r>
           </a:p>
           <a:p>
             <a:pPr lvl="4"/>
             <a:r>
-              <a:rPr lang="zh-TW" altLang="en-US" smtClean="0"/>
+              <a:rPr lang="zh-TW" altLang="en-US"/>
               <a:t>第五層</a:t>
             </a:r>
             <a:endParaRPr lang="en-US" dirty="0"/>
@@ -4758,7 +4760,7 @@
           <a:p>
             <a:pPr lvl="0"/>
             <a:r>
-              <a:rPr lang="zh-TW" altLang="en-US" smtClean="0"/>
+              <a:rPr lang="zh-TW" altLang="en-US"/>
               <a:t>按一下以編輯母片文字樣式</a:t>
             </a:r>
           </a:p>
@@ -4816,35 +4818,35 @@
           <a:p>
             <a:pPr lvl="0"/>
             <a:r>
-              <a:rPr lang="zh-TW" altLang="en-US" smtClean="0"/>
+              <a:rPr lang="zh-TW" altLang="en-US"/>
               <a:t>按一下以編輯母片文字樣式</a:t>
             </a:r>
           </a:p>
           <a:p>
             <a:pPr lvl="1"/>
             <a:r>
-              <a:rPr lang="zh-TW" altLang="en-US" smtClean="0"/>
+              <a:rPr lang="zh-TW" altLang="en-US"/>
               <a:t>第二層</a:t>
             </a:r>
           </a:p>
           <a:p>
             <a:pPr lvl="2"/>
             <a:r>
-              <a:rPr lang="zh-TW" altLang="en-US" smtClean="0"/>
+              <a:rPr lang="zh-TW" altLang="en-US"/>
               <a:t>第三層</a:t>
             </a:r>
           </a:p>
           <a:p>
             <a:pPr lvl="3"/>
             <a:r>
-              <a:rPr lang="zh-TW" altLang="en-US" smtClean="0"/>
+              <a:rPr lang="zh-TW" altLang="en-US"/>
               <a:t>第四層</a:t>
             </a:r>
           </a:p>
           <a:p>
             <a:pPr lvl="4"/>
             <a:r>
-              <a:rPr lang="zh-TW" altLang="en-US" smtClean="0"/>
+              <a:rPr lang="zh-TW" altLang="en-US"/>
               <a:t>第五層</a:t>
             </a:r>
             <a:endParaRPr lang="en-US" dirty="0"/>
@@ -4868,7 +4870,7 @@
           <a:p>
             <a:fld id="{F6F81F14-9AEC-394B-B8F6-AE69A194437D}" type="datetime1">
               <a:rPr lang="en-US" smtClean="0"/>
-              <a:t>6/19/17</a:t>
+              <a:t>6/29/2017</a:t>
             </a:fld>
             <a:endParaRPr lang="en-US" dirty="0"/>
           </a:p>
@@ -4958,7 +4960,7 @@
           <a:lstStyle/>
           <a:p>
             <a:r>
-              <a:rPr lang="zh-TW" altLang="en-US" smtClean="0"/>
+              <a:rPr lang="zh-TW" altLang="en-US"/>
               <a:t>按一下以編輯母片標題樣式</a:t>
             </a:r>
             <a:endParaRPr lang="en-US" dirty="0"/>
@@ -4982,7 +4984,7 @@
           <a:p>
             <a:fld id="{F6F81F14-9AEC-394B-B8F6-AE69A194437D}" type="datetime1">
               <a:rPr lang="en-US" smtClean="0"/>
-              <a:t>6/19/17</a:t>
+              <a:t>6/29/2017</a:t>
             </a:fld>
             <a:endParaRPr lang="en-US" dirty="0"/>
           </a:p>
@@ -5073,7 +5075,7 @@
           <a:p>
             <a:fld id="{F6F81F14-9AEC-394B-B8F6-AE69A194437D}" type="datetime1">
               <a:rPr lang="en-US" smtClean="0"/>
-              <a:t>6/19/17</a:t>
+              <a:t>6/29/2017</a:t>
             </a:fld>
             <a:endParaRPr lang="en-US" dirty="0"/>
           </a:p>
@@ -5172,7 +5174,7 @@
           </a:lstStyle>
           <a:p>
             <a:r>
-              <a:rPr lang="zh-TW" altLang="en-US" smtClean="0"/>
+              <a:rPr lang="zh-TW" altLang="en-US"/>
               <a:t>按一下以編輯母片標題樣式</a:t>
             </a:r>
             <a:endParaRPr lang="en-US" dirty="0"/>
@@ -5231,35 +5233,35 @@
           <a:p>
             <a:pPr lvl="0"/>
             <a:r>
-              <a:rPr lang="zh-TW" altLang="en-US" smtClean="0"/>
+              <a:rPr lang="zh-TW" altLang="en-US"/>
               <a:t>按一下以編輯母片文字樣式</a:t>
             </a:r>
           </a:p>
           <a:p>
             <a:pPr lvl="1"/>
             <a:r>
-              <a:rPr lang="zh-TW" altLang="en-US" smtClean="0"/>
+              <a:rPr lang="zh-TW" altLang="en-US"/>
               <a:t>第二層</a:t>
             </a:r>
           </a:p>
           <a:p>
             <a:pPr lvl="2"/>
             <a:r>
-              <a:rPr lang="zh-TW" altLang="en-US" smtClean="0"/>
+              <a:rPr lang="zh-TW" altLang="en-US"/>
               <a:t>第三層</a:t>
             </a:r>
           </a:p>
           <a:p>
             <a:pPr lvl="3"/>
             <a:r>
-              <a:rPr lang="zh-TW" altLang="en-US" smtClean="0"/>
+              <a:rPr lang="zh-TW" altLang="en-US"/>
               <a:t>第四層</a:t>
             </a:r>
           </a:p>
           <a:p>
             <a:pPr lvl="4"/>
             <a:r>
-              <a:rPr lang="zh-TW" altLang="en-US" smtClean="0"/>
+              <a:rPr lang="zh-TW" altLang="en-US"/>
               <a:t>第五層</a:t>
             </a:r>
             <a:endParaRPr lang="en-US" dirty="0"/>
@@ -5325,7 +5327,7 @@
           <a:p>
             <a:pPr lvl="0"/>
             <a:r>
-              <a:rPr lang="zh-TW" altLang="en-US" smtClean="0"/>
+              <a:rPr lang="zh-TW" altLang="en-US"/>
               <a:t>按一下以編輯母片文字樣式</a:t>
             </a:r>
           </a:p>
@@ -5348,7 +5350,7 @@
           <a:p>
             <a:fld id="{F6F81F14-9AEC-394B-B8F6-AE69A194437D}" type="datetime1">
               <a:rPr lang="en-US" smtClean="0"/>
-              <a:t>6/19/17</a:t>
+              <a:t>6/29/2017</a:t>
             </a:fld>
             <a:endParaRPr lang="en-US" dirty="0"/>
           </a:p>
@@ -5449,7 +5451,7 @@
           </a:lstStyle>
           <a:p>
             <a:r>
-              <a:rPr lang="zh-TW" altLang="en-US" smtClean="0"/>
+              <a:rPr lang="zh-TW" altLang="en-US"/>
               <a:t>按一下以編輯母片標題樣式</a:t>
             </a:r>
             <a:endParaRPr lang="en-US" dirty="0"/>
@@ -5528,7 +5530,7 @@
           </a:lstStyle>
           <a:p>
             <a:r>
-              <a:rPr lang="zh-TW" altLang="en-US" smtClean="0"/>
+              <a:rPr lang="zh-TW" altLang="en-US"/>
               <a:t>將圖片拖曳至版面配置區或按一下圖示以新增</a:t>
             </a:r>
             <a:endParaRPr lang="en-US" dirty="0"/>
@@ -5596,7 +5598,7 @@
           <a:p>
             <a:pPr lvl="0"/>
             <a:r>
-              <a:rPr lang="zh-TW" altLang="en-US" smtClean="0"/>
+              <a:rPr lang="zh-TW" altLang="en-US"/>
               <a:t>按一下以編輯母片文字樣式</a:t>
             </a:r>
           </a:p>
@@ -5619,7 +5621,7 @@
           <a:p>
             <a:fld id="{F6F81F14-9AEC-394B-B8F6-AE69A194437D}" type="datetime1">
               <a:rPr lang="en-US" smtClean="0"/>
-              <a:t>6/19/17</a:t>
+              <a:t>6/29/2017</a:t>
             </a:fld>
             <a:endParaRPr lang="en-US" dirty="0"/>
           </a:p>
@@ -6075,7 +6077,7 @@
           <a:lstStyle/>
           <a:p>
             <a:r>
-              <a:rPr lang="zh-TW" altLang="en-US" smtClean="0"/>
+              <a:rPr lang="zh-TW" altLang="en-US"/>
               <a:t>按一下以編輯母片標題樣式</a:t>
             </a:r>
             <a:endParaRPr lang="en-US" dirty="0"/>
@@ -6109,35 +6111,35 @@
           <a:p>
             <a:pPr lvl="0"/>
             <a:r>
-              <a:rPr lang="zh-TW" altLang="en-US" smtClean="0"/>
+              <a:rPr lang="zh-TW" altLang="en-US"/>
               <a:t>按一下以編輯母片文字樣式</a:t>
             </a:r>
           </a:p>
           <a:p>
             <a:pPr lvl="1"/>
             <a:r>
-              <a:rPr lang="zh-TW" altLang="en-US" smtClean="0"/>
+              <a:rPr lang="zh-TW" altLang="en-US"/>
               <a:t>第二層</a:t>
             </a:r>
           </a:p>
           <a:p>
             <a:pPr lvl="2"/>
             <a:r>
-              <a:rPr lang="zh-TW" altLang="en-US" smtClean="0"/>
+              <a:rPr lang="zh-TW" altLang="en-US"/>
               <a:t>第三層</a:t>
             </a:r>
           </a:p>
           <a:p>
             <a:pPr lvl="3"/>
             <a:r>
-              <a:rPr lang="zh-TW" altLang="en-US" smtClean="0"/>
+              <a:rPr lang="zh-TW" altLang="en-US"/>
               <a:t>第四層</a:t>
             </a:r>
           </a:p>
           <a:p>
             <a:pPr lvl="4"/>
             <a:r>
-              <a:rPr lang="zh-TW" altLang="en-US" smtClean="0"/>
+              <a:rPr lang="zh-TW" altLang="en-US"/>
               <a:t>第五層</a:t>
             </a:r>
             <a:endParaRPr lang="en-US" dirty="0"/>
@@ -6174,13 +6176,16 @@
                     <a:alpha val="60000"/>
                   </a:schemeClr>
                 </a:solidFill>
+                <a:latin typeface="微軟正黑體" panose="020B0604030504040204" pitchFamily="34" charset="-120"/>
+                <a:ea typeface="微軟正黑體" panose="020B0604030504040204" pitchFamily="34" charset="-120"/>
               </a:defRPr>
             </a:lvl1pPr>
           </a:lstStyle>
           <a:p>
             <a:fld id="{F6F81F14-9AEC-394B-B8F6-AE69A194437D}" type="datetime1">
               <a:rPr lang="en-US" smtClean="0"/>
-              <a:t>6/19/17</a:t>
+              <a:pPr/>
+              <a:t>6/29/2017</a:t>
             </a:fld>
             <a:endParaRPr lang="en-US" dirty="0"/>
           </a:p>
@@ -6216,6 +6221,8 @@
                     <a:alpha val="60000"/>
                   </a:schemeClr>
                 </a:solidFill>
+                <a:latin typeface="微軟正黑體" panose="020B0604030504040204" pitchFamily="34" charset="-120"/>
+                <a:ea typeface="微軟正黑體" panose="020B0604030504040204" pitchFamily="34" charset="-120"/>
               </a:defRPr>
             </a:lvl1pPr>
           </a:lstStyle>
@@ -6253,12 +6260,15 @@
                     <a:tint val="75000"/>
                   </a:schemeClr>
                 </a:solidFill>
+                <a:latin typeface="微軟正黑體" panose="020B0604030504040204" pitchFamily="34" charset="-120"/>
+                <a:ea typeface="微軟正黑體" panose="020B0604030504040204" pitchFamily="34" charset="-120"/>
               </a:defRPr>
             </a:lvl1pPr>
           </a:lstStyle>
           <a:p>
             <a:fld id="{EBFB1032-EA64-7144-B003-9BCC9D94B503}" type="slidenum">
               <a:rPr lang="en-US" smtClean="0"/>
+              <a:pPr/>
               <a:t>‹#›</a:t>
             </a:fld>
             <a:endParaRPr lang="en-US" dirty="0"/>
@@ -6304,8 +6314,8 @@
           <a:solidFill>
             <a:schemeClr val="tx2"/>
           </a:solidFill>
-          <a:latin typeface="+mj-lt"/>
-          <a:ea typeface="+mj-ea"/>
+          <a:latin typeface="微軟正黑體" panose="020B0604030504040204" pitchFamily="34" charset="-120"/>
+          <a:ea typeface="微軟正黑體" panose="020B0604030504040204" pitchFamily="34" charset="-120"/>
           <a:cs typeface="+mj-cs"/>
         </a:defRPr>
       </a:lvl1pPr>
@@ -6387,8 +6397,8 @@
           <a:solidFill>
             <a:schemeClr val="tx1"/>
           </a:solidFill>
-          <a:latin typeface="+mj-lt"/>
-          <a:ea typeface="+mj-ea"/>
+          <a:latin typeface="微軟正黑體" panose="020B0604030504040204" pitchFamily="34" charset="-120"/>
+          <a:ea typeface="微軟正黑體" panose="020B0604030504040204" pitchFamily="34" charset="-120"/>
           <a:cs typeface="+mj-cs"/>
         </a:defRPr>
       </a:lvl1pPr>
@@ -6412,8 +6422,8 @@
           <a:solidFill>
             <a:schemeClr val="tx1"/>
           </a:solidFill>
-          <a:latin typeface="+mj-lt"/>
-          <a:ea typeface="+mj-ea"/>
+          <a:latin typeface="微軟正黑體" panose="020B0604030504040204" pitchFamily="34" charset="-120"/>
+          <a:ea typeface="微軟正黑體" panose="020B0604030504040204" pitchFamily="34" charset="-120"/>
           <a:cs typeface="+mj-cs"/>
         </a:defRPr>
       </a:lvl2pPr>
@@ -6437,8 +6447,8 @@
           <a:solidFill>
             <a:schemeClr val="tx1"/>
           </a:solidFill>
-          <a:latin typeface="+mj-lt"/>
-          <a:ea typeface="+mj-ea"/>
+          <a:latin typeface="微軟正黑體" panose="020B0604030504040204" pitchFamily="34" charset="-120"/>
+          <a:ea typeface="微軟正黑體" panose="020B0604030504040204" pitchFamily="34" charset="-120"/>
           <a:cs typeface="+mj-cs"/>
         </a:defRPr>
       </a:lvl3pPr>
@@ -6462,8 +6472,8 @@
           <a:solidFill>
             <a:schemeClr val="tx1"/>
           </a:solidFill>
-          <a:latin typeface="+mj-lt"/>
-          <a:ea typeface="+mj-ea"/>
+          <a:latin typeface="微軟正黑體" panose="020B0604030504040204" pitchFamily="34" charset="-120"/>
+          <a:ea typeface="微軟正黑體" panose="020B0604030504040204" pitchFamily="34" charset="-120"/>
           <a:cs typeface="+mj-cs"/>
         </a:defRPr>
       </a:lvl4pPr>
@@ -6487,8 +6497,8 @@
           <a:solidFill>
             <a:schemeClr val="tx1"/>
           </a:solidFill>
-          <a:latin typeface="+mj-lt"/>
-          <a:ea typeface="+mj-ea"/>
+          <a:latin typeface="微軟正黑體" panose="020B0604030504040204" pitchFamily="34" charset="-120"/>
+          <a:ea typeface="微軟正黑體" panose="020B0604030504040204" pitchFamily="34" charset="-120"/>
           <a:cs typeface="+mj-cs"/>
         </a:defRPr>
       </a:lvl5pPr>
@@ -6730,21 +6740,28 @@
           <a:lstStyle/>
           <a:p>
             <a:r>
-              <a:rPr kumimoji="1" lang="zh-TW" altLang="en-US" dirty="0" smtClean="0"/>
+              <a:rPr kumimoji="1" lang="zh-TW" altLang="en-US" dirty="0"/>
               <a:t>嵌入式系統</a:t>
             </a:r>
-            <a:r>
-              <a:rPr kumimoji="1" lang="en-US" altLang="zh-TW" dirty="0" smtClean="0"/>
-              <a:t/>
-            </a:r>
             <a:br>
-              <a:rPr kumimoji="1" lang="en-US" altLang="zh-TW" dirty="0" smtClean="0"/>
+              <a:rPr kumimoji="1" lang="en-US" altLang="zh-TW" dirty="0"/>
             </a:br>
             <a:r>
-              <a:rPr lang="en-US" altLang="ja-JP" dirty="0"/>
-              <a:t>Embedded Systems</a:t>
-            </a:r>
-            <a:endParaRPr kumimoji="1" lang="zh-TW" altLang="en-US" dirty="0"/>
+              <a:rPr kumimoji="1" lang="en-US" altLang="zh-TW" dirty="0"/>
+              <a:t>Lab 05:Raspberry Pi </a:t>
+            </a:r>
+            <a:r>
+              <a:rPr kumimoji="1" lang="zh-TW" altLang="en-US" dirty="0"/>
+              <a:t>的</a:t>
+            </a:r>
+            <a:r>
+              <a:rPr kumimoji="1" lang="en-US" altLang="zh-TW" dirty="0"/>
+              <a:t>GPIO</a:t>
+            </a:r>
+            <a:r>
+              <a:rPr kumimoji="1" lang="zh-TW" altLang="en-US" dirty="0"/>
+              <a:t>數位輸出、輸入 </a:t>
+            </a:r>
           </a:p>
         </p:txBody>
       </p:sp>
@@ -6764,22 +6781,21 @@
           <a:lstStyle/>
           <a:p>
             <a:r>
-              <a:rPr kumimoji="1" lang="zh-TW" altLang="en-US" dirty="0" smtClean="0"/>
+              <a:rPr kumimoji="1" lang="zh-TW" altLang="en-US" dirty="0"/>
               <a:t>銘傳大學 電腦與通訊</a:t>
             </a:r>
             <a:r>
-              <a:rPr kumimoji="1" lang="zh-TW" altLang="en-US" smtClean="0"/>
+              <a:rPr kumimoji="1" lang="zh-TW" altLang="en-US"/>
               <a:t>工程學系</a:t>
             </a:r>
             <a:r>
-              <a:rPr kumimoji="1" lang="en-US" altLang="zh-TW" smtClean="0"/>
+              <a:rPr kumimoji="1" lang="en-US" altLang="zh-TW"/>
               <a:t>  </a:t>
             </a:r>
             <a:r>
-              <a:rPr kumimoji="1" lang="zh-TW" altLang="en-US" dirty="0" smtClean="0"/>
+              <a:rPr kumimoji="1" lang="zh-TW" altLang="en-US" dirty="0"/>
               <a:t>羅嘉寧</a:t>
             </a:r>
-            <a:endParaRPr kumimoji="1" lang="zh-TW" altLang="en-US" dirty="0"/>
           </a:p>
         </p:txBody>
       </p:sp>
@@ -6829,14 +6845,9 @@
           <a:lstStyle/>
           <a:p>
             <a:r>
-              <a:rPr lang="zh-TW" altLang="en-US" dirty="0" smtClean="0"/>
-              <a:t>測試</a:t>
-            </a:r>
-            <a:r>
-              <a:rPr lang="en-US" altLang="zh-TW" dirty="0" smtClean="0"/>
-              <a:t>GPIO</a:t>
-            </a:r>
-            <a:endParaRPr lang="zh-TW" altLang="en-US" dirty="0"/>
+              <a:rPr lang="zh-TW" altLang="en-US" dirty="0"/>
+              <a:t>電路</a:t>
+            </a:r>
           </a:p>
         </p:txBody>
       </p:sp>
@@ -6850,43 +6861,93 @@
             <p:ph idx="1"/>
           </p:nvPr>
         </p:nvSpPr>
-        <p:spPr>
-          <a:xfrm>
-            <a:off x="900113" y="2133601"/>
-            <a:ext cx="3290888" cy="3931920"/>
-          </a:xfrm>
-        </p:spPr>
+        <p:spPr/>
         <p:txBody>
           <a:bodyPr/>
           <a:lstStyle/>
           <a:p>
             <a:r>
-              <a:rPr lang="zh-TW" altLang="en-US" dirty="0" smtClean="0"/>
-              <a:t>將</a:t>
-            </a:r>
-            <a:r>
-              <a:rPr lang="en-US" altLang="zh-TW" dirty="0" smtClean="0"/>
-              <a:t>LED</a:t>
-            </a:r>
-            <a:r>
-              <a:rPr lang="zh-TW" altLang="en-US" dirty="0" smtClean="0"/>
-              <a:t>燈一端接</a:t>
-            </a:r>
-            <a:r>
-              <a:rPr lang="en-US" altLang="zh-TW" dirty="0" smtClean="0"/>
-              <a:t>3.3V</a:t>
-            </a:r>
-            <a:r>
-              <a:rPr lang="zh-TW" altLang="en-US" dirty="0" smtClean="0"/>
-              <a:t>，另一端接地，則</a:t>
-            </a:r>
-            <a:r>
-              <a:rPr lang="en-US" altLang="zh-TW" dirty="0" smtClean="0"/>
-              <a:t>LED</a:t>
-            </a:r>
-            <a:r>
-              <a:rPr lang="zh-TW" altLang="en-US" dirty="0" smtClean="0"/>
-              <a:t>燈將恆亮</a:t>
+              <a:rPr lang="en-US" altLang="zh-TW" dirty="0"/>
+              <a:t>Pin 7 (GPIO4) </a:t>
+            </a:r>
+            <a:r>
+              <a:rPr lang="en-US" altLang="zh-TW" dirty="0">
+                <a:sym typeface="Wingdings" panose="05000000000000000000" pitchFamily="2" charset="2"/>
+              </a:rPr>
+              <a:t> LED(+</a:t>
+            </a:r>
+            <a:r>
+              <a:rPr lang="zh-TW" altLang="en-US" dirty="0">
+                <a:sym typeface="Wingdings" panose="05000000000000000000" pitchFamily="2" charset="2"/>
+              </a:rPr>
+              <a:t>長腳</a:t>
+            </a:r>
+            <a:r>
+              <a:rPr lang="en-US" altLang="zh-TW" dirty="0">
+                <a:sym typeface="Wingdings" panose="05000000000000000000" pitchFamily="2" charset="2"/>
+              </a:rPr>
+              <a:t>)</a:t>
+            </a:r>
+          </a:p>
+          <a:p>
+            <a:r>
+              <a:rPr lang="en-US" altLang="zh-TW" dirty="0">
+                <a:sym typeface="Wingdings" panose="05000000000000000000" pitchFamily="2" charset="2"/>
+              </a:rPr>
+              <a:t>LED(-</a:t>
+            </a:r>
+            <a:r>
+              <a:rPr lang="zh-TW" altLang="en-US" dirty="0">
+                <a:sym typeface="Wingdings" panose="05000000000000000000" pitchFamily="2" charset="2"/>
+              </a:rPr>
+              <a:t>短腳</a:t>
+            </a:r>
+            <a:r>
+              <a:rPr lang="en-US" altLang="zh-TW" dirty="0">
+                <a:sym typeface="Wingdings" panose="05000000000000000000" pitchFamily="2" charset="2"/>
+              </a:rPr>
+              <a:t>) 10K</a:t>
+            </a:r>
+            <a:r>
+              <a:rPr lang="el-GR" altLang="zh-TW" dirty="0"/>
+              <a:t> Ω</a:t>
+            </a:r>
+            <a:r>
+              <a:rPr lang="zh-TW" altLang="en-US" dirty="0"/>
+              <a:t>電阻</a:t>
+            </a:r>
+            <a:endParaRPr lang="en-US" altLang="zh-TW" dirty="0"/>
+          </a:p>
+          <a:p>
+            <a:r>
+              <a:rPr lang="en-US" altLang="zh-TW" dirty="0"/>
+              <a:t>10K</a:t>
+            </a:r>
+            <a:r>
+              <a:rPr lang="el-GR" altLang="zh-TW" dirty="0"/>
+              <a:t> Ω</a:t>
+            </a:r>
+            <a:r>
+              <a:rPr lang="zh-TW" altLang="en-US" dirty="0"/>
+              <a:t>電阻</a:t>
+            </a:r>
+            <a:r>
+              <a:rPr lang="en-US" altLang="zh-TW" dirty="0">
+                <a:sym typeface="Wingdings" panose="05000000000000000000" pitchFamily="2" charset="2"/>
+              </a:rPr>
+              <a:t></a:t>
+            </a:r>
+            <a:r>
+              <a:rPr lang="zh-TW" altLang="en-US" dirty="0">
+                <a:sym typeface="Wingdings" panose="05000000000000000000" pitchFamily="2" charset="2"/>
+              </a:rPr>
+              <a:t>接地</a:t>
+            </a:r>
+            <a:r>
+              <a:rPr lang="en-US" altLang="zh-TW" dirty="0">
+                <a:sym typeface="Wingdings" panose="05000000000000000000" pitchFamily="2" charset="2"/>
+              </a:rPr>
+              <a:t>(Pin6)</a:t>
             </a:r>
             <a:endParaRPr lang="zh-TW" altLang="en-US" dirty="0"/>
           </a:p>
@@ -6915,53 +6976,16 @@
           </a:p>
         </p:txBody>
       </p:sp>
-      <p:pic>
-        <p:nvPicPr>
-          <p:cNvPr id="6" name="圖片 5"/>
-          <p:cNvPicPr>
-            <a:picLocks noChangeAspect="1"/>
-          </p:cNvPicPr>
-          <p:nvPr/>
-        </p:nvPicPr>
-        <p:blipFill>
-          <a:blip r:embed="rId2">
-            <a:extLst>
-              <a:ext uri="{28A0092B-C50C-407E-A947-70E740481C1C}">
-                <a14:useLocalDpi xmlns:a14="http://schemas.microsoft.com/office/drawing/2010/main" val="0"/>
-              </a:ext>
-            </a:extLst>
-          </a:blip>
-          <a:stretch>
-            <a:fillRect/>
-          </a:stretch>
-        </p:blipFill>
-        <p:spPr>
-          <a:xfrm>
-            <a:off x="4319587" y="1874837"/>
-            <a:ext cx="4043363" cy="4543104"/>
-          </a:xfrm>
-          <a:prstGeom prst="rect">
-            <a:avLst/>
-          </a:prstGeom>
-        </p:spPr>
-      </p:pic>
     </p:spTree>
     <p:extLst>
       <p:ext uri="{BB962C8B-B14F-4D97-AF65-F5344CB8AC3E}">
-        <p14:creationId xmlns:p14="http://schemas.microsoft.com/office/powerpoint/2010/main" val="4108447067"/>
+        <p14:creationId xmlns:p14="http://schemas.microsoft.com/office/powerpoint/2010/main" val="3909960579"/>
       </p:ext>
     </p:extLst>
   </p:cSld>
   <p:clrMapOvr>
     <a:masterClrMapping/>
   </p:clrMapOvr>
-  <p:timing>
-    <p:tnLst>
-      <p:par>
-        <p:cTn id="1" dur="indefinite" restart="never" nodeType="tmRoot"/>
-      </p:par>
-    </p:tnLst>
-  </p:timing>
 </p:sld>
 </file>
 
@@ -6994,209 +7018,23 @@
         </p:nvSpPr>
         <p:spPr/>
         <p:txBody>
-          <a:bodyPr/>
-          <a:lstStyle/>
-          <a:p>
-            <a:r>
-              <a:rPr lang="zh-TW" altLang="en-US" dirty="0" smtClean="0"/>
-              <a:t>電路</a:t>
-            </a:r>
-            <a:endParaRPr lang="zh-TW" altLang="en-US" dirty="0"/>
-          </a:p>
-        </p:txBody>
-      </p:sp>
-      <p:sp>
-        <p:nvSpPr>
-          <p:cNvPr id="3" name="內容版面配置區 2"/>
-          <p:cNvSpPr>
-            <a:spLocks noGrp="1"/>
-          </p:cNvSpPr>
-          <p:nvPr>
-            <p:ph idx="1"/>
-          </p:nvPr>
-        </p:nvSpPr>
-        <p:spPr/>
-        <p:txBody>
-          <a:bodyPr/>
-          <a:lstStyle/>
-          <a:p>
-            <a:r>
-              <a:rPr lang="en-US" altLang="zh-TW" dirty="0" smtClean="0"/>
-              <a:t>Pin 7 (GPIO4) </a:t>
-            </a:r>
-            <a:r>
-              <a:rPr lang="en-US" altLang="zh-TW" dirty="0" smtClean="0">
-                <a:sym typeface="Wingdings" panose="05000000000000000000" pitchFamily="2" charset="2"/>
-              </a:rPr>
-              <a:t> LED(+</a:t>
-            </a:r>
-            <a:r>
-              <a:rPr lang="zh-TW" altLang="en-US" dirty="0" smtClean="0">
-                <a:sym typeface="Wingdings" panose="05000000000000000000" pitchFamily="2" charset="2"/>
-              </a:rPr>
-              <a:t>長腳</a:t>
-            </a:r>
-            <a:r>
-              <a:rPr lang="en-US" altLang="zh-TW" dirty="0" smtClean="0">
-                <a:sym typeface="Wingdings" panose="05000000000000000000" pitchFamily="2" charset="2"/>
-              </a:rPr>
-              <a:t>)</a:t>
-            </a:r>
-          </a:p>
-          <a:p>
-            <a:r>
-              <a:rPr lang="en-US" altLang="zh-TW" dirty="0" smtClean="0">
-                <a:sym typeface="Wingdings" panose="05000000000000000000" pitchFamily="2" charset="2"/>
-              </a:rPr>
-              <a:t>LED(-</a:t>
-            </a:r>
-            <a:r>
-              <a:rPr lang="zh-TW" altLang="en-US" dirty="0" smtClean="0">
-                <a:sym typeface="Wingdings" panose="05000000000000000000" pitchFamily="2" charset="2"/>
-              </a:rPr>
-              <a:t>短腳</a:t>
-            </a:r>
-            <a:r>
-              <a:rPr lang="en-US" altLang="zh-TW" dirty="0" smtClean="0">
-                <a:sym typeface="Wingdings" panose="05000000000000000000" pitchFamily="2" charset="2"/>
-              </a:rPr>
-              <a:t>) 10K</a:t>
-            </a:r>
-            <a:r>
-              <a:rPr lang="el-GR" altLang="zh-TW" dirty="0"/>
-              <a:t> Ω</a:t>
-            </a:r>
-            <a:r>
-              <a:rPr lang="zh-TW" altLang="en-US" dirty="0" smtClean="0"/>
-              <a:t>電阻</a:t>
-            </a:r>
-            <a:endParaRPr lang="en-US" altLang="zh-TW" dirty="0" smtClean="0"/>
-          </a:p>
-          <a:p>
-            <a:r>
-              <a:rPr lang="en-US" altLang="zh-TW" dirty="0" smtClean="0"/>
-              <a:t>10K</a:t>
-            </a:r>
-            <a:r>
-              <a:rPr lang="el-GR" altLang="zh-TW" dirty="0"/>
-              <a:t> Ω</a:t>
-            </a:r>
-            <a:r>
-              <a:rPr lang="zh-TW" altLang="en-US" dirty="0" smtClean="0"/>
-              <a:t>電阻</a:t>
-            </a:r>
-            <a:r>
-              <a:rPr lang="en-US" altLang="zh-TW" dirty="0" smtClean="0">
-                <a:sym typeface="Wingdings" panose="05000000000000000000" pitchFamily="2" charset="2"/>
-              </a:rPr>
-              <a:t></a:t>
-            </a:r>
-            <a:r>
-              <a:rPr lang="zh-TW" altLang="en-US" dirty="0" smtClean="0">
-                <a:sym typeface="Wingdings" panose="05000000000000000000" pitchFamily="2" charset="2"/>
-              </a:rPr>
-              <a:t>接地</a:t>
-            </a:r>
-            <a:r>
-              <a:rPr lang="en-US" altLang="zh-TW" dirty="0" smtClean="0">
-                <a:sym typeface="Wingdings" panose="05000000000000000000" pitchFamily="2" charset="2"/>
-              </a:rPr>
-              <a:t>(Pin6)</a:t>
-            </a:r>
-            <a:endParaRPr lang="zh-TW" altLang="en-US" dirty="0"/>
-          </a:p>
-        </p:txBody>
-      </p:sp>
-      <p:sp>
-        <p:nvSpPr>
-          <p:cNvPr id="4" name="投影片編號版面配置區 3"/>
-          <p:cNvSpPr>
-            <a:spLocks noGrp="1"/>
-          </p:cNvSpPr>
-          <p:nvPr>
-            <p:ph type="sldNum" sz="quarter" idx="12"/>
-          </p:nvPr>
-        </p:nvSpPr>
-        <p:spPr/>
-        <p:txBody>
-          <a:bodyPr/>
-          <a:lstStyle/>
-          <a:p>
-            <a:fld id="{EBFB1032-EA64-7144-B003-9BCC9D94B503}" type="slidenum">
-              <a:rPr lang="en-US" smtClean="0"/>
-              <a:t>11</a:t>
-            </a:fld>
-            <a:endParaRPr lang="en-US" dirty="0"/>
-          </a:p>
-        </p:txBody>
-      </p:sp>
-    </p:spTree>
-    <p:extLst>
-      <p:ext uri="{BB962C8B-B14F-4D97-AF65-F5344CB8AC3E}">
-        <p14:creationId xmlns:p14="http://schemas.microsoft.com/office/powerpoint/2010/main" val="3909960579"/>
-      </p:ext>
-    </p:extLst>
-  </p:cSld>
-  <p:clrMapOvr>
-    <a:masterClrMapping/>
-  </p:clrMapOvr>
-  <p:timing>
-    <p:tnLst>
-      <p:par>
-        <p:cTn id="1" dur="indefinite" restart="never" nodeType="tmRoot"/>
-      </p:par>
-    </p:tnLst>
-  </p:timing>
-</p:sld>
-</file>
-
-<file path=ppt/slides/slide12.xml><?xml version="1.0" encoding="utf-8"?>
-<p:sld xmlns:a="http://schemas.openxmlformats.org/drawingml/2006/main" xmlns:r="http://schemas.openxmlformats.org/officeDocument/2006/relationships" xmlns:p="http://schemas.openxmlformats.org/presentationml/2006/main">
-  <p:cSld>
-    <p:spTree>
-      <p:nvGrpSpPr>
-        <p:cNvPr id="1" name=""/>
-        <p:cNvGrpSpPr/>
-        <p:nvPr/>
-      </p:nvGrpSpPr>
-      <p:grpSpPr>
-        <a:xfrm>
-          <a:off x="0" y="0"/>
-          <a:ext cx="0" cy="0"/>
-          <a:chOff x="0" y="0"/>
-          <a:chExt cx="0" cy="0"/>
-        </a:xfrm>
-      </p:grpSpPr>
-      <p:sp>
-        <p:nvSpPr>
-          <p:cNvPr id="2" name="標題 1"/>
-          <p:cNvSpPr>
-            <a:spLocks noGrp="1"/>
-          </p:cNvSpPr>
-          <p:nvPr>
-            <p:ph type="title"/>
-          </p:nvPr>
-        </p:nvSpPr>
-        <p:spPr/>
-        <p:txBody>
           <a:bodyPr>
             <a:normAutofit/>
           </a:bodyPr>
           <a:lstStyle/>
           <a:p>
             <a:r>
-              <a:rPr lang="zh-TW" altLang="en-US" dirty="0" smtClean="0"/>
+              <a:rPr lang="zh-TW" altLang="en-US" dirty="0"/>
               <a:t>方法一：在</a:t>
             </a:r>
             <a:r>
-              <a:rPr lang="en-US" altLang="zh-TW" dirty="0" smtClean="0"/>
+              <a:rPr lang="en-US" altLang="zh-TW" dirty="0"/>
               <a:t>Python</a:t>
             </a:r>
             <a:r>
-              <a:rPr lang="zh-TW" altLang="en-US" dirty="0" smtClean="0"/>
+              <a:rPr lang="zh-TW" altLang="en-US" dirty="0"/>
               <a:t>環境下撰寫</a:t>
             </a:r>
-            <a:endParaRPr lang="zh-TW" altLang="en-US" dirty="0"/>
           </a:p>
         </p:txBody>
       </p:sp>
@@ -7221,14 +7059,14 @@
               <a:buNone/>
             </a:pPr>
             <a:r>
-              <a:rPr lang="en-US" altLang="zh-TW" dirty="0" err="1" smtClean="0">
+              <a:rPr lang="en-US" altLang="zh-TW" dirty="0" err="1">
                 <a:latin typeface="Courier New" panose="02070309020205020404" pitchFamily="49" charset="0"/>
                 <a:cs typeface="Courier New" panose="02070309020205020404" pitchFamily="49" charset="0"/>
               </a:rPr>
               <a:t>sudo</a:t>
             </a:r>
             <a:r>
-              <a:rPr lang="en-US" altLang="zh-TW" dirty="0" smtClean="0">
+              <a:rPr lang="en-US" altLang="zh-TW" dirty="0">
                 <a:latin typeface="Courier New" panose="02070309020205020404" pitchFamily="49" charset="0"/>
                 <a:cs typeface="Courier New" panose="02070309020205020404" pitchFamily="49" charset="0"/>
               </a:rPr>
@@ -7240,7 +7078,7 @@
               <a:buNone/>
             </a:pPr>
             <a:r>
-              <a:rPr lang="en-US" altLang="zh-TW" dirty="0" smtClean="0">
+              <a:rPr lang="en-US" altLang="zh-TW" dirty="0">
                 <a:latin typeface="Courier New" panose="02070309020205020404" pitchFamily="49" charset="0"/>
                 <a:cs typeface="Courier New" panose="02070309020205020404" pitchFamily="49" charset="0"/>
               </a:rPr>
@@ -7252,21 +7090,21 @@
               <a:buNone/>
             </a:pPr>
             <a:r>
-              <a:rPr lang="en-US" altLang="zh-TW" dirty="0" smtClean="0">
+              <a:rPr lang="en-US" altLang="zh-TW" dirty="0">
                 <a:latin typeface="Courier New" panose="02070309020205020404" pitchFamily="49" charset="0"/>
                 <a:cs typeface="Courier New" panose="02070309020205020404" pitchFamily="49" charset="0"/>
               </a:rPr>
               <a:t>&gt;&gt;&gt;import </a:t>
             </a:r>
             <a:r>
-              <a:rPr lang="en-US" altLang="zh-TW" dirty="0" err="1" smtClean="0">
+              <a:rPr lang="en-US" altLang="zh-TW" dirty="0" err="1">
                 <a:latin typeface="Courier New" panose="02070309020205020404" pitchFamily="49" charset="0"/>
                 <a:cs typeface="Courier New" panose="02070309020205020404" pitchFamily="49" charset="0"/>
               </a:rPr>
               <a:t>RPi.GPIO</a:t>
             </a:r>
             <a:r>
-              <a:rPr lang="en-US" altLang="zh-TW" dirty="0" smtClean="0">
+              <a:rPr lang="en-US" altLang="zh-TW" dirty="0">
                 <a:latin typeface="Courier New" panose="02070309020205020404" pitchFamily="49" charset="0"/>
                 <a:cs typeface="Courier New" panose="02070309020205020404" pitchFamily="49" charset="0"/>
               </a:rPr>
@@ -7278,21 +7116,21 @@
               <a:buNone/>
             </a:pPr>
             <a:r>
-              <a:rPr lang="en-US" altLang="zh-TW" dirty="0" smtClean="0">
+              <a:rPr lang="en-US" altLang="zh-TW" dirty="0">
                 <a:latin typeface="Courier New" panose="02070309020205020404" pitchFamily="49" charset="0"/>
                 <a:cs typeface="Courier New" panose="02070309020205020404" pitchFamily="49" charset="0"/>
               </a:rPr>
               <a:t>&gt;&gt;&gt;</a:t>
             </a:r>
             <a:r>
-              <a:rPr lang="en-US" altLang="zh-TW" dirty="0" err="1" smtClean="0">
+              <a:rPr lang="en-US" altLang="zh-TW" dirty="0" err="1">
                 <a:latin typeface="Courier New" panose="02070309020205020404" pitchFamily="49" charset="0"/>
                 <a:cs typeface="Courier New" panose="02070309020205020404" pitchFamily="49" charset="0"/>
               </a:rPr>
               <a:t>GPIO.setmode</a:t>
             </a:r>
             <a:r>
-              <a:rPr lang="en-US" altLang="zh-TW" dirty="0" smtClean="0">
+              <a:rPr lang="en-US" altLang="zh-TW" dirty="0">
                 <a:latin typeface="Courier New" panose="02070309020205020404" pitchFamily="49" charset="0"/>
                 <a:cs typeface="Courier New" panose="02070309020205020404" pitchFamily="49" charset="0"/>
               </a:rPr>
@@ -7304,21 +7142,21 @@
               <a:buNone/>
             </a:pPr>
             <a:r>
-              <a:rPr lang="en-US" altLang="zh-TW" dirty="0" smtClean="0">
+              <a:rPr lang="en-US" altLang="zh-TW" dirty="0">
                 <a:latin typeface="Courier New" panose="02070309020205020404" pitchFamily="49" charset="0"/>
                 <a:cs typeface="Courier New" panose="02070309020205020404" pitchFamily="49" charset="0"/>
               </a:rPr>
               <a:t>&gt;&gt;&gt;</a:t>
             </a:r>
             <a:r>
-              <a:rPr lang="en-US" altLang="zh-TW" dirty="0" err="1" smtClean="0">
+              <a:rPr lang="en-US" altLang="zh-TW" dirty="0" err="1">
                 <a:latin typeface="Courier New" panose="02070309020205020404" pitchFamily="49" charset="0"/>
                 <a:cs typeface="Courier New" panose="02070309020205020404" pitchFamily="49" charset="0"/>
               </a:rPr>
               <a:t>GPIO.setwarnings</a:t>
             </a:r>
             <a:r>
-              <a:rPr lang="en-US" altLang="zh-TW" dirty="0" smtClean="0">
+              <a:rPr lang="en-US" altLang="zh-TW" dirty="0">
                 <a:latin typeface="Courier New" panose="02070309020205020404" pitchFamily="49" charset="0"/>
                 <a:cs typeface="Courier New" panose="02070309020205020404" pitchFamily="49" charset="0"/>
               </a:rPr>
@@ -7330,21 +7168,21 @@
               <a:buNone/>
             </a:pPr>
             <a:r>
-              <a:rPr lang="en-US" altLang="zh-TW" dirty="0" smtClean="0">
+              <a:rPr lang="en-US" altLang="zh-TW" dirty="0">
                 <a:latin typeface="Courier New" panose="02070309020205020404" pitchFamily="49" charset="0"/>
                 <a:cs typeface="Courier New" panose="02070309020205020404" pitchFamily="49" charset="0"/>
               </a:rPr>
               <a:t>&gt;&gt;&gt;</a:t>
             </a:r>
             <a:r>
-              <a:rPr lang="en-US" altLang="zh-TW" dirty="0" err="1" smtClean="0">
+              <a:rPr lang="en-US" altLang="zh-TW" dirty="0" err="1">
                 <a:latin typeface="Courier New" panose="02070309020205020404" pitchFamily="49" charset="0"/>
                 <a:cs typeface="Courier New" panose="02070309020205020404" pitchFamily="49" charset="0"/>
               </a:rPr>
               <a:t>GPIO.setup</a:t>
             </a:r>
             <a:r>
-              <a:rPr lang="en-US" altLang="zh-TW" dirty="0" smtClean="0">
+              <a:rPr lang="en-US" altLang="zh-TW" dirty="0">
                 <a:latin typeface="Courier New" panose="02070309020205020404" pitchFamily="49" charset="0"/>
                 <a:cs typeface="Courier New" panose="02070309020205020404" pitchFamily="49" charset="0"/>
               </a:rPr>
@@ -7356,34 +7194,34 @@
               <a:buNone/>
             </a:pPr>
             <a:r>
-              <a:rPr lang="en-US" altLang="zh-TW" dirty="0" smtClean="0">
+              <a:rPr lang="en-US" altLang="zh-TW" dirty="0">
                 <a:latin typeface="Courier New" panose="02070309020205020404" pitchFamily="49" charset="0"/>
                 <a:cs typeface="Courier New" panose="02070309020205020404" pitchFamily="49" charset="0"/>
               </a:rPr>
               <a:t>&gt;&gt;&gt;</a:t>
             </a:r>
             <a:r>
-              <a:rPr lang="en-US" altLang="zh-TW" dirty="0" err="1" smtClean="0">
+              <a:rPr lang="en-US" altLang="zh-TW" dirty="0" err="1">
                 <a:latin typeface="Courier New" panose="02070309020205020404" pitchFamily="49" charset="0"/>
                 <a:cs typeface="Courier New" panose="02070309020205020404" pitchFamily="49" charset="0"/>
               </a:rPr>
               <a:t>GPIO.output</a:t>
             </a:r>
             <a:r>
-              <a:rPr lang="en-US" altLang="zh-TW" dirty="0" smtClean="0">
+              <a:rPr lang="en-US" altLang="zh-TW" dirty="0">
                 <a:latin typeface="Courier New" panose="02070309020205020404" pitchFamily="49" charset="0"/>
                 <a:cs typeface="Courier New" panose="02070309020205020404" pitchFamily="49" charset="0"/>
               </a:rPr>
               <a:t>(17,1)  #LED</a:t>
             </a:r>
             <a:r>
-              <a:rPr lang="zh-TW" altLang="en-US" dirty="0" smtClean="0">
+              <a:rPr lang="zh-TW" altLang="en-US" dirty="0">
                 <a:latin typeface="Courier New" panose="02070309020205020404" pitchFamily="49" charset="0"/>
                 <a:cs typeface="Courier New" panose="02070309020205020404" pitchFamily="49" charset="0"/>
               </a:rPr>
               <a:t>燈亮</a:t>
             </a:r>
-            <a:endParaRPr lang="en-US" altLang="zh-TW" dirty="0" smtClean="0">
+            <a:endParaRPr lang="en-US" altLang="zh-TW" dirty="0">
               <a:latin typeface="Courier New" panose="02070309020205020404" pitchFamily="49" charset="0"/>
               <a:cs typeface="Courier New" panose="02070309020205020404" pitchFamily="49" charset="0"/>
             </a:endParaRPr>
@@ -7393,34 +7231,34 @@
               <a:buNone/>
             </a:pPr>
             <a:r>
-              <a:rPr lang="en-US" altLang="zh-TW" dirty="0" smtClean="0">
+              <a:rPr lang="en-US" altLang="zh-TW" dirty="0">
                 <a:latin typeface="Courier New" panose="02070309020205020404" pitchFamily="49" charset="0"/>
                 <a:cs typeface="Courier New" panose="02070309020205020404" pitchFamily="49" charset="0"/>
               </a:rPr>
               <a:t>&gt;&gt;&gt;</a:t>
             </a:r>
             <a:r>
-              <a:rPr lang="en-US" altLang="zh-TW" dirty="0" err="1" smtClean="0">
+              <a:rPr lang="en-US" altLang="zh-TW" dirty="0" err="1">
                 <a:latin typeface="Courier New" panose="02070309020205020404" pitchFamily="49" charset="0"/>
                 <a:cs typeface="Courier New" panose="02070309020205020404" pitchFamily="49" charset="0"/>
               </a:rPr>
               <a:t>GPIO.output</a:t>
             </a:r>
             <a:r>
-              <a:rPr lang="en-US" altLang="zh-TW" dirty="0" smtClean="0">
+              <a:rPr lang="en-US" altLang="zh-TW" dirty="0">
                 <a:latin typeface="Courier New" panose="02070309020205020404" pitchFamily="49" charset="0"/>
                 <a:cs typeface="Courier New" panose="02070309020205020404" pitchFamily="49" charset="0"/>
               </a:rPr>
               <a:t>(17,0)  #LED</a:t>
             </a:r>
             <a:r>
-              <a:rPr lang="zh-TW" altLang="en-US" dirty="0" smtClean="0">
+              <a:rPr lang="zh-TW" altLang="en-US" dirty="0">
                 <a:latin typeface="Courier New" panose="02070309020205020404" pitchFamily="49" charset="0"/>
                 <a:cs typeface="Courier New" panose="02070309020205020404" pitchFamily="49" charset="0"/>
               </a:rPr>
               <a:t>燈熄</a:t>
             </a:r>
-            <a:endParaRPr lang="en-US" altLang="zh-TW" dirty="0" smtClean="0">
+            <a:endParaRPr lang="en-US" altLang="zh-TW" dirty="0">
               <a:latin typeface="Courier New" panose="02070309020205020404" pitchFamily="49" charset="0"/>
               <a:cs typeface="Courier New" panose="02070309020205020404" pitchFamily="49" charset="0"/>
             </a:endParaRPr>
@@ -7430,7 +7268,7 @@
               <a:buNone/>
             </a:pPr>
             <a:r>
-              <a:rPr lang="en-US" altLang="zh-TW" dirty="0" smtClean="0">
+              <a:rPr lang="en-US" altLang="zh-TW" dirty="0">
                 <a:latin typeface="Courier New" panose="02070309020205020404" pitchFamily="49" charset="0"/>
                 <a:cs typeface="Courier New" panose="02070309020205020404" pitchFamily="49" charset="0"/>
               </a:rPr>
@@ -7465,7 +7303,7 @@
           <a:p>
             <a:fld id="{EBFB1032-EA64-7144-B003-9BCC9D94B503}" type="slidenum">
               <a:rPr lang="en-US" smtClean="0"/>
-              <a:t>12</a:t>
+              <a:t>11</a:t>
             </a:fld>
             <a:endParaRPr lang="en-US" dirty="0"/>
           </a:p>
@@ -7511,13 +7349,215 @@
   <p:clrMapOvr>
     <a:masterClrMapping/>
   </p:clrMapOvr>
-  <p:timing>
-    <p:tnLst>
-      <p:par>
-        <p:cTn id="1" dur="indefinite" restart="never" nodeType="tmRoot"/>
-      </p:par>
-    </p:tnLst>
-  </p:timing>
+</p:sld>
+</file>
+
+<file path=ppt/slides/slide12.xml><?xml version="1.0" encoding="utf-8"?>
+<p:sld xmlns:a="http://schemas.openxmlformats.org/drawingml/2006/main" xmlns:r="http://schemas.openxmlformats.org/officeDocument/2006/relationships" xmlns:p="http://schemas.openxmlformats.org/presentationml/2006/main">
+  <p:cSld>
+    <p:spTree>
+      <p:nvGrpSpPr>
+        <p:cNvPr id="1" name=""/>
+        <p:cNvGrpSpPr/>
+        <p:nvPr/>
+      </p:nvGrpSpPr>
+      <p:grpSpPr>
+        <a:xfrm>
+          <a:off x="0" y="0"/>
+          <a:ext cx="0" cy="0"/>
+          <a:chOff x="0" y="0"/>
+          <a:chExt cx="0" cy="0"/>
+        </a:xfrm>
+      </p:grpSpPr>
+      <p:sp>
+        <p:nvSpPr>
+          <p:cNvPr id="2" name="標題 1"/>
+          <p:cNvSpPr>
+            <a:spLocks noGrp="1"/>
+          </p:cNvSpPr>
+          <p:nvPr>
+            <p:ph type="title"/>
+          </p:nvPr>
+        </p:nvSpPr>
+        <p:spPr/>
+        <p:txBody>
+          <a:bodyPr/>
+          <a:lstStyle/>
+          <a:p>
+            <a:r>
+              <a:rPr lang="en-US" altLang="zh-TW" dirty="0" err="1"/>
+              <a:t>GPIO.setmode</a:t>
+            </a:r>
+            <a:r>
+              <a:rPr lang="en-US" altLang="zh-TW" dirty="0"/>
+              <a:t>()</a:t>
+            </a:r>
+            <a:endParaRPr lang="zh-TW" altLang="en-US" dirty="0"/>
+          </a:p>
+        </p:txBody>
+      </p:sp>
+      <p:sp>
+        <p:nvSpPr>
+          <p:cNvPr id="3" name="內容版面配置區 2"/>
+          <p:cNvSpPr>
+            <a:spLocks noGrp="1"/>
+          </p:cNvSpPr>
+          <p:nvPr>
+            <p:ph idx="1"/>
+          </p:nvPr>
+        </p:nvSpPr>
+        <p:spPr/>
+        <p:txBody>
+          <a:bodyPr>
+            <a:normAutofit/>
+          </a:bodyPr>
+          <a:lstStyle/>
+          <a:p>
+            <a:r>
+              <a:rPr lang="en-US" altLang="zh-TW" dirty="0" err="1"/>
+              <a:t>GPIO.setmode</a:t>
+            </a:r>
+            <a:r>
+              <a:rPr lang="en-US" altLang="zh-TW" dirty="0"/>
+              <a:t>(GPIO.BCM)</a:t>
+            </a:r>
+          </a:p>
+          <a:p>
+            <a:r>
+              <a:rPr lang="en-US" altLang="zh-TW" dirty="0" err="1"/>
+              <a:t>GPIO.setmode</a:t>
+            </a:r>
+            <a:r>
+              <a:rPr lang="en-US" altLang="zh-TW" dirty="0"/>
+              <a:t>(GPIO.BOARD)</a:t>
+            </a:r>
+          </a:p>
+          <a:p>
+            <a:pPr lvl="1"/>
+            <a:r>
+              <a:rPr lang="en-US" altLang="zh-TW" dirty="0"/>
+              <a:t>GPIO.BCM</a:t>
+            </a:r>
+            <a:r>
+              <a:rPr lang="zh-TW" altLang="en-US" dirty="0"/>
+              <a:t>：</a:t>
+            </a:r>
+            <a:r>
+              <a:rPr lang="en-US" altLang="zh-TW" dirty="0"/>
+              <a:t>GPIO</a:t>
+            </a:r>
+            <a:r>
+              <a:rPr lang="zh-TW" altLang="en-US" dirty="0"/>
+              <a:t>模組的數字定義為</a:t>
+            </a:r>
+            <a:endParaRPr lang="en-US" altLang="zh-TW" dirty="0"/>
+          </a:p>
+          <a:p>
+            <a:pPr lvl="2"/>
+            <a:r>
+              <a:rPr lang="en-US" altLang="zh-TW" dirty="0"/>
+              <a:t>1: GPIO1</a:t>
+            </a:r>
+          </a:p>
+          <a:p>
+            <a:pPr lvl="2"/>
+            <a:r>
+              <a:rPr lang="en-US" altLang="zh-TW" dirty="0"/>
+              <a:t>2: GPIO2</a:t>
+            </a:r>
+          </a:p>
+          <a:p>
+            <a:pPr lvl="2"/>
+            <a:r>
+              <a:rPr lang="en-US" altLang="zh-TW" dirty="0"/>
+              <a:t>3: GPIO3</a:t>
+            </a:r>
+          </a:p>
+          <a:p>
+            <a:pPr lvl="1"/>
+            <a:r>
+              <a:rPr lang="en-US" altLang="zh-TW" dirty="0"/>
+              <a:t>GPIO.BOARD</a:t>
+            </a:r>
+            <a:r>
+              <a:rPr lang="zh-TW" altLang="en-US" dirty="0"/>
+              <a:t>：</a:t>
+            </a:r>
+            <a:r>
+              <a:rPr lang="en-US" altLang="zh-TW" dirty="0"/>
+              <a:t>GPIO</a:t>
+            </a:r>
+            <a:r>
+              <a:rPr lang="zh-TW" altLang="en-US" dirty="0"/>
+              <a:t>模組的數字定義為</a:t>
+            </a:r>
+            <a:endParaRPr lang="en-US" altLang="zh-TW" dirty="0"/>
+          </a:p>
+          <a:p>
+            <a:pPr lvl="2"/>
+            <a:r>
+              <a:rPr lang="en-US" altLang="zh-TW" dirty="0"/>
+              <a:t>1: pin1</a:t>
+            </a:r>
+          </a:p>
+          <a:p>
+            <a:pPr lvl="2"/>
+            <a:r>
+              <a:rPr lang="en-US" altLang="zh-TW" dirty="0"/>
+              <a:t>2:</a:t>
+            </a:r>
+            <a:r>
+              <a:rPr lang="zh-TW" altLang="en-US" dirty="0"/>
+              <a:t> </a:t>
+            </a:r>
+            <a:r>
+              <a:rPr lang="en-US" altLang="zh-TW" dirty="0"/>
+              <a:t>pin2</a:t>
+            </a:r>
+          </a:p>
+          <a:p>
+            <a:pPr lvl="2"/>
+            <a:r>
+              <a:rPr lang="en-US" altLang="zh-TW" dirty="0"/>
+              <a:t>3: pin3</a:t>
+            </a:r>
+            <a:endParaRPr lang="zh-TW" altLang="en-US" dirty="0"/>
+          </a:p>
+        </p:txBody>
+      </p:sp>
+      <p:sp>
+        <p:nvSpPr>
+          <p:cNvPr id="4" name="投影片編號版面配置區 3"/>
+          <p:cNvSpPr>
+            <a:spLocks noGrp="1"/>
+          </p:cNvSpPr>
+          <p:nvPr>
+            <p:ph type="sldNum" sz="quarter" idx="12"/>
+          </p:nvPr>
+        </p:nvSpPr>
+        <p:spPr/>
+        <p:txBody>
+          <a:bodyPr/>
+          <a:lstStyle/>
+          <a:p>
+            <a:fld id="{EBFB1032-EA64-7144-B003-9BCC9D94B503}" type="slidenum">
+              <a:rPr lang="en-US" smtClean="0"/>
+              <a:t>12</a:t>
+            </a:fld>
+            <a:endParaRPr lang="en-US" dirty="0"/>
+          </a:p>
+        </p:txBody>
+      </p:sp>
+    </p:spTree>
+    <p:extLst>
+      <p:ext uri="{BB962C8B-B14F-4D97-AF65-F5344CB8AC3E}">
+        <p14:creationId xmlns:p14="http://schemas.microsoft.com/office/powerpoint/2010/main" val="2593438281"/>
+      </p:ext>
+    </p:extLst>
+  </p:cSld>
+  <p:clrMapOvr>
+    <a:masterClrMapping/>
+  </p:clrMapOvr>
 </p:sld>
 </file>
 
@@ -7550,147 +7590,518 @@
         </p:nvSpPr>
         <p:spPr/>
         <p:txBody>
-          <a:bodyPr/>
-          <a:lstStyle/>
-          <a:p>
-            <a:r>
-              <a:rPr lang="en-US" altLang="zh-TW" dirty="0" err="1" smtClean="0"/>
-              <a:t>GPIO.setmode</a:t>
-            </a:r>
-            <a:r>
-              <a:rPr lang="en-US" altLang="zh-TW" dirty="0" smtClean="0"/>
-              <a:t>()</a:t>
-            </a:r>
-            <a:endParaRPr lang="zh-TW" altLang="en-US" dirty="0"/>
-          </a:p>
-        </p:txBody>
-      </p:sp>
-      <p:sp>
-        <p:nvSpPr>
-          <p:cNvPr id="3" name="內容版面配置區 2"/>
-          <p:cNvSpPr>
-            <a:spLocks noGrp="1"/>
-          </p:cNvSpPr>
-          <p:nvPr>
-            <p:ph idx="1"/>
-          </p:nvPr>
-        </p:nvSpPr>
-        <p:spPr/>
-        <p:txBody>
           <a:bodyPr>
             <a:normAutofit/>
           </a:bodyPr>
           <a:lstStyle/>
           <a:p>
             <a:r>
-              <a:rPr lang="en-US" altLang="zh-TW" dirty="0" err="1" smtClean="0"/>
+              <a:rPr lang="zh-TW" altLang="en-US" dirty="0"/>
+              <a:t>建立</a:t>
+            </a:r>
+            <a:r>
+              <a:rPr lang="en-US" altLang="zh-TW" dirty="0"/>
+              <a:t>blink17.py(BCM</a:t>
+            </a:r>
+            <a:r>
+              <a:rPr lang="zh-TW" altLang="en-US" dirty="0"/>
+              <a:t>模式</a:t>
+            </a:r>
+            <a:r>
+              <a:rPr lang="en-US" altLang="zh-TW" dirty="0"/>
+              <a:t>LED</a:t>
+            </a:r>
+            <a:r>
+              <a:rPr lang="zh-TW" altLang="en-US" dirty="0"/>
+              <a:t>閃爍程式</a:t>
+            </a:r>
+            <a:r>
+              <a:rPr lang="en-US" altLang="zh-TW" dirty="0"/>
+              <a:t>)</a:t>
+            </a:r>
+            <a:endParaRPr lang="zh-TW" altLang="en-US" dirty="0"/>
+          </a:p>
+        </p:txBody>
+      </p:sp>
+      <p:sp>
+        <p:nvSpPr>
+          <p:cNvPr id="3" name="內容版面配置區 2"/>
+          <p:cNvSpPr>
+            <a:spLocks noGrp="1"/>
+          </p:cNvSpPr>
+          <p:nvPr>
+            <p:ph idx="1"/>
+          </p:nvPr>
+        </p:nvSpPr>
+        <p:spPr/>
+        <p:txBody>
+          <a:bodyPr>
+            <a:normAutofit fontScale="77500" lnSpcReduction="20000"/>
+          </a:bodyPr>
+          <a:lstStyle/>
+          <a:p>
+            <a:pPr marL="0" indent="0">
+              <a:spcBef>
+                <a:spcPts val="600"/>
+              </a:spcBef>
+              <a:buNone/>
+            </a:pPr>
+            <a:r>
+              <a:rPr lang="en-US" altLang="zh-TW" dirty="0" err="1">
+                <a:latin typeface="Courier New" panose="02070309020205020404" pitchFamily="49" charset="0"/>
+                <a:cs typeface="Courier New" panose="02070309020205020404" pitchFamily="49" charset="0"/>
+              </a:rPr>
+              <a:t>sudo</a:t>
+            </a:r>
+            <a:r>
+              <a:rPr lang="en-US" altLang="zh-TW" dirty="0">
+                <a:latin typeface="Courier New" panose="02070309020205020404" pitchFamily="49" charset="0"/>
+                <a:cs typeface="Courier New" panose="02070309020205020404" pitchFamily="49" charset="0"/>
+              </a:rPr>
+              <a:t> </a:t>
+            </a:r>
+            <a:r>
+              <a:rPr lang="en-US" altLang="zh-TW" dirty="0" err="1">
+                <a:latin typeface="Courier New" panose="02070309020205020404" pitchFamily="49" charset="0"/>
+                <a:cs typeface="Courier New" panose="02070309020205020404" pitchFamily="49" charset="0"/>
+              </a:rPr>
+              <a:t>nano</a:t>
+            </a:r>
+            <a:r>
+              <a:rPr lang="en-US" altLang="zh-TW" dirty="0">
+                <a:latin typeface="Courier New" panose="02070309020205020404" pitchFamily="49" charset="0"/>
+                <a:cs typeface="Courier New" panose="02070309020205020404" pitchFamily="49" charset="0"/>
+              </a:rPr>
+              <a:t> blink17.py</a:t>
+            </a:r>
+          </a:p>
+          <a:p>
+            <a:pPr marL="0" indent="0">
+              <a:spcBef>
+                <a:spcPts val="600"/>
+              </a:spcBef>
+              <a:buNone/>
+            </a:pPr>
+            <a:endParaRPr lang="en-US" altLang="zh-TW" dirty="0">
+              <a:latin typeface="Courier New" panose="02070309020205020404" pitchFamily="49" charset="0"/>
+              <a:cs typeface="Courier New" panose="02070309020205020404" pitchFamily="49" charset="0"/>
+            </a:endParaRPr>
+          </a:p>
+          <a:p>
+            <a:pPr>
+              <a:spcBef>
+                <a:spcPts val="600"/>
+              </a:spcBef>
+            </a:pPr>
+            <a:r>
+              <a:rPr lang="zh-TW" altLang="en-US" dirty="0">
+                <a:latin typeface="Courier New" panose="02070309020205020404" pitchFamily="49" charset="0"/>
+                <a:cs typeface="Courier New" panose="02070309020205020404" pitchFamily="49" charset="0"/>
+              </a:rPr>
+              <a:t>在檔案內輸入下列內容</a:t>
+            </a:r>
+            <a:endParaRPr lang="en-US" altLang="zh-TW" dirty="0">
+              <a:latin typeface="Courier New" panose="02070309020205020404" pitchFamily="49" charset="0"/>
+              <a:cs typeface="Courier New" panose="02070309020205020404" pitchFamily="49" charset="0"/>
+            </a:endParaRPr>
+          </a:p>
+          <a:p>
+            <a:pPr marL="0" indent="0">
+              <a:spcBef>
+                <a:spcPts val="600"/>
+              </a:spcBef>
+              <a:buNone/>
+            </a:pPr>
+            <a:r>
+              <a:rPr lang="en-US" altLang="zh-TW" dirty="0">
+                <a:latin typeface="Courier New" panose="02070309020205020404" pitchFamily="49" charset="0"/>
+                <a:cs typeface="Courier New" panose="02070309020205020404" pitchFamily="49" charset="0"/>
+              </a:rPr>
+              <a:t>#!/</a:t>
+            </a:r>
+            <a:r>
+              <a:rPr lang="en-US" altLang="zh-TW" dirty="0" err="1">
+                <a:latin typeface="Courier New" panose="02070309020205020404" pitchFamily="49" charset="0"/>
+                <a:cs typeface="Courier New" panose="02070309020205020404" pitchFamily="49" charset="0"/>
+              </a:rPr>
+              <a:t>usr</a:t>
+            </a:r>
+            <a:r>
+              <a:rPr lang="en-US" altLang="zh-TW" dirty="0">
+                <a:latin typeface="Courier New" panose="02070309020205020404" pitchFamily="49" charset="0"/>
+                <a:cs typeface="Courier New" panose="02070309020205020404" pitchFamily="49" charset="0"/>
+              </a:rPr>
+              <a:t>/bin/</a:t>
+            </a:r>
+            <a:r>
+              <a:rPr lang="en-US" altLang="zh-TW" dirty="0" err="1">
+                <a:latin typeface="Courier New" panose="02070309020205020404" pitchFamily="49" charset="0"/>
+                <a:cs typeface="Courier New" panose="02070309020205020404" pitchFamily="49" charset="0"/>
+              </a:rPr>
+              <a:t>env</a:t>
+            </a:r>
+            <a:r>
+              <a:rPr lang="en-US" altLang="zh-TW" dirty="0">
+                <a:latin typeface="Courier New" panose="02070309020205020404" pitchFamily="49" charset="0"/>
+                <a:cs typeface="Courier New" panose="02070309020205020404" pitchFamily="49" charset="0"/>
+              </a:rPr>
+              <a:t> python</a:t>
+            </a:r>
+          </a:p>
+          <a:p>
+            <a:pPr marL="0" indent="0">
+              <a:spcBef>
+                <a:spcPts val="600"/>
+              </a:spcBef>
+              <a:buNone/>
+            </a:pPr>
+            <a:r>
+              <a:rPr lang="en-US" altLang="zh-TW" dirty="0">
+                <a:latin typeface="Courier New" panose="02070309020205020404" pitchFamily="49" charset="0"/>
+                <a:cs typeface="Courier New" panose="02070309020205020404" pitchFamily="49" charset="0"/>
+              </a:rPr>
+              <a:t>import time, </a:t>
+            </a:r>
+            <a:r>
+              <a:rPr lang="en-US" altLang="zh-TW" dirty="0" err="1">
+                <a:latin typeface="Courier New" panose="02070309020205020404" pitchFamily="49" charset="0"/>
+                <a:cs typeface="Courier New" panose="02070309020205020404" pitchFamily="49" charset="0"/>
+              </a:rPr>
+              <a:t>Rpi.GPIO</a:t>
+            </a:r>
+            <a:r>
+              <a:rPr lang="en-US" altLang="zh-TW" dirty="0">
+                <a:latin typeface="Courier New" panose="02070309020205020404" pitchFamily="49" charset="0"/>
+                <a:cs typeface="Courier New" panose="02070309020205020404" pitchFamily="49" charset="0"/>
+              </a:rPr>
+              <a:t> as GPIO</a:t>
+            </a:r>
+          </a:p>
+          <a:p>
+            <a:pPr marL="0" indent="0">
+              <a:spcBef>
+                <a:spcPts val="600"/>
+              </a:spcBef>
+              <a:buNone/>
+            </a:pPr>
+            <a:r>
+              <a:rPr lang="en-US" altLang="zh-TW" dirty="0" err="1">
+                <a:latin typeface="Courier New" panose="02070309020205020404" pitchFamily="49" charset="0"/>
+                <a:cs typeface="Courier New" panose="02070309020205020404" pitchFamily="49" charset="0"/>
+              </a:rPr>
               <a:t>GPIO.setmode</a:t>
             </a:r>
             <a:r>
-              <a:rPr lang="en-US" altLang="zh-TW" dirty="0" smtClean="0"/>
+              <a:rPr lang="en-US" altLang="zh-TW" dirty="0">
+                <a:latin typeface="Courier New" panose="02070309020205020404" pitchFamily="49" charset="0"/>
+                <a:cs typeface="Courier New" panose="02070309020205020404" pitchFamily="49" charset="0"/>
+              </a:rPr>
               <a:t>(GPIO.BCM)</a:t>
             </a:r>
           </a:p>
           <a:p>
-            <a:r>
-              <a:rPr lang="en-US" altLang="zh-TW" dirty="0" err="1" smtClean="0"/>
-              <a:t>GPIO.setmode</a:t>
-            </a:r>
-            <a:r>
-              <a:rPr lang="en-US" altLang="zh-TW" dirty="0" smtClean="0"/>
-              <a:t>(GPIO.BOARD)</a:t>
-            </a:r>
-          </a:p>
-          <a:p>
-            <a:pPr lvl="1"/>
-            <a:r>
-              <a:rPr lang="en-US" altLang="zh-TW" dirty="0" smtClean="0"/>
-              <a:t>GPIO.BCM</a:t>
-            </a:r>
-            <a:r>
-              <a:rPr lang="zh-TW" altLang="en-US" dirty="0" smtClean="0"/>
-              <a:t>：</a:t>
-            </a:r>
-            <a:r>
-              <a:rPr lang="en-US" altLang="zh-TW" dirty="0" smtClean="0"/>
-              <a:t>GPIO</a:t>
-            </a:r>
-            <a:r>
-              <a:rPr lang="zh-TW" altLang="en-US" dirty="0" smtClean="0"/>
-              <a:t>模組的數字定義為</a:t>
-            </a:r>
-            <a:endParaRPr lang="en-US" altLang="zh-TW" dirty="0" smtClean="0"/>
-          </a:p>
-          <a:p>
-            <a:pPr lvl="2"/>
-            <a:r>
-              <a:rPr lang="en-US" altLang="zh-TW" dirty="0" smtClean="0"/>
-              <a:t>1: GPIO1</a:t>
-            </a:r>
-          </a:p>
-          <a:p>
-            <a:pPr lvl="2"/>
-            <a:r>
-              <a:rPr lang="en-US" altLang="zh-TW" dirty="0" smtClean="0"/>
-              <a:t>2: GPIO2</a:t>
-            </a:r>
-          </a:p>
-          <a:p>
-            <a:pPr lvl="2"/>
-            <a:r>
-              <a:rPr lang="en-US" altLang="zh-TW" dirty="0" smtClean="0"/>
-              <a:t>3: GPIO3</a:t>
-            </a:r>
-          </a:p>
-          <a:p>
-            <a:pPr lvl="1"/>
-            <a:r>
-              <a:rPr lang="en-US" altLang="zh-TW" dirty="0" smtClean="0"/>
-              <a:t>GPIO.BOARD</a:t>
-            </a:r>
-            <a:r>
-              <a:rPr lang="zh-TW" altLang="en-US" dirty="0" smtClean="0"/>
-              <a:t>：</a:t>
-            </a:r>
-            <a:r>
-              <a:rPr lang="en-US" altLang="zh-TW" dirty="0" smtClean="0"/>
-              <a:t>GPIO</a:t>
-            </a:r>
-            <a:r>
-              <a:rPr lang="zh-TW" altLang="en-US" dirty="0" smtClean="0"/>
-              <a:t>模組的數字定義為</a:t>
-            </a:r>
-            <a:endParaRPr lang="en-US" altLang="zh-TW" dirty="0" smtClean="0"/>
-          </a:p>
-          <a:p>
-            <a:pPr lvl="2"/>
-            <a:r>
-              <a:rPr lang="en-US" altLang="zh-TW" dirty="0" smtClean="0"/>
-              <a:t>1: pin1</a:t>
-            </a:r>
-          </a:p>
-          <a:p>
-            <a:pPr lvl="2"/>
-            <a:r>
-              <a:rPr lang="en-US" altLang="zh-TW" dirty="0" smtClean="0"/>
-              <a:t>2:</a:t>
-            </a:r>
-            <a:r>
-              <a:rPr lang="zh-TW" altLang="en-US" dirty="0" smtClean="0"/>
+            <a:pPr marL="0" indent="0">
+              <a:spcBef>
+                <a:spcPts val="600"/>
+              </a:spcBef>
+              <a:buNone/>
+            </a:pPr>
+            <a:r>
+              <a:rPr lang="en-US" altLang="zh-TW" dirty="0" err="1">
+                <a:latin typeface="Courier New" panose="02070309020205020404" pitchFamily="49" charset="0"/>
+                <a:cs typeface="Courier New" panose="02070309020205020404" pitchFamily="49" charset="0"/>
+              </a:rPr>
+              <a:t>GPIO.setup</a:t>
+            </a:r>
+            <a:r>
+              <a:rPr lang="en-US" altLang="zh-TW" dirty="0">
+                <a:latin typeface="Courier New" panose="02070309020205020404" pitchFamily="49" charset="0"/>
+                <a:cs typeface="Courier New" panose="02070309020205020404" pitchFamily="49" charset="0"/>
+              </a:rPr>
+              <a:t>(17, GPIO.OUT)</a:t>
+            </a:r>
+          </a:p>
+          <a:p>
+            <a:pPr marL="0" indent="0">
+              <a:spcBef>
+                <a:spcPts val="600"/>
+              </a:spcBef>
+              <a:buNone/>
+            </a:pPr>
+            <a:r>
+              <a:rPr lang="en-US" altLang="zh-TW" dirty="0">
+                <a:latin typeface="Courier New" panose="02070309020205020404" pitchFamily="49" charset="0"/>
+                <a:cs typeface="Courier New" panose="02070309020205020404" pitchFamily="49" charset="0"/>
+              </a:rPr>
+              <a:t>while True:</a:t>
+            </a:r>
+          </a:p>
+          <a:p>
+            <a:pPr marL="0" indent="0">
+              <a:spcBef>
+                <a:spcPts val="600"/>
+              </a:spcBef>
+              <a:buNone/>
+            </a:pPr>
+            <a:r>
+              <a:rPr lang="en-US" altLang="zh-TW" dirty="0">
+                <a:latin typeface="Courier New" panose="02070309020205020404" pitchFamily="49" charset="0"/>
+                <a:cs typeface="Courier New" panose="02070309020205020404" pitchFamily="49" charset="0"/>
+              </a:rPr>
+              <a:t>    </a:t>
+            </a:r>
+            <a:r>
+              <a:rPr lang="en-US" altLang="zh-TW" dirty="0" err="1">
+                <a:latin typeface="Courier New" panose="02070309020205020404" pitchFamily="49" charset="0"/>
+                <a:cs typeface="Courier New" panose="02070309020205020404" pitchFamily="49" charset="0"/>
+              </a:rPr>
+              <a:t>LEDon</a:t>
+            </a:r>
+            <a:r>
+              <a:rPr lang="en-US" altLang="zh-TW" dirty="0">
+                <a:latin typeface="Courier New" panose="02070309020205020404" pitchFamily="49" charset="0"/>
+                <a:cs typeface="Courier New" panose="02070309020205020404" pitchFamily="49" charset="0"/>
+              </a:rPr>
+              <a:t> = </a:t>
+            </a:r>
+            <a:r>
+              <a:rPr lang="en-US" altLang="zh-TW" dirty="0" err="1">
+                <a:latin typeface="Courier New" panose="02070309020205020404" pitchFamily="49" charset="0"/>
+                <a:cs typeface="Courier New" panose="02070309020205020404" pitchFamily="49" charset="0"/>
+              </a:rPr>
+              <a:t>GPIO.output</a:t>
+            </a:r>
+            <a:r>
+              <a:rPr lang="en-US" altLang="zh-TW" dirty="0">
+                <a:latin typeface="Courier New" panose="02070309020205020404" pitchFamily="49" charset="0"/>
+                <a:cs typeface="Courier New" panose="02070309020205020404" pitchFamily="49" charset="0"/>
+              </a:rPr>
+              <a:t>(17, 1)</a:t>
+            </a:r>
+            <a:r>
+              <a:rPr lang="zh-TW" altLang="en-US" dirty="0">
+                <a:latin typeface="Courier New" panose="02070309020205020404" pitchFamily="49" charset="0"/>
+                <a:cs typeface="Courier New" panose="02070309020205020404" pitchFamily="49" charset="0"/>
+              </a:rPr>
+              <a:t>   </a:t>
+            </a:r>
+            <a:r>
+              <a:rPr lang="en-US" altLang="zh-TW" dirty="0">
+                <a:latin typeface="Courier New" panose="02070309020205020404" pitchFamily="49" charset="0"/>
+                <a:cs typeface="Courier New" panose="02070309020205020404" pitchFamily="49" charset="0"/>
+              </a:rPr>
+              <a:t>#LED</a:t>
+            </a:r>
+            <a:r>
+              <a:rPr lang="zh-TW" altLang="en-US" dirty="0">
+                <a:latin typeface="Courier New" panose="02070309020205020404" pitchFamily="49" charset="0"/>
+                <a:cs typeface="Courier New" panose="02070309020205020404" pitchFamily="49" charset="0"/>
+              </a:rPr>
+              <a:t>燈亮</a:t>
+            </a:r>
+            <a:endParaRPr lang="en-US" altLang="zh-TW" dirty="0">
+              <a:latin typeface="Courier New" panose="02070309020205020404" pitchFamily="49" charset="0"/>
+              <a:cs typeface="Courier New" panose="02070309020205020404" pitchFamily="49" charset="0"/>
+            </a:endParaRPr>
+          </a:p>
+          <a:p>
+            <a:pPr marL="0" indent="0">
+              <a:spcBef>
+                <a:spcPts val="600"/>
+              </a:spcBef>
+              <a:buNone/>
+            </a:pPr>
+            <a:r>
+              <a:rPr lang="en-US" altLang="zh-TW" dirty="0">
+                <a:latin typeface="Courier New" panose="02070309020205020404" pitchFamily="49" charset="0"/>
+                <a:cs typeface="Courier New" panose="02070309020205020404" pitchFamily="49" charset="0"/>
+              </a:rPr>
+              <a:t>    </a:t>
+            </a:r>
+            <a:r>
+              <a:rPr lang="en-US" altLang="zh-TW" dirty="0" err="1">
+                <a:latin typeface="Courier New" panose="02070309020205020404" pitchFamily="49" charset="0"/>
+                <a:cs typeface="Courier New" panose="02070309020205020404" pitchFamily="49" charset="0"/>
+              </a:rPr>
+              <a:t>time.sleep</a:t>
+            </a:r>
+            <a:r>
+              <a:rPr lang="en-US" altLang="zh-TW" dirty="0">
+                <a:latin typeface="Courier New" panose="02070309020205020404" pitchFamily="49" charset="0"/>
+                <a:cs typeface="Courier New" panose="02070309020205020404" pitchFamily="49" charset="0"/>
+              </a:rPr>
+              <a:t>(1)</a:t>
+            </a:r>
+          </a:p>
+          <a:p>
+            <a:pPr marL="0" indent="0">
+              <a:spcBef>
+                <a:spcPts val="600"/>
+              </a:spcBef>
+              <a:buNone/>
+            </a:pPr>
+            <a:r>
+              <a:rPr lang="en-US" altLang="zh-TW" dirty="0">
+                <a:latin typeface="Courier New" panose="02070309020205020404" pitchFamily="49" charset="0"/>
+                <a:cs typeface="Courier New" panose="02070309020205020404" pitchFamily="49" charset="0"/>
+              </a:rPr>
+              <a:t>    </a:t>
+            </a:r>
+            <a:r>
+              <a:rPr lang="en-US" altLang="zh-TW" dirty="0" err="1">
+                <a:latin typeface="Courier New" panose="02070309020205020404" pitchFamily="49" charset="0"/>
+                <a:cs typeface="Courier New" panose="02070309020205020404" pitchFamily="49" charset="0"/>
+              </a:rPr>
+              <a:t>LEDoff</a:t>
+            </a:r>
+            <a:r>
+              <a:rPr lang="en-US" altLang="zh-TW" dirty="0">
+                <a:latin typeface="Courier New" panose="02070309020205020404" pitchFamily="49" charset="0"/>
+                <a:cs typeface="Courier New" panose="02070309020205020404" pitchFamily="49" charset="0"/>
+              </a:rPr>
+              <a:t> = </a:t>
+            </a:r>
+            <a:r>
+              <a:rPr lang="en-US" altLang="zh-TW" dirty="0" err="1">
+                <a:latin typeface="Courier New" panose="02070309020205020404" pitchFamily="49" charset="0"/>
+                <a:cs typeface="Courier New" panose="02070309020205020404" pitchFamily="49" charset="0"/>
+              </a:rPr>
+              <a:t>GPIO.output</a:t>
+            </a:r>
+            <a:r>
+              <a:rPr lang="en-US" altLang="zh-TW" dirty="0">
+                <a:latin typeface="Courier New" panose="02070309020205020404" pitchFamily="49" charset="0"/>
+                <a:cs typeface="Courier New" panose="02070309020205020404" pitchFamily="49" charset="0"/>
+              </a:rPr>
+              <a:t>(17,0)</a:t>
+            </a:r>
+            <a:r>
+              <a:rPr lang="zh-TW" altLang="en-US" dirty="0">
+                <a:latin typeface="Courier New" panose="02070309020205020404" pitchFamily="49" charset="0"/>
+                <a:cs typeface="Courier New" panose="02070309020205020404" pitchFamily="49" charset="0"/>
+              </a:rPr>
+              <a:t>   </a:t>
+            </a:r>
+            <a:r>
+              <a:rPr lang="en-US" altLang="zh-TW" dirty="0">
+                <a:latin typeface="Courier New" panose="02070309020205020404" pitchFamily="49" charset="0"/>
+                <a:cs typeface="Courier New" panose="02070309020205020404" pitchFamily="49" charset="0"/>
+              </a:rPr>
+              <a:t>#LED</a:t>
+            </a:r>
+            <a:r>
+              <a:rPr lang="zh-TW" altLang="en-US" dirty="0">
+                <a:latin typeface="Courier New" panose="02070309020205020404" pitchFamily="49" charset="0"/>
+                <a:cs typeface="Courier New" panose="02070309020205020404" pitchFamily="49" charset="0"/>
+              </a:rPr>
+              <a:t>燈熄</a:t>
+            </a:r>
+            <a:endParaRPr lang="en-US" altLang="zh-TW" dirty="0">
+              <a:latin typeface="Courier New" panose="02070309020205020404" pitchFamily="49" charset="0"/>
+              <a:cs typeface="Courier New" panose="02070309020205020404" pitchFamily="49" charset="0"/>
+            </a:endParaRPr>
+          </a:p>
+          <a:p>
+            <a:pPr marL="0" indent="0">
+              <a:spcBef>
+                <a:spcPts val="600"/>
+              </a:spcBef>
+              <a:buNone/>
+            </a:pPr>
+            <a:r>
+              <a:rPr lang="en-US" altLang="zh-TW" dirty="0">
+                <a:latin typeface="Courier New" panose="02070309020205020404" pitchFamily="49" charset="0"/>
+                <a:cs typeface="Courier New" panose="02070309020205020404" pitchFamily="49" charset="0"/>
+              </a:rPr>
+              <a:t>    </a:t>
+            </a:r>
+            <a:r>
+              <a:rPr lang="en-US" altLang="zh-TW" dirty="0" err="1">
+                <a:latin typeface="Courier New" panose="02070309020205020404" pitchFamily="49" charset="0"/>
+                <a:cs typeface="Courier New" panose="02070309020205020404" pitchFamily="49" charset="0"/>
+              </a:rPr>
+              <a:t>time.sleep</a:t>
+            </a:r>
+            <a:r>
+              <a:rPr lang="en-US" altLang="zh-TW" dirty="0">
+                <a:latin typeface="Courier New" panose="02070309020205020404" pitchFamily="49" charset="0"/>
+                <a:cs typeface="Courier New" panose="02070309020205020404" pitchFamily="49" charset="0"/>
+              </a:rPr>
+              <a:t>(1)</a:t>
+            </a:r>
+          </a:p>
+          <a:p>
+            <a:pPr>
+              <a:spcBef>
+                <a:spcPts val="600"/>
+              </a:spcBef>
+            </a:pPr>
+            <a:r>
+              <a:rPr lang="zh-TW" altLang="en-US" dirty="0">
+                <a:latin typeface="Courier New" panose="02070309020205020404" pitchFamily="49" charset="0"/>
+                <a:cs typeface="Courier New" panose="02070309020205020404" pitchFamily="49" charset="0"/>
+              </a:rPr>
+              <a:t>執行程式</a:t>
+            </a:r>
+            <a:endParaRPr lang="en-US" altLang="zh-TW" dirty="0">
+              <a:latin typeface="Courier New" panose="02070309020205020404" pitchFamily="49" charset="0"/>
+              <a:cs typeface="Courier New" panose="02070309020205020404" pitchFamily="49" charset="0"/>
+            </a:endParaRPr>
+          </a:p>
+          <a:p>
+            <a:pPr marL="0" indent="0">
+              <a:spcBef>
+                <a:spcPts val="600"/>
+              </a:spcBef>
+              <a:buNone/>
+            </a:pPr>
+            <a:r>
+              <a:rPr lang="en-US" altLang="zh-TW" dirty="0" err="1">
+                <a:latin typeface="Courier New" panose="02070309020205020404" pitchFamily="49" charset="0"/>
+                <a:cs typeface="Courier New" panose="02070309020205020404" pitchFamily="49" charset="0"/>
+              </a:rPr>
+              <a:t>sudo</a:t>
+            </a:r>
+            <a:r>
+              <a:rPr lang="en-US" altLang="zh-TW" dirty="0">
+                <a:latin typeface="Courier New" panose="02070309020205020404" pitchFamily="49" charset="0"/>
+                <a:cs typeface="Courier New" panose="02070309020205020404" pitchFamily="49" charset="0"/>
+              </a:rPr>
               <a:t> </a:t>
             </a:r>
             <a:r>
-              <a:rPr lang="en-US" altLang="zh-TW" dirty="0" smtClean="0"/>
-              <a:t>pin2</a:t>
-            </a:r>
-          </a:p>
-          <a:p>
-            <a:pPr lvl="2"/>
-            <a:r>
-              <a:rPr lang="en-US" altLang="zh-TW" dirty="0" smtClean="0"/>
-              <a:t>3: pin3</a:t>
-            </a:r>
-            <a:endParaRPr lang="zh-TW" altLang="en-US" dirty="0"/>
+              <a:rPr lang="en-US" altLang="zh-TW" dirty="0" err="1">
+                <a:latin typeface="Courier New" panose="02070309020205020404" pitchFamily="49" charset="0"/>
+                <a:cs typeface="Courier New" panose="02070309020205020404" pitchFamily="49" charset="0"/>
+              </a:rPr>
+              <a:t>chmod</a:t>
+            </a:r>
+            <a:r>
+              <a:rPr lang="en-US" altLang="zh-TW" dirty="0">
+                <a:latin typeface="Courier New" panose="02070309020205020404" pitchFamily="49" charset="0"/>
+                <a:cs typeface="Courier New" panose="02070309020205020404" pitchFamily="49" charset="0"/>
+              </a:rPr>
+              <a:t> 777 blink17.py</a:t>
+            </a:r>
+          </a:p>
+          <a:p>
+            <a:pPr marL="0" indent="0">
+              <a:spcBef>
+                <a:spcPts val="600"/>
+              </a:spcBef>
+              <a:buNone/>
+            </a:pPr>
+            <a:r>
+              <a:rPr lang="en-US" altLang="zh-TW" dirty="0">
+                <a:latin typeface="Courier New" panose="02070309020205020404" pitchFamily="49" charset="0"/>
+                <a:cs typeface="Courier New" panose="02070309020205020404" pitchFamily="49" charset="0"/>
+              </a:rPr>
+              <a:t>./blink17.py</a:t>
+            </a:r>
+            <a:endParaRPr lang="zh-TW" altLang="en-US" dirty="0">
+              <a:latin typeface="Courier New" panose="02070309020205020404" pitchFamily="49" charset="0"/>
+              <a:cs typeface="Courier New" panose="02070309020205020404" pitchFamily="49" charset="0"/>
+            </a:endParaRPr>
           </a:p>
         </p:txBody>
       </p:sp>
@@ -7720,20 +8131,13 @@
     </p:spTree>
     <p:extLst>
       <p:ext uri="{BB962C8B-B14F-4D97-AF65-F5344CB8AC3E}">
-        <p14:creationId xmlns:p14="http://schemas.microsoft.com/office/powerpoint/2010/main" val="2593438281"/>
+        <p14:creationId xmlns:p14="http://schemas.microsoft.com/office/powerpoint/2010/main" val="3762601521"/>
       </p:ext>
     </p:extLst>
   </p:cSld>
   <p:clrMapOvr>
     <a:masterClrMapping/>
   </p:clrMapOvr>
-  <p:timing>
-    <p:tnLst>
-      <p:par>
-        <p:cTn id="1" dur="indefinite" restart="never" nodeType="tmRoot"/>
-      </p:par>
-    </p:tnLst>
-  </p:timing>
 </p:sld>
 </file>
 
@@ -7772,12 +8176,12 @@
           <a:lstStyle/>
           <a:p>
             <a:r>
-              <a:rPr lang="zh-TW" altLang="en-US" dirty="0" smtClean="0"/>
+              <a:rPr lang="zh-TW" altLang="en-US" dirty="0"/>
               <a:t>建立</a:t>
             </a:r>
             <a:r>
-              <a:rPr lang="en-US" altLang="zh-TW" dirty="0" smtClean="0"/>
-              <a:t>blink17.py(BCM</a:t>
+              <a:rPr lang="en-US" altLang="zh-TW" dirty="0"/>
+              <a:t>blink11.py(BOARD</a:t>
             </a:r>
             <a:r>
               <a:rPr lang="zh-TW" altLang="en-US" dirty="0"/>
@@ -7792,7 +8196,7 @@
               <a:t>閃爍程式</a:t>
             </a:r>
             <a:r>
-              <a:rPr lang="en-US" altLang="zh-TW" dirty="0" smtClean="0"/>
+              <a:rPr lang="en-US" altLang="zh-TW" dirty="0"/>
               <a:t>)</a:t>
             </a:r>
             <a:endParaRPr lang="zh-TW" altLang="en-US" dirty="0"/>
@@ -7823,32 +8227,32 @@
               <a:buNone/>
             </a:pPr>
             <a:r>
-              <a:rPr lang="en-US" altLang="zh-TW" dirty="0" err="1" smtClean="0">
+              <a:rPr lang="en-US" altLang="zh-TW" dirty="0" err="1">
                 <a:latin typeface="Courier New" panose="02070309020205020404" pitchFamily="49" charset="0"/>
                 <a:cs typeface="Courier New" panose="02070309020205020404" pitchFamily="49" charset="0"/>
               </a:rPr>
               <a:t>sudo</a:t>
             </a:r>
             <a:r>
-              <a:rPr lang="en-US" altLang="zh-TW" dirty="0" smtClean="0">
+              <a:rPr lang="en-US" altLang="zh-TW" dirty="0">
                 <a:latin typeface="Courier New" panose="02070309020205020404" pitchFamily="49" charset="0"/>
                 <a:cs typeface="Courier New" panose="02070309020205020404" pitchFamily="49" charset="0"/>
               </a:rPr>
               <a:t> </a:t>
             </a:r>
             <a:r>
-              <a:rPr lang="en-US" altLang="zh-TW" dirty="0" err="1" smtClean="0">
+              <a:rPr lang="en-US" altLang="zh-TW" dirty="0" err="1">
                 <a:latin typeface="Courier New" panose="02070309020205020404" pitchFamily="49" charset="0"/>
                 <a:cs typeface="Courier New" panose="02070309020205020404" pitchFamily="49" charset="0"/>
               </a:rPr>
               <a:t>nano</a:t>
             </a:r>
             <a:r>
-              <a:rPr lang="en-US" altLang="zh-TW" dirty="0" smtClean="0">
-                <a:latin typeface="Courier New" panose="02070309020205020404" pitchFamily="49" charset="0"/>
-                <a:cs typeface="Courier New" panose="02070309020205020404" pitchFamily="49" charset="0"/>
-              </a:rPr>
-              <a:t> blink17.py</a:t>
+              <a:rPr lang="en-US" altLang="zh-TW" dirty="0">
+                <a:latin typeface="Courier New" panose="02070309020205020404" pitchFamily="49" charset="0"/>
+                <a:cs typeface="Courier New" panose="02070309020205020404" pitchFamily="49" charset="0"/>
+              </a:rPr>
+              <a:t> blink11.py</a:t>
             </a:r>
           </a:p>
           <a:p>
@@ -7858,7 +8262,7 @@
               </a:spcBef>
               <a:buNone/>
             </a:pPr>
-            <a:endParaRPr lang="en-US" altLang="zh-TW" dirty="0" smtClean="0">
+            <a:endParaRPr lang="en-US" altLang="zh-TW" dirty="0">
               <a:latin typeface="Courier New" panose="02070309020205020404" pitchFamily="49" charset="0"/>
               <a:cs typeface="Courier New" panose="02070309020205020404" pitchFamily="49" charset="0"/>
             </a:endParaRPr>
@@ -7870,20 +8274,13 @@
               </a:spcBef>
             </a:pPr>
             <a:r>
-              <a:rPr lang="zh-TW" altLang="en-US" dirty="0" smtClean="0">
-                <a:latin typeface="Courier New" panose="02070309020205020404" pitchFamily="49" charset="0"/>
-                <a:cs typeface="Courier New" panose="02070309020205020404" pitchFamily="49" charset="0"/>
-              </a:rPr>
-              <a:t>在檔案內輸入</a:t>
-            </a:r>
-            <a:r>
               <a:rPr lang="zh-TW" altLang="en-US" dirty="0">
                 <a:latin typeface="Courier New" panose="02070309020205020404" pitchFamily="49" charset="0"/>
                 <a:cs typeface="Courier New" panose="02070309020205020404" pitchFamily="49" charset="0"/>
               </a:rPr>
-              <a:t>下列內容</a:t>
-            </a:r>
-            <a:endParaRPr lang="en-US" altLang="zh-TW" dirty="0" smtClean="0">
+              <a:t>在檔案內輸入下列內容</a:t>
+            </a:r>
+            <a:endParaRPr lang="en-US" altLang="zh-TW" dirty="0">
               <a:latin typeface="Courier New" panose="02070309020205020404" pitchFamily="49" charset="0"/>
               <a:cs typeface="Courier New" panose="02070309020205020404" pitchFamily="49" charset="0"/>
             </a:endParaRPr>
@@ -7896,35 +8293,35 @@
               <a:buNone/>
             </a:pPr>
             <a:r>
-              <a:rPr lang="en-US" altLang="zh-TW" dirty="0" smtClean="0">
+              <a:rPr lang="en-US" altLang="zh-TW" dirty="0">
                 <a:latin typeface="Courier New" panose="02070309020205020404" pitchFamily="49" charset="0"/>
                 <a:cs typeface="Courier New" panose="02070309020205020404" pitchFamily="49" charset="0"/>
               </a:rPr>
               <a:t>#!/</a:t>
             </a:r>
             <a:r>
-              <a:rPr lang="en-US" altLang="zh-TW" dirty="0" err="1" smtClean="0">
+              <a:rPr lang="en-US" altLang="zh-TW" dirty="0" err="1">
                 <a:latin typeface="Courier New" panose="02070309020205020404" pitchFamily="49" charset="0"/>
                 <a:cs typeface="Courier New" panose="02070309020205020404" pitchFamily="49" charset="0"/>
               </a:rPr>
               <a:t>usr</a:t>
             </a:r>
             <a:r>
-              <a:rPr lang="en-US" altLang="zh-TW" dirty="0" smtClean="0">
+              <a:rPr lang="en-US" altLang="zh-TW" dirty="0">
                 <a:latin typeface="Courier New" panose="02070309020205020404" pitchFamily="49" charset="0"/>
                 <a:cs typeface="Courier New" panose="02070309020205020404" pitchFamily="49" charset="0"/>
               </a:rPr>
               <a:t>/bin/</a:t>
             </a:r>
             <a:r>
-              <a:rPr lang="en-US" altLang="zh-TW" dirty="0" err="1" smtClean="0">
+              <a:rPr lang="en-US" altLang="zh-TW" dirty="0" err="1">
                 <a:latin typeface="Courier New" panose="02070309020205020404" pitchFamily="49" charset="0"/>
                 <a:cs typeface="Courier New" panose="02070309020205020404" pitchFamily="49" charset="0"/>
               </a:rPr>
               <a:t>env</a:t>
             </a:r>
             <a:r>
-              <a:rPr lang="en-US" altLang="zh-TW" dirty="0" smtClean="0">
+              <a:rPr lang="en-US" altLang="zh-TW" dirty="0">
                 <a:latin typeface="Courier New" panose="02070309020205020404" pitchFamily="49" charset="0"/>
                 <a:cs typeface="Courier New" panose="02070309020205020404" pitchFamily="49" charset="0"/>
               </a:rPr>
@@ -7939,21 +8336,21 @@
               <a:buNone/>
             </a:pPr>
             <a:r>
-              <a:rPr lang="en-US" altLang="zh-TW" dirty="0" smtClean="0">
+              <a:rPr lang="en-US" altLang="zh-TW" dirty="0">
                 <a:latin typeface="Courier New" panose="02070309020205020404" pitchFamily="49" charset="0"/>
                 <a:cs typeface="Courier New" panose="02070309020205020404" pitchFamily="49" charset="0"/>
               </a:rPr>
               <a:t>import time, </a:t>
             </a:r>
             <a:r>
-              <a:rPr lang="en-US" altLang="zh-TW" dirty="0" err="1" smtClean="0">
+              <a:rPr lang="en-US" altLang="zh-TW" dirty="0" err="1">
                 <a:latin typeface="Courier New" panose="02070309020205020404" pitchFamily="49" charset="0"/>
                 <a:cs typeface="Courier New" panose="02070309020205020404" pitchFamily="49" charset="0"/>
               </a:rPr>
               <a:t>Rpi.GPIO</a:t>
             </a:r>
             <a:r>
-              <a:rPr lang="en-US" altLang="zh-TW" dirty="0" smtClean="0">
+              <a:rPr lang="en-US" altLang="zh-TW" dirty="0">
                 <a:latin typeface="Courier New" panose="02070309020205020404" pitchFamily="49" charset="0"/>
                 <a:cs typeface="Courier New" panose="02070309020205020404" pitchFamily="49" charset="0"/>
               </a:rPr>
@@ -7968,18 +8365,18 @@
               <a:buNone/>
             </a:pPr>
             <a:r>
-              <a:rPr lang="en-US" altLang="zh-TW" dirty="0" err="1" smtClean="0">
+              <a:rPr lang="en-US" altLang="zh-TW" dirty="0" err="1">
                 <a:latin typeface="Courier New" panose="02070309020205020404" pitchFamily="49" charset="0"/>
                 <a:cs typeface="Courier New" panose="02070309020205020404" pitchFamily="49" charset="0"/>
               </a:rPr>
               <a:t>GPIO.setmode</a:t>
             </a:r>
             <a:r>
-              <a:rPr lang="en-US" altLang="zh-TW" dirty="0" smtClean="0">
-                <a:latin typeface="Courier New" panose="02070309020205020404" pitchFamily="49" charset="0"/>
-                <a:cs typeface="Courier New" panose="02070309020205020404" pitchFamily="49" charset="0"/>
-              </a:rPr>
-              <a:t>(GPIO.BCM)</a:t>
+              <a:rPr lang="en-US" altLang="zh-TW" dirty="0">
+                <a:latin typeface="Courier New" panose="02070309020205020404" pitchFamily="49" charset="0"/>
+                <a:cs typeface="Courier New" panose="02070309020205020404" pitchFamily="49" charset="0"/>
+              </a:rPr>
+              <a:t>(GPIO.BOARD)</a:t>
             </a:r>
           </a:p>
           <a:p>
@@ -7990,18 +8387,18 @@
               <a:buNone/>
             </a:pPr>
             <a:r>
-              <a:rPr lang="en-US" altLang="zh-TW" dirty="0" err="1" smtClean="0">
+              <a:rPr lang="en-US" altLang="zh-TW" dirty="0" err="1">
                 <a:latin typeface="Courier New" panose="02070309020205020404" pitchFamily="49" charset="0"/>
                 <a:cs typeface="Courier New" panose="02070309020205020404" pitchFamily="49" charset="0"/>
               </a:rPr>
               <a:t>GPIO.setup</a:t>
             </a:r>
             <a:r>
-              <a:rPr lang="en-US" altLang="zh-TW" dirty="0" smtClean="0">
-                <a:latin typeface="Courier New" panose="02070309020205020404" pitchFamily="49" charset="0"/>
-                <a:cs typeface="Courier New" panose="02070309020205020404" pitchFamily="49" charset="0"/>
-              </a:rPr>
-              <a:t>(17, GPIO.OUT)</a:t>
+              <a:rPr lang="en-US" altLang="zh-TW" dirty="0">
+                <a:latin typeface="Courier New" panose="02070309020205020404" pitchFamily="49" charset="0"/>
+                <a:cs typeface="Courier New" panose="02070309020205020404" pitchFamily="49" charset="0"/>
+              </a:rPr>
+              <a:t>(11, GPIO.OUT)</a:t>
             </a:r>
           </a:p>
           <a:p>
@@ -8016,14 +8413,7 @@
                 <a:latin typeface="Courier New" panose="02070309020205020404" pitchFamily="49" charset="0"/>
                 <a:cs typeface="Courier New" panose="02070309020205020404" pitchFamily="49" charset="0"/>
               </a:rPr>
-              <a:t>w</a:t>
-            </a:r>
-            <a:r>
-              <a:rPr lang="en-US" altLang="zh-TW" dirty="0" smtClean="0">
-                <a:latin typeface="Courier New" panose="02070309020205020404" pitchFamily="49" charset="0"/>
-                <a:cs typeface="Courier New" panose="02070309020205020404" pitchFamily="49" charset="0"/>
-              </a:rPr>
-              <a:t>hile True:</a:t>
+              <a:t>while True:</a:t>
             </a:r>
           </a:p>
           <a:p>
@@ -8038,93 +8428,44 @@
                 <a:latin typeface="Courier New" panose="02070309020205020404" pitchFamily="49" charset="0"/>
                 <a:cs typeface="Courier New" panose="02070309020205020404" pitchFamily="49" charset="0"/>
               </a:rPr>
-              <a:t> </a:t>
-            </a:r>
-            <a:r>
-              <a:rPr lang="en-US" altLang="zh-TW" dirty="0" smtClean="0">
-                <a:latin typeface="Courier New" panose="02070309020205020404" pitchFamily="49" charset="0"/>
-                <a:cs typeface="Courier New" panose="02070309020205020404" pitchFamily="49" charset="0"/>
-              </a:rPr>
-              <a:t>   </a:t>
-            </a:r>
-            <a:r>
-              <a:rPr lang="en-US" altLang="zh-TW" dirty="0" err="1" smtClean="0">
+              <a:t>    </a:t>
+            </a:r>
+            <a:r>
+              <a:rPr lang="en-US" altLang="zh-TW" dirty="0" err="1">
                 <a:latin typeface="Courier New" panose="02070309020205020404" pitchFamily="49" charset="0"/>
                 <a:cs typeface="Courier New" panose="02070309020205020404" pitchFamily="49" charset="0"/>
               </a:rPr>
               <a:t>LEDon</a:t>
             </a:r>
             <a:r>
-              <a:rPr lang="en-US" altLang="zh-TW" dirty="0" smtClean="0">
+              <a:rPr lang="en-US" altLang="zh-TW" dirty="0">
                 <a:latin typeface="Courier New" panose="02070309020205020404" pitchFamily="49" charset="0"/>
                 <a:cs typeface="Courier New" panose="02070309020205020404" pitchFamily="49" charset="0"/>
               </a:rPr>
               <a:t> = </a:t>
             </a:r>
             <a:r>
-              <a:rPr lang="en-US" altLang="zh-TW" dirty="0" err="1" smtClean="0">
+              <a:rPr lang="en-US" altLang="zh-TW" dirty="0" err="1">
                 <a:latin typeface="Courier New" panose="02070309020205020404" pitchFamily="49" charset="0"/>
                 <a:cs typeface="Courier New" panose="02070309020205020404" pitchFamily="49" charset="0"/>
               </a:rPr>
               <a:t>GPIO.output</a:t>
             </a:r>
             <a:r>
-              <a:rPr lang="en-US" altLang="zh-TW" dirty="0" smtClean="0">
-                <a:latin typeface="Courier New" panose="02070309020205020404" pitchFamily="49" charset="0"/>
-                <a:cs typeface="Courier New" panose="02070309020205020404" pitchFamily="49" charset="0"/>
-              </a:rPr>
-              <a:t>(17, </a:t>
-            </a:r>
-            <a:r>
               <a:rPr lang="en-US" altLang="zh-TW" dirty="0">
                 <a:latin typeface="Courier New" panose="02070309020205020404" pitchFamily="49" charset="0"/>
                 <a:cs typeface="Courier New" panose="02070309020205020404" pitchFamily="49" charset="0"/>
               </a:rPr>
-              <a:t>1</a:t>
-            </a:r>
-            <a:r>
-              <a:rPr lang="en-US" altLang="zh-TW" dirty="0" smtClean="0">
-                <a:latin typeface="Courier New" panose="02070309020205020404" pitchFamily="49" charset="0"/>
-                <a:cs typeface="Courier New" panose="02070309020205020404" pitchFamily="49" charset="0"/>
-              </a:rPr>
-              <a:t>)</a:t>
-            </a:r>
-            <a:r>
-              <a:rPr lang="zh-TW" altLang="en-US" dirty="0" smtClean="0">
-                <a:latin typeface="Courier New" panose="02070309020205020404" pitchFamily="49" charset="0"/>
-                <a:cs typeface="Courier New" panose="02070309020205020404" pitchFamily="49" charset="0"/>
-              </a:rPr>
-              <a:t>   </a:t>
-            </a:r>
-            <a:r>
-              <a:rPr lang="en-US" altLang="zh-TW" dirty="0" smtClean="0">
-                <a:latin typeface="Courier New" panose="02070309020205020404" pitchFamily="49" charset="0"/>
-                <a:cs typeface="Courier New" panose="02070309020205020404" pitchFamily="49" charset="0"/>
-              </a:rPr>
-              <a:t>#</a:t>
-            </a:r>
-            <a:r>
-              <a:rPr lang="en-US" altLang="zh-TW" dirty="0">
-                <a:latin typeface="Courier New" panose="02070309020205020404" pitchFamily="49" charset="0"/>
-                <a:cs typeface="Courier New" panose="02070309020205020404" pitchFamily="49" charset="0"/>
-              </a:rPr>
-              <a:t>LED</a:t>
+              <a:t>(11, 1)   #LED</a:t>
             </a:r>
             <a:r>
               <a:rPr lang="zh-TW" altLang="en-US" dirty="0">
                 <a:latin typeface="Courier New" panose="02070309020205020404" pitchFamily="49" charset="0"/>
                 <a:cs typeface="Courier New" panose="02070309020205020404" pitchFamily="49" charset="0"/>
               </a:rPr>
-              <a:t>燈</a:t>
-            </a:r>
-            <a:r>
-              <a:rPr lang="zh-TW" altLang="en-US" dirty="0" smtClean="0">
-                <a:latin typeface="Courier New" panose="02070309020205020404" pitchFamily="49" charset="0"/>
-                <a:cs typeface="Courier New" panose="02070309020205020404" pitchFamily="49" charset="0"/>
-              </a:rPr>
-              <a:t>亮</a:t>
-            </a:r>
-            <a:endParaRPr lang="en-US" altLang="zh-TW" dirty="0" smtClean="0">
+              <a:t>燈亮</a:t>
+            </a:r>
+            <a:endParaRPr lang="en-US" altLang="zh-TW" dirty="0">
               <a:latin typeface="Courier New" panose="02070309020205020404" pitchFamily="49" charset="0"/>
               <a:cs typeface="Courier New" panose="02070309020205020404" pitchFamily="49" charset="0"/>
             </a:endParaRPr>
@@ -8141,24 +8482,17 @@
                 <a:latin typeface="Courier New" panose="02070309020205020404" pitchFamily="49" charset="0"/>
                 <a:cs typeface="Courier New" panose="02070309020205020404" pitchFamily="49" charset="0"/>
               </a:rPr>
-              <a:t> </a:t>
-            </a:r>
-            <a:r>
-              <a:rPr lang="en-US" altLang="zh-TW" dirty="0" smtClean="0">
-                <a:latin typeface="Courier New" panose="02070309020205020404" pitchFamily="49" charset="0"/>
-                <a:cs typeface="Courier New" panose="02070309020205020404" pitchFamily="49" charset="0"/>
-              </a:rPr>
-              <a:t>   </a:t>
-            </a:r>
-            <a:r>
-              <a:rPr lang="en-US" altLang="zh-TW" dirty="0" err="1" smtClean="0">
+              <a:t>    </a:t>
+            </a:r>
+            <a:r>
+              <a:rPr lang="en-US" altLang="zh-TW" dirty="0" err="1">
                 <a:latin typeface="Courier New" panose="02070309020205020404" pitchFamily="49" charset="0"/>
                 <a:cs typeface="Courier New" panose="02070309020205020404" pitchFamily="49" charset="0"/>
               </a:rPr>
               <a:t>time.sleep</a:t>
             </a:r>
             <a:r>
-              <a:rPr lang="en-US" altLang="zh-TW" dirty="0" smtClean="0">
+              <a:rPr lang="en-US" altLang="zh-TW" dirty="0">
                 <a:latin typeface="Courier New" panose="02070309020205020404" pitchFamily="49" charset="0"/>
                 <a:cs typeface="Courier New" panose="02070309020205020404" pitchFamily="49" charset="0"/>
               </a:rPr>
@@ -8177,79 +8511,58 @@
                 <a:latin typeface="Courier New" panose="02070309020205020404" pitchFamily="49" charset="0"/>
                 <a:cs typeface="Courier New" panose="02070309020205020404" pitchFamily="49" charset="0"/>
               </a:rPr>
-              <a:t> </a:t>
-            </a:r>
-            <a:r>
-              <a:rPr lang="en-US" altLang="zh-TW" dirty="0" smtClean="0">
+              <a:t>    </a:t>
+            </a:r>
+            <a:r>
+              <a:rPr lang="en-US" altLang="zh-TW" dirty="0" err="1">
+                <a:latin typeface="Courier New" panose="02070309020205020404" pitchFamily="49" charset="0"/>
+                <a:cs typeface="Courier New" panose="02070309020205020404" pitchFamily="49" charset="0"/>
+              </a:rPr>
+              <a:t>LEDoff</a:t>
+            </a:r>
+            <a:r>
+              <a:rPr lang="en-US" altLang="zh-TW" dirty="0">
+                <a:latin typeface="Courier New" panose="02070309020205020404" pitchFamily="49" charset="0"/>
+                <a:cs typeface="Courier New" panose="02070309020205020404" pitchFamily="49" charset="0"/>
+              </a:rPr>
+              <a:t> = </a:t>
+            </a:r>
+            <a:r>
+              <a:rPr lang="en-US" altLang="zh-TW" dirty="0" err="1">
+                <a:latin typeface="Courier New" panose="02070309020205020404" pitchFamily="49" charset="0"/>
+                <a:cs typeface="Courier New" panose="02070309020205020404" pitchFamily="49" charset="0"/>
+              </a:rPr>
+              <a:t>GPIO.output</a:t>
+            </a:r>
+            <a:r>
+              <a:rPr lang="en-US" altLang="zh-TW" dirty="0">
+                <a:latin typeface="Courier New" panose="02070309020205020404" pitchFamily="49" charset="0"/>
+                <a:cs typeface="Courier New" panose="02070309020205020404" pitchFamily="49" charset="0"/>
+              </a:rPr>
+              <a:t>(11,0)</a:t>
+            </a:r>
+            <a:r>
+              <a:rPr lang="zh-TW" altLang="en-US" dirty="0">
                 <a:latin typeface="Courier New" panose="02070309020205020404" pitchFamily="49" charset="0"/>
                 <a:cs typeface="Courier New" panose="02070309020205020404" pitchFamily="49" charset="0"/>
               </a:rPr>
               <a:t>   </a:t>
             </a:r>
             <a:r>
-              <a:rPr lang="en-US" altLang="zh-TW" dirty="0" err="1" smtClean="0">
-                <a:latin typeface="Courier New" panose="02070309020205020404" pitchFamily="49" charset="0"/>
-                <a:cs typeface="Courier New" panose="02070309020205020404" pitchFamily="49" charset="0"/>
-              </a:rPr>
-              <a:t>LEDoff</a:t>
-            </a:r>
-            <a:r>
-              <a:rPr lang="en-US" altLang="zh-TW" dirty="0" smtClean="0">
-                <a:latin typeface="Courier New" panose="02070309020205020404" pitchFamily="49" charset="0"/>
-                <a:cs typeface="Courier New" panose="02070309020205020404" pitchFamily="49" charset="0"/>
-              </a:rPr>
-              <a:t> = </a:t>
-            </a:r>
-            <a:r>
-              <a:rPr lang="en-US" altLang="zh-TW" dirty="0" err="1" smtClean="0">
-                <a:latin typeface="Courier New" panose="02070309020205020404" pitchFamily="49" charset="0"/>
-                <a:cs typeface="Courier New" panose="02070309020205020404" pitchFamily="49" charset="0"/>
-              </a:rPr>
-              <a:t>GPIO.output</a:t>
-            </a:r>
-            <a:r>
-              <a:rPr lang="en-US" altLang="zh-TW" dirty="0" smtClean="0">
-                <a:latin typeface="Courier New" panose="02070309020205020404" pitchFamily="49" charset="0"/>
-                <a:cs typeface="Courier New" panose="02070309020205020404" pitchFamily="49" charset="0"/>
-              </a:rPr>
-              <a:t>(17,0)</a:t>
-            </a:r>
-            <a:r>
-              <a:rPr lang="zh-TW" altLang="en-US" dirty="0" smtClean="0">
-                <a:latin typeface="Courier New" panose="02070309020205020404" pitchFamily="49" charset="0"/>
-                <a:cs typeface="Courier New" panose="02070309020205020404" pitchFamily="49" charset="0"/>
-              </a:rPr>
-              <a:t>   </a:t>
-            </a:r>
-            <a:r>
-              <a:rPr lang="en-US" altLang="zh-TW" dirty="0" smtClean="0">
-                <a:latin typeface="Courier New" panose="02070309020205020404" pitchFamily="49" charset="0"/>
-                <a:cs typeface="Courier New" panose="02070309020205020404" pitchFamily="49" charset="0"/>
-              </a:rPr>
-              <a:t>#</a:t>
-            </a:r>
-            <a:r>
               <a:rPr lang="en-US" altLang="zh-TW" dirty="0">
                 <a:latin typeface="Courier New" panose="02070309020205020404" pitchFamily="49" charset="0"/>
                 <a:cs typeface="Courier New" panose="02070309020205020404" pitchFamily="49" charset="0"/>
               </a:rPr>
-              <a:t>LED</a:t>
+              <a:t>#LED</a:t>
             </a:r>
             <a:r>
               <a:rPr lang="zh-TW" altLang="en-US" dirty="0">
                 <a:latin typeface="Courier New" panose="02070309020205020404" pitchFamily="49" charset="0"/>
                 <a:cs typeface="Courier New" panose="02070309020205020404" pitchFamily="49" charset="0"/>
               </a:rPr>
-              <a:t>燈</a:t>
-            </a:r>
-            <a:r>
-              <a:rPr lang="zh-TW" altLang="en-US" dirty="0" smtClean="0">
-                <a:latin typeface="Courier New" panose="02070309020205020404" pitchFamily="49" charset="0"/>
-                <a:cs typeface="Courier New" panose="02070309020205020404" pitchFamily="49" charset="0"/>
-              </a:rPr>
-              <a:t>熄</a:t>
-            </a:r>
-            <a:endParaRPr lang="en-US" altLang="zh-TW" dirty="0" smtClean="0">
+              <a:t>燈熄</a:t>
+            </a:r>
+            <a:endParaRPr lang="en-US" altLang="zh-TW" dirty="0">
               <a:latin typeface="Courier New" panose="02070309020205020404" pitchFamily="49" charset="0"/>
               <a:cs typeface="Courier New" panose="02070309020205020404" pitchFamily="49" charset="0"/>
             </a:endParaRPr>
@@ -8266,24 +8579,17 @@
                 <a:latin typeface="Courier New" panose="02070309020205020404" pitchFamily="49" charset="0"/>
                 <a:cs typeface="Courier New" panose="02070309020205020404" pitchFamily="49" charset="0"/>
               </a:rPr>
-              <a:t> </a:t>
-            </a:r>
-            <a:r>
-              <a:rPr lang="en-US" altLang="zh-TW" dirty="0" smtClean="0">
-                <a:latin typeface="Courier New" panose="02070309020205020404" pitchFamily="49" charset="0"/>
-                <a:cs typeface="Courier New" panose="02070309020205020404" pitchFamily="49" charset="0"/>
-              </a:rPr>
-              <a:t>   </a:t>
-            </a:r>
-            <a:r>
-              <a:rPr lang="en-US" altLang="zh-TW" dirty="0" err="1" smtClean="0">
+              <a:t>    </a:t>
+            </a:r>
+            <a:r>
+              <a:rPr lang="en-US" altLang="zh-TW" dirty="0" err="1">
                 <a:latin typeface="Courier New" panose="02070309020205020404" pitchFamily="49" charset="0"/>
                 <a:cs typeface="Courier New" panose="02070309020205020404" pitchFamily="49" charset="0"/>
               </a:rPr>
               <a:t>time.sleep</a:t>
             </a:r>
             <a:r>
-              <a:rPr lang="en-US" altLang="zh-TW" dirty="0" smtClean="0">
+              <a:rPr lang="en-US" altLang="zh-TW" dirty="0">
                 <a:latin typeface="Courier New" panose="02070309020205020404" pitchFamily="49" charset="0"/>
                 <a:cs typeface="Courier New" panose="02070309020205020404" pitchFamily="49" charset="0"/>
               </a:rPr>
@@ -8297,13 +8603,13 @@
               </a:spcBef>
             </a:pPr>
             <a:r>
-              <a:rPr lang="zh-TW" altLang="en-US" dirty="0" smtClean="0">
+              <a:rPr lang="zh-TW" altLang="en-US" dirty="0">
                 <a:latin typeface="Courier New" panose="02070309020205020404" pitchFamily="49" charset="0"/>
                 <a:cs typeface="Courier New" panose="02070309020205020404" pitchFamily="49" charset="0"/>
               </a:rPr>
               <a:t>執行程式</a:t>
             </a:r>
-            <a:endParaRPr lang="en-US" altLang="zh-TW" dirty="0" smtClean="0">
+            <a:endParaRPr lang="en-US" altLang="zh-TW" dirty="0">
               <a:latin typeface="Courier New" panose="02070309020205020404" pitchFamily="49" charset="0"/>
               <a:cs typeface="Courier New" panose="02070309020205020404" pitchFamily="49" charset="0"/>
             </a:endParaRPr>
@@ -8320,35 +8626,28 @@
                 <a:latin typeface="Courier New" panose="02070309020205020404" pitchFamily="49" charset="0"/>
                 <a:cs typeface="Courier New" panose="02070309020205020404" pitchFamily="49" charset="0"/>
               </a:rPr>
-              <a:t>s</a:t>
-            </a:r>
-            <a:r>
-              <a:rPr lang="en-US" altLang="zh-TW" dirty="0" err="1" smtClean="0">
-                <a:latin typeface="Courier New" panose="02070309020205020404" pitchFamily="49" charset="0"/>
-                <a:cs typeface="Courier New" panose="02070309020205020404" pitchFamily="49" charset="0"/>
-              </a:rPr>
-              <a:t>udo</a:t>
-            </a:r>
-            <a:r>
-              <a:rPr lang="en-US" altLang="zh-TW" dirty="0" smtClean="0">
+              <a:t>sudo</a:t>
+            </a:r>
+            <a:r>
+              <a:rPr lang="en-US" altLang="zh-TW" dirty="0">
                 <a:latin typeface="Courier New" panose="02070309020205020404" pitchFamily="49" charset="0"/>
                 <a:cs typeface="Courier New" panose="02070309020205020404" pitchFamily="49" charset="0"/>
               </a:rPr>
               <a:t> </a:t>
             </a:r>
             <a:r>
-              <a:rPr lang="en-US" altLang="zh-TW" dirty="0" err="1" smtClean="0">
+              <a:rPr lang="en-US" altLang="zh-TW" dirty="0" err="1">
                 <a:latin typeface="Courier New" panose="02070309020205020404" pitchFamily="49" charset="0"/>
                 <a:cs typeface="Courier New" panose="02070309020205020404" pitchFamily="49" charset="0"/>
               </a:rPr>
               <a:t>chmod</a:t>
             </a:r>
             <a:r>
-              <a:rPr lang="en-US" altLang="zh-TW" dirty="0" smtClean="0">
-                <a:latin typeface="Courier New" panose="02070309020205020404" pitchFamily="49" charset="0"/>
-                <a:cs typeface="Courier New" panose="02070309020205020404" pitchFamily="49" charset="0"/>
-              </a:rPr>
-              <a:t> 777 blink17.py</a:t>
+              <a:rPr lang="en-US" altLang="zh-TW" dirty="0">
+                <a:latin typeface="Courier New" panose="02070309020205020404" pitchFamily="49" charset="0"/>
+                <a:cs typeface="Courier New" panose="02070309020205020404" pitchFamily="49" charset="0"/>
+              </a:rPr>
+              <a:t> 777 blink11.py</a:t>
             </a:r>
           </a:p>
           <a:p>
@@ -8359,12 +8658,24 @@
               <a:buNone/>
             </a:pPr>
             <a:r>
-              <a:rPr lang="en-US" altLang="zh-TW" dirty="0" smtClean="0">
-                <a:latin typeface="Courier New" panose="02070309020205020404" pitchFamily="49" charset="0"/>
-                <a:cs typeface="Courier New" panose="02070309020205020404" pitchFamily="49" charset="0"/>
-              </a:rPr>
-              <a:t>./blink17.py</a:t>
-            </a:r>
+              <a:rPr lang="en-US" altLang="zh-TW" dirty="0">
+                <a:latin typeface="Courier New" panose="02070309020205020404" pitchFamily="49" charset="0"/>
+                <a:cs typeface="Courier New" panose="02070309020205020404" pitchFamily="49" charset="0"/>
+              </a:rPr>
+              <a:t>./blink11.py</a:t>
+            </a:r>
+            <a:endParaRPr lang="zh-TW" altLang="en-US" dirty="0">
+              <a:latin typeface="Courier New" panose="02070309020205020404" pitchFamily="49" charset="0"/>
+              <a:cs typeface="Courier New" panose="02070309020205020404" pitchFamily="49" charset="0"/>
+            </a:endParaRPr>
+          </a:p>
+          <a:p>
+            <a:pPr marL="0" indent="0">
+              <a:spcBef>
+                <a:spcPts val="600"/>
+              </a:spcBef>
+              <a:buNone/>
+            </a:pPr>
             <a:endParaRPr lang="zh-TW" altLang="en-US" dirty="0">
               <a:latin typeface="Courier New" panose="02070309020205020404" pitchFamily="49" charset="0"/>
               <a:cs typeface="Courier New" panose="02070309020205020404" pitchFamily="49" charset="0"/>
@@ -8398,20 +8709,13 @@
     </p:spTree>
     <p:extLst>
       <p:ext uri="{BB962C8B-B14F-4D97-AF65-F5344CB8AC3E}">
-        <p14:creationId xmlns:p14="http://schemas.microsoft.com/office/powerpoint/2010/main" val="3762601521"/>
+        <p14:creationId xmlns:p14="http://schemas.microsoft.com/office/powerpoint/2010/main" val="1848673305"/>
       </p:ext>
     </p:extLst>
   </p:cSld>
   <p:clrMapOvr>
     <a:masterClrMapping/>
   </p:clrMapOvr>
-  <p:timing>
-    <p:tnLst>
-      <p:par>
-        <p:cTn id="1" dur="indefinite" restart="never" nodeType="tmRoot"/>
-      </p:par>
-    </p:tnLst>
-  </p:timing>
 </p:sld>
 </file>
 
@@ -8445,33 +8749,40 @@
         <p:spPr/>
         <p:txBody>
           <a:bodyPr>
-            <a:normAutofit/>
+            <a:normAutofit fontScale="90000"/>
           </a:bodyPr>
           <a:lstStyle/>
           <a:p>
             <a:r>
-              <a:rPr lang="zh-TW" altLang="en-US" dirty="0" smtClean="0"/>
-              <a:t>建立</a:t>
-            </a:r>
-            <a:r>
-              <a:rPr lang="en-US" altLang="zh-TW" dirty="0" smtClean="0"/>
-              <a:t>blink11.py(BOARD</a:t>
-            </a:r>
-            <a:r>
-              <a:rPr lang="zh-TW" altLang="en-US" dirty="0" smtClean="0"/>
-              <a:t>模式</a:t>
-            </a:r>
-            <a:r>
-              <a:rPr lang="en-US" altLang="zh-TW" dirty="0" smtClean="0"/>
-              <a:t>LED</a:t>
-            </a:r>
-            <a:r>
-              <a:rPr lang="zh-TW" altLang="en-US" dirty="0" smtClean="0"/>
-              <a:t>閃爍程式</a:t>
-            </a:r>
-            <a:r>
-              <a:rPr lang="en-US" altLang="zh-TW" dirty="0" smtClean="0"/>
-              <a:t>)</a:t>
+              <a:rPr lang="zh-TW" altLang="en-US" dirty="0"/>
+              <a:t>請自行設計一閃爍</a:t>
+            </a:r>
+            <a:r>
+              <a:rPr lang="en-US" altLang="zh-TW" dirty="0"/>
+              <a:t>10</a:t>
+            </a:r>
+            <a:r>
+              <a:rPr lang="zh-TW" altLang="en-US" dirty="0"/>
+              <a:t>次之程式，檔名為</a:t>
+            </a:r>
+            <a:br>
+              <a:rPr lang="en-US" altLang="zh-TW" dirty="0"/>
+            </a:br>
+            <a:r>
+              <a:rPr lang="en-US" altLang="zh-TW" dirty="0"/>
+              <a:t>blink10_</a:t>
+            </a:r>
+            <a:r>
+              <a:rPr lang="zh-TW" altLang="en-US" dirty="0"/>
+              <a:t>學號</a:t>
+            </a:r>
+            <a:r>
+              <a:rPr lang="en-US" altLang="zh-TW" dirty="0"/>
+              <a:t>.</a:t>
+            </a:r>
+            <a:r>
+              <a:rPr lang="en-US" altLang="zh-TW" dirty="0" err="1"/>
+              <a:t>py</a:t>
             </a:r>
             <a:endParaRPr lang="zh-TW" altLang="en-US" dirty="0"/>
           </a:p>
@@ -8479,555 +8790,20 @@
       </p:sp>
       <p:sp>
         <p:nvSpPr>
-          <p:cNvPr id="3" name="內容版面配置區 2"/>
-          <p:cNvSpPr>
-            <a:spLocks noGrp="1"/>
-          </p:cNvSpPr>
-          <p:nvPr>
-            <p:ph idx="1"/>
+          <p:cNvPr id="5" name="文字版面配置區 4"/>
+          <p:cNvSpPr>
+            <a:spLocks noGrp="1"/>
+          </p:cNvSpPr>
+          <p:nvPr>
+            <p:ph type="body" idx="1"/>
           </p:nvPr>
         </p:nvSpPr>
         <p:spPr/>
         <p:txBody>
-          <a:bodyPr>
-            <a:normAutofit fontScale="77500" lnSpcReduction="20000"/>
-          </a:bodyPr>
+          <a:bodyPr/>
           <a:lstStyle/>
           <a:p>
-            <a:pPr marL="0" indent="0">
-              <a:spcBef>
-                <a:spcPts val="600"/>
-              </a:spcBef>
-              <a:buNone/>
-            </a:pPr>
-            <a:r>
-              <a:rPr lang="en-US" altLang="zh-TW" dirty="0" err="1" smtClean="0">
-                <a:latin typeface="Courier New" panose="02070309020205020404" pitchFamily="49" charset="0"/>
-                <a:cs typeface="Courier New" panose="02070309020205020404" pitchFamily="49" charset="0"/>
-              </a:rPr>
-              <a:t>sudo</a:t>
-            </a:r>
-            <a:r>
-              <a:rPr lang="en-US" altLang="zh-TW" dirty="0" smtClean="0">
-                <a:latin typeface="Courier New" panose="02070309020205020404" pitchFamily="49" charset="0"/>
-                <a:cs typeface="Courier New" panose="02070309020205020404" pitchFamily="49" charset="0"/>
-              </a:rPr>
-              <a:t> </a:t>
-            </a:r>
-            <a:r>
-              <a:rPr lang="en-US" altLang="zh-TW" dirty="0" err="1" smtClean="0">
-                <a:latin typeface="Courier New" panose="02070309020205020404" pitchFamily="49" charset="0"/>
-                <a:cs typeface="Courier New" panose="02070309020205020404" pitchFamily="49" charset="0"/>
-              </a:rPr>
-              <a:t>nano</a:t>
-            </a:r>
-            <a:r>
-              <a:rPr lang="en-US" altLang="zh-TW" dirty="0" smtClean="0">
-                <a:latin typeface="Courier New" panose="02070309020205020404" pitchFamily="49" charset="0"/>
-                <a:cs typeface="Courier New" panose="02070309020205020404" pitchFamily="49" charset="0"/>
-              </a:rPr>
-              <a:t> blink11.py</a:t>
-            </a:r>
-          </a:p>
-          <a:p>
-            <a:pPr marL="0" indent="0">
-              <a:spcBef>
-                <a:spcPts val="600"/>
-              </a:spcBef>
-              <a:buNone/>
-            </a:pPr>
-            <a:endParaRPr lang="en-US" altLang="zh-TW" dirty="0" smtClean="0">
-              <a:latin typeface="Courier New" panose="02070309020205020404" pitchFamily="49" charset="0"/>
-              <a:cs typeface="Courier New" panose="02070309020205020404" pitchFamily="49" charset="0"/>
-            </a:endParaRPr>
-          </a:p>
-          <a:p>
-            <a:pPr>
-              <a:spcBef>
-                <a:spcPts val="600"/>
-              </a:spcBef>
-            </a:pPr>
-            <a:r>
-              <a:rPr lang="zh-TW" altLang="en-US" dirty="0" smtClean="0">
-                <a:latin typeface="Courier New" panose="02070309020205020404" pitchFamily="49" charset="0"/>
-                <a:cs typeface="Courier New" panose="02070309020205020404" pitchFamily="49" charset="0"/>
-              </a:rPr>
-              <a:t>在檔案內輸入</a:t>
-            </a:r>
-            <a:r>
-              <a:rPr lang="zh-TW" altLang="en-US" dirty="0">
-                <a:latin typeface="Courier New" panose="02070309020205020404" pitchFamily="49" charset="0"/>
-                <a:cs typeface="Courier New" panose="02070309020205020404" pitchFamily="49" charset="0"/>
-              </a:rPr>
-              <a:t>下列內容</a:t>
-            </a:r>
-            <a:endParaRPr lang="en-US" altLang="zh-TW" dirty="0" smtClean="0">
-              <a:latin typeface="Courier New" panose="02070309020205020404" pitchFamily="49" charset="0"/>
-              <a:cs typeface="Courier New" panose="02070309020205020404" pitchFamily="49" charset="0"/>
-            </a:endParaRPr>
-          </a:p>
-          <a:p>
-            <a:pPr marL="0" indent="0">
-              <a:spcBef>
-                <a:spcPts val="600"/>
-              </a:spcBef>
-              <a:buNone/>
-            </a:pPr>
-            <a:r>
-              <a:rPr lang="en-US" altLang="zh-TW" dirty="0" smtClean="0">
-                <a:latin typeface="Courier New" panose="02070309020205020404" pitchFamily="49" charset="0"/>
-                <a:cs typeface="Courier New" panose="02070309020205020404" pitchFamily="49" charset="0"/>
-              </a:rPr>
-              <a:t>#!/</a:t>
-            </a:r>
-            <a:r>
-              <a:rPr lang="en-US" altLang="zh-TW" dirty="0" err="1" smtClean="0">
-                <a:latin typeface="Courier New" panose="02070309020205020404" pitchFamily="49" charset="0"/>
-                <a:cs typeface="Courier New" panose="02070309020205020404" pitchFamily="49" charset="0"/>
-              </a:rPr>
-              <a:t>usr</a:t>
-            </a:r>
-            <a:r>
-              <a:rPr lang="en-US" altLang="zh-TW" dirty="0" smtClean="0">
-                <a:latin typeface="Courier New" panose="02070309020205020404" pitchFamily="49" charset="0"/>
-                <a:cs typeface="Courier New" panose="02070309020205020404" pitchFamily="49" charset="0"/>
-              </a:rPr>
-              <a:t>/bin/</a:t>
-            </a:r>
-            <a:r>
-              <a:rPr lang="en-US" altLang="zh-TW" dirty="0" err="1" smtClean="0">
-                <a:latin typeface="Courier New" panose="02070309020205020404" pitchFamily="49" charset="0"/>
-                <a:cs typeface="Courier New" panose="02070309020205020404" pitchFamily="49" charset="0"/>
-              </a:rPr>
-              <a:t>env</a:t>
-            </a:r>
-            <a:r>
-              <a:rPr lang="en-US" altLang="zh-TW" dirty="0" smtClean="0">
-                <a:latin typeface="Courier New" panose="02070309020205020404" pitchFamily="49" charset="0"/>
-                <a:cs typeface="Courier New" panose="02070309020205020404" pitchFamily="49" charset="0"/>
-              </a:rPr>
-              <a:t> python</a:t>
-            </a:r>
-          </a:p>
-          <a:p>
-            <a:pPr marL="0" indent="0">
-              <a:spcBef>
-                <a:spcPts val="600"/>
-              </a:spcBef>
-              <a:buNone/>
-            </a:pPr>
-            <a:r>
-              <a:rPr lang="en-US" altLang="zh-TW" dirty="0" smtClean="0">
-                <a:latin typeface="Courier New" panose="02070309020205020404" pitchFamily="49" charset="0"/>
-                <a:cs typeface="Courier New" panose="02070309020205020404" pitchFamily="49" charset="0"/>
-              </a:rPr>
-              <a:t>import time, </a:t>
-            </a:r>
-            <a:r>
-              <a:rPr lang="en-US" altLang="zh-TW" dirty="0" err="1" smtClean="0">
-                <a:latin typeface="Courier New" panose="02070309020205020404" pitchFamily="49" charset="0"/>
-                <a:cs typeface="Courier New" panose="02070309020205020404" pitchFamily="49" charset="0"/>
-              </a:rPr>
-              <a:t>Rpi.GPIO</a:t>
-            </a:r>
-            <a:r>
-              <a:rPr lang="en-US" altLang="zh-TW" dirty="0" smtClean="0">
-                <a:latin typeface="Courier New" panose="02070309020205020404" pitchFamily="49" charset="0"/>
-                <a:cs typeface="Courier New" panose="02070309020205020404" pitchFamily="49" charset="0"/>
-              </a:rPr>
-              <a:t> as GPIO</a:t>
-            </a:r>
-          </a:p>
-          <a:p>
-            <a:pPr marL="0" indent="0">
-              <a:spcBef>
-                <a:spcPts val="600"/>
-              </a:spcBef>
-              <a:buNone/>
-            </a:pPr>
-            <a:r>
-              <a:rPr lang="en-US" altLang="zh-TW" dirty="0" err="1" smtClean="0">
-                <a:latin typeface="Courier New" panose="02070309020205020404" pitchFamily="49" charset="0"/>
-                <a:cs typeface="Courier New" panose="02070309020205020404" pitchFamily="49" charset="0"/>
-              </a:rPr>
-              <a:t>GPIO.setmode</a:t>
-            </a:r>
-            <a:r>
-              <a:rPr lang="en-US" altLang="zh-TW" dirty="0" smtClean="0">
-                <a:latin typeface="Courier New" panose="02070309020205020404" pitchFamily="49" charset="0"/>
-                <a:cs typeface="Courier New" panose="02070309020205020404" pitchFamily="49" charset="0"/>
-              </a:rPr>
-              <a:t>(GPIO.BOARD)</a:t>
-            </a:r>
-          </a:p>
-          <a:p>
-            <a:pPr marL="0" indent="0">
-              <a:spcBef>
-                <a:spcPts val="600"/>
-              </a:spcBef>
-              <a:buNone/>
-            </a:pPr>
-            <a:r>
-              <a:rPr lang="en-US" altLang="zh-TW" dirty="0" err="1" smtClean="0">
-                <a:latin typeface="Courier New" panose="02070309020205020404" pitchFamily="49" charset="0"/>
-                <a:cs typeface="Courier New" panose="02070309020205020404" pitchFamily="49" charset="0"/>
-              </a:rPr>
-              <a:t>GPIO.setup</a:t>
-            </a:r>
-            <a:r>
-              <a:rPr lang="en-US" altLang="zh-TW" dirty="0" smtClean="0">
-                <a:latin typeface="Courier New" panose="02070309020205020404" pitchFamily="49" charset="0"/>
-                <a:cs typeface="Courier New" panose="02070309020205020404" pitchFamily="49" charset="0"/>
-              </a:rPr>
-              <a:t>(11, GPIO.OUT)</a:t>
-            </a:r>
-          </a:p>
-          <a:p>
-            <a:pPr marL="0" indent="0">
-              <a:spcBef>
-                <a:spcPts val="600"/>
-              </a:spcBef>
-              <a:buNone/>
-            </a:pPr>
-            <a:r>
-              <a:rPr lang="en-US" altLang="zh-TW" dirty="0">
-                <a:latin typeface="Courier New" panose="02070309020205020404" pitchFamily="49" charset="0"/>
-                <a:cs typeface="Courier New" panose="02070309020205020404" pitchFamily="49" charset="0"/>
-              </a:rPr>
-              <a:t>w</a:t>
-            </a:r>
-            <a:r>
-              <a:rPr lang="en-US" altLang="zh-TW" dirty="0" smtClean="0">
-                <a:latin typeface="Courier New" panose="02070309020205020404" pitchFamily="49" charset="0"/>
-                <a:cs typeface="Courier New" panose="02070309020205020404" pitchFamily="49" charset="0"/>
-              </a:rPr>
-              <a:t>hile True:</a:t>
-            </a:r>
-          </a:p>
-          <a:p>
-            <a:pPr marL="0" indent="0">
-              <a:spcBef>
-                <a:spcPts val="600"/>
-              </a:spcBef>
-              <a:buNone/>
-            </a:pPr>
-            <a:r>
-              <a:rPr lang="en-US" altLang="zh-TW" dirty="0">
-                <a:latin typeface="Courier New" panose="02070309020205020404" pitchFamily="49" charset="0"/>
-                <a:cs typeface="Courier New" panose="02070309020205020404" pitchFamily="49" charset="0"/>
-              </a:rPr>
-              <a:t> </a:t>
-            </a:r>
-            <a:r>
-              <a:rPr lang="en-US" altLang="zh-TW" dirty="0" smtClean="0">
-                <a:latin typeface="Courier New" panose="02070309020205020404" pitchFamily="49" charset="0"/>
-                <a:cs typeface="Courier New" panose="02070309020205020404" pitchFamily="49" charset="0"/>
-              </a:rPr>
-              <a:t>   </a:t>
-            </a:r>
-            <a:r>
-              <a:rPr lang="en-US" altLang="zh-TW" dirty="0" err="1" smtClean="0">
-                <a:latin typeface="Courier New" panose="02070309020205020404" pitchFamily="49" charset="0"/>
-                <a:cs typeface="Courier New" panose="02070309020205020404" pitchFamily="49" charset="0"/>
-              </a:rPr>
-              <a:t>LEDon</a:t>
-            </a:r>
-            <a:r>
-              <a:rPr lang="en-US" altLang="zh-TW" dirty="0" smtClean="0">
-                <a:latin typeface="Courier New" panose="02070309020205020404" pitchFamily="49" charset="0"/>
-                <a:cs typeface="Courier New" panose="02070309020205020404" pitchFamily="49" charset="0"/>
-              </a:rPr>
-              <a:t> = </a:t>
-            </a:r>
-            <a:r>
-              <a:rPr lang="en-US" altLang="zh-TW" dirty="0" err="1" smtClean="0">
-                <a:latin typeface="Courier New" panose="02070309020205020404" pitchFamily="49" charset="0"/>
-                <a:cs typeface="Courier New" panose="02070309020205020404" pitchFamily="49" charset="0"/>
-              </a:rPr>
-              <a:t>GPIO.output</a:t>
-            </a:r>
-            <a:r>
-              <a:rPr lang="en-US" altLang="zh-TW" dirty="0" smtClean="0">
-                <a:latin typeface="Courier New" panose="02070309020205020404" pitchFamily="49" charset="0"/>
-                <a:cs typeface="Courier New" panose="02070309020205020404" pitchFamily="49" charset="0"/>
-              </a:rPr>
-              <a:t>(11, </a:t>
-            </a:r>
-            <a:r>
-              <a:rPr lang="en-US" altLang="zh-TW" dirty="0">
-                <a:latin typeface="Courier New" panose="02070309020205020404" pitchFamily="49" charset="0"/>
-                <a:cs typeface="Courier New" panose="02070309020205020404" pitchFamily="49" charset="0"/>
-              </a:rPr>
-              <a:t>1</a:t>
-            </a:r>
-            <a:r>
-              <a:rPr lang="en-US" altLang="zh-TW" dirty="0" smtClean="0">
-                <a:latin typeface="Courier New" panose="02070309020205020404" pitchFamily="49" charset="0"/>
-                <a:cs typeface="Courier New" panose="02070309020205020404" pitchFamily="49" charset="0"/>
-              </a:rPr>
-              <a:t>)   #LED</a:t>
-            </a:r>
-            <a:r>
-              <a:rPr lang="zh-TW" altLang="en-US" dirty="0" smtClean="0">
-                <a:latin typeface="Courier New" panose="02070309020205020404" pitchFamily="49" charset="0"/>
-                <a:cs typeface="Courier New" panose="02070309020205020404" pitchFamily="49" charset="0"/>
-              </a:rPr>
-              <a:t>燈亮</a:t>
-            </a:r>
-            <a:endParaRPr lang="en-US" altLang="zh-TW" dirty="0" smtClean="0">
-              <a:latin typeface="Courier New" panose="02070309020205020404" pitchFamily="49" charset="0"/>
-              <a:cs typeface="Courier New" panose="02070309020205020404" pitchFamily="49" charset="0"/>
-            </a:endParaRPr>
-          </a:p>
-          <a:p>
-            <a:pPr marL="0" indent="0">
-              <a:spcBef>
-                <a:spcPts val="600"/>
-              </a:spcBef>
-              <a:buNone/>
-            </a:pPr>
-            <a:r>
-              <a:rPr lang="en-US" altLang="zh-TW" dirty="0">
-                <a:latin typeface="Courier New" panose="02070309020205020404" pitchFamily="49" charset="0"/>
-                <a:cs typeface="Courier New" panose="02070309020205020404" pitchFamily="49" charset="0"/>
-              </a:rPr>
-              <a:t> </a:t>
-            </a:r>
-            <a:r>
-              <a:rPr lang="en-US" altLang="zh-TW" dirty="0" smtClean="0">
-                <a:latin typeface="Courier New" panose="02070309020205020404" pitchFamily="49" charset="0"/>
-                <a:cs typeface="Courier New" panose="02070309020205020404" pitchFamily="49" charset="0"/>
-              </a:rPr>
-              <a:t>   </a:t>
-            </a:r>
-            <a:r>
-              <a:rPr lang="en-US" altLang="zh-TW" dirty="0" err="1" smtClean="0">
-                <a:latin typeface="Courier New" panose="02070309020205020404" pitchFamily="49" charset="0"/>
-                <a:cs typeface="Courier New" panose="02070309020205020404" pitchFamily="49" charset="0"/>
-              </a:rPr>
-              <a:t>time.sleep</a:t>
-            </a:r>
-            <a:r>
-              <a:rPr lang="en-US" altLang="zh-TW" dirty="0" smtClean="0">
-                <a:latin typeface="Courier New" panose="02070309020205020404" pitchFamily="49" charset="0"/>
-                <a:cs typeface="Courier New" panose="02070309020205020404" pitchFamily="49" charset="0"/>
-              </a:rPr>
-              <a:t>(1)</a:t>
-            </a:r>
-          </a:p>
-          <a:p>
-            <a:pPr marL="0" indent="0">
-              <a:spcBef>
-                <a:spcPts val="600"/>
-              </a:spcBef>
-              <a:buNone/>
-            </a:pPr>
-            <a:r>
-              <a:rPr lang="en-US" altLang="zh-TW" dirty="0">
-                <a:latin typeface="Courier New" panose="02070309020205020404" pitchFamily="49" charset="0"/>
-                <a:cs typeface="Courier New" panose="02070309020205020404" pitchFamily="49" charset="0"/>
-              </a:rPr>
-              <a:t> </a:t>
-            </a:r>
-            <a:r>
-              <a:rPr lang="en-US" altLang="zh-TW" dirty="0" smtClean="0">
-                <a:latin typeface="Courier New" panose="02070309020205020404" pitchFamily="49" charset="0"/>
-                <a:cs typeface="Courier New" panose="02070309020205020404" pitchFamily="49" charset="0"/>
-              </a:rPr>
-              <a:t>   </a:t>
-            </a:r>
-            <a:r>
-              <a:rPr lang="en-US" altLang="zh-TW" dirty="0" err="1" smtClean="0">
-                <a:latin typeface="Courier New" panose="02070309020205020404" pitchFamily="49" charset="0"/>
-                <a:cs typeface="Courier New" panose="02070309020205020404" pitchFamily="49" charset="0"/>
-              </a:rPr>
-              <a:t>LEDoff</a:t>
-            </a:r>
-            <a:r>
-              <a:rPr lang="en-US" altLang="zh-TW" dirty="0" smtClean="0">
-                <a:latin typeface="Courier New" panose="02070309020205020404" pitchFamily="49" charset="0"/>
-                <a:cs typeface="Courier New" panose="02070309020205020404" pitchFamily="49" charset="0"/>
-              </a:rPr>
-              <a:t> = </a:t>
-            </a:r>
-            <a:r>
-              <a:rPr lang="en-US" altLang="zh-TW" dirty="0" err="1" smtClean="0">
-                <a:latin typeface="Courier New" panose="02070309020205020404" pitchFamily="49" charset="0"/>
-                <a:cs typeface="Courier New" panose="02070309020205020404" pitchFamily="49" charset="0"/>
-              </a:rPr>
-              <a:t>GPIO.output</a:t>
-            </a:r>
-            <a:r>
-              <a:rPr lang="en-US" altLang="zh-TW" dirty="0" smtClean="0">
-                <a:latin typeface="Courier New" panose="02070309020205020404" pitchFamily="49" charset="0"/>
-                <a:cs typeface="Courier New" panose="02070309020205020404" pitchFamily="49" charset="0"/>
-              </a:rPr>
-              <a:t>(11,0)</a:t>
-            </a:r>
-            <a:r>
-              <a:rPr lang="zh-TW" altLang="en-US" dirty="0" smtClean="0">
-                <a:latin typeface="Courier New" panose="02070309020205020404" pitchFamily="49" charset="0"/>
-                <a:cs typeface="Courier New" panose="02070309020205020404" pitchFamily="49" charset="0"/>
-              </a:rPr>
-              <a:t>   </a:t>
-            </a:r>
-            <a:r>
-              <a:rPr lang="en-US" altLang="zh-TW" dirty="0" smtClean="0">
-                <a:latin typeface="Courier New" panose="02070309020205020404" pitchFamily="49" charset="0"/>
-                <a:cs typeface="Courier New" panose="02070309020205020404" pitchFamily="49" charset="0"/>
-              </a:rPr>
-              <a:t>#LED</a:t>
-            </a:r>
-            <a:r>
-              <a:rPr lang="zh-TW" altLang="en-US" dirty="0" smtClean="0">
-                <a:latin typeface="Courier New" panose="02070309020205020404" pitchFamily="49" charset="0"/>
-                <a:cs typeface="Courier New" panose="02070309020205020404" pitchFamily="49" charset="0"/>
-              </a:rPr>
-              <a:t>燈熄</a:t>
-            </a:r>
-            <a:endParaRPr lang="en-US" altLang="zh-TW" dirty="0" smtClean="0">
-              <a:latin typeface="Courier New" panose="02070309020205020404" pitchFamily="49" charset="0"/>
-              <a:cs typeface="Courier New" panose="02070309020205020404" pitchFamily="49" charset="0"/>
-            </a:endParaRPr>
-          </a:p>
-          <a:p>
-            <a:pPr marL="0" indent="0">
-              <a:spcBef>
-                <a:spcPts val="600"/>
-              </a:spcBef>
-              <a:buNone/>
-            </a:pPr>
-            <a:r>
-              <a:rPr lang="en-US" altLang="zh-TW" dirty="0">
-                <a:latin typeface="Courier New" panose="02070309020205020404" pitchFamily="49" charset="0"/>
-                <a:cs typeface="Courier New" panose="02070309020205020404" pitchFamily="49" charset="0"/>
-              </a:rPr>
-              <a:t> </a:t>
-            </a:r>
-            <a:r>
-              <a:rPr lang="en-US" altLang="zh-TW" dirty="0" smtClean="0">
-                <a:latin typeface="Courier New" panose="02070309020205020404" pitchFamily="49" charset="0"/>
-                <a:cs typeface="Courier New" panose="02070309020205020404" pitchFamily="49" charset="0"/>
-              </a:rPr>
-              <a:t>   </a:t>
-            </a:r>
-            <a:r>
-              <a:rPr lang="en-US" altLang="zh-TW" dirty="0" err="1" smtClean="0">
-                <a:latin typeface="Courier New" panose="02070309020205020404" pitchFamily="49" charset="0"/>
-                <a:cs typeface="Courier New" panose="02070309020205020404" pitchFamily="49" charset="0"/>
-              </a:rPr>
-              <a:t>time.sleep</a:t>
-            </a:r>
-            <a:r>
-              <a:rPr lang="en-US" altLang="zh-TW" dirty="0" smtClean="0">
-                <a:latin typeface="Courier New" panose="02070309020205020404" pitchFamily="49" charset="0"/>
-                <a:cs typeface="Courier New" panose="02070309020205020404" pitchFamily="49" charset="0"/>
-              </a:rPr>
-              <a:t>(1)</a:t>
-            </a:r>
-          </a:p>
-          <a:p>
-            <a:pPr>
-              <a:spcBef>
-                <a:spcPts val="600"/>
-              </a:spcBef>
-            </a:pPr>
-            <a:r>
-              <a:rPr lang="zh-TW" altLang="en-US" dirty="0">
-                <a:latin typeface="Courier New" panose="02070309020205020404" pitchFamily="49" charset="0"/>
-                <a:cs typeface="Courier New" panose="02070309020205020404" pitchFamily="49" charset="0"/>
-              </a:rPr>
-              <a:t>執行程式</a:t>
-            </a:r>
-            <a:endParaRPr lang="en-US" altLang="zh-TW" dirty="0">
-              <a:latin typeface="Courier New" panose="02070309020205020404" pitchFamily="49" charset="0"/>
-              <a:cs typeface="Courier New" panose="02070309020205020404" pitchFamily="49" charset="0"/>
-            </a:endParaRPr>
-          </a:p>
-          <a:p>
-            <a:pPr marL="0" indent="0">
-              <a:spcBef>
-                <a:spcPts val="600"/>
-              </a:spcBef>
-              <a:buNone/>
-            </a:pPr>
-            <a:r>
-              <a:rPr lang="en-US" altLang="zh-TW" dirty="0" err="1">
-                <a:latin typeface="Courier New" panose="02070309020205020404" pitchFamily="49" charset="0"/>
-                <a:cs typeface="Courier New" panose="02070309020205020404" pitchFamily="49" charset="0"/>
-              </a:rPr>
-              <a:t>sudo</a:t>
-            </a:r>
-            <a:r>
-              <a:rPr lang="en-US" altLang="zh-TW" dirty="0">
-                <a:latin typeface="Courier New" panose="02070309020205020404" pitchFamily="49" charset="0"/>
-                <a:cs typeface="Courier New" panose="02070309020205020404" pitchFamily="49" charset="0"/>
-              </a:rPr>
-              <a:t> </a:t>
-            </a:r>
-            <a:r>
-              <a:rPr lang="en-US" altLang="zh-TW" dirty="0" err="1">
-                <a:latin typeface="Courier New" panose="02070309020205020404" pitchFamily="49" charset="0"/>
-                <a:cs typeface="Courier New" panose="02070309020205020404" pitchFamily="49" charset="0"/>
-              </a:rPr>
-              <a:t>chmod</a:t>
-            </a:r>
-            <a:r>
-              <a:rPr lang="en-US" altLang="zh-TW" dirty="0">
-                <a:latin typeface="Courier New" panose="02070309020205020404" pitchFamily="49" charset="0"/>
-                <a:cs typeface="Courier New" panose="02070309020205020404" pitchFamily="49" charset="0"/>
-              </a:rPr>
-              <a:t> 777 </a:t>
-            </a:r>
-            <a:r>
-              <a:rPr lang="en-US" altLang="zh-TW" dirty="0" smtClean="0">
-                <a:latin typeface="Courier New" panose="02070309020205020404" pitchFamily="49" charset="0"/>
-                <a:cs typeface="Courier New" panose="02070309020205020404" pitchFamily="49" charset="0"/>
-              </a:rPr>
-              <a:t>blink11.py</a:t>
-            </a:r>
-            <a:endParaRPr lang="en-US" altLang="zh-TW" dirty="0">
-              <a:latin typeface="Courier New" panose="02070309020205020404" pitchFamily="49" charset="0"/>
-              <a:cs typeface="Courier New" panose="02070309020205020404" pitchFamily="49" charset="0"/>
-            </a:endParaRPr>
-          </a:p>
-          <a:p>
-            <a:pPr marL="0" indent="0">
-              <a:spcBef>
-                <a:spcPts val="600"/>
-              </a:spcBef>
-              <a:buNone/>
-            </a:pPr>
-            <a:r>
-              <a:rPr lang="en-US" altLang="zh-TW" dirty="0">
-                <a:latin typeface="Courier New" panose="02070309020205020404" pitchFamily="49" charset="0"/>
-                <a:cs typeface="Courier New" panose="02070309020205020404" pitchFamily="49" charset="0"/>
-              </a:rPr>
-              <a:t>./</a:t>
-            </a:r>
-            <a:r>
-              <a:rPr lang="en-US" altLang="zh-TW" dirty="0" smtClean="0">
-                <a:latin typeface="Courier New" panose="02070309020205020404" pitchFamily="49" charset="0"/>
-                <a:cs typeface="Courier New" panose="02070309020205020404" pitchFamily="49" charset="0"/>
-              </a:rPr>
-              <a:t>blink11.py</a:t>
-            </a:r>
-            <a:endParaRPr lang="zh-TW" altLang="en-US" dirty="0">
-              <a:latin typeface="Courier New" panose="02070309020205020404" pitchFamily="49" charset="0"/>
-              <a:cs typeface="Courier New" panose="02070309020205020404" pitchFamily="49" charset="0"/>
-            </a:endParaRPr>
-          </a:p>
-          <a:p>
-            <a:pPr marL="0" indent="0">
-              <a:spcBef>
-                <a:spcPts val="600"/>
-              </a:spcBef>
-              <a:buNone/>
-            </a:pPr>
-            <a:endParaRPr lang="zh-TW" altLang="en-US" dirty="0">
-              <a:latin typeface="Courier New" panose="02070309020205020404" pitchFamily="49" charset="0"/>
-              <a:cs typeface="Courier New" panose="02070309020205020404" pitchFamily="49" charset="0"/>
-            </a:endParaRPr>
+            <a:endParaRPr lang="zh-TW" altLang="en-US" dirty="0"/>
           </a:p>
         </p:txBody>
       </p:sp>
@@ -9049,141 +8825,6 @@
             <a:fld id="{EBFB1032-EA64-7144-B003-9BCC9D94B503}" type="slidenum">
               <a:rPr lang="en-US" smtClean="0"/>
               <a:t>15</a:t>
-            </a:fld>
-            <a:endParaRPr lang="en-US" dirty="0"/>
-          </a:p>
-        </p:txBody>
-      </p:sp>
-    </p:spTree>
-    <p:extLst>
-      <p:ext uri="{BB962C8B-B14F-4D97-AF65-F5344CB8AC3E}">
-        <p14:creationId xmlns:p14="http://schemas.microsoft.com/office/powerpoint/2010/main" val="1848673305"/>
-      </p:ext>
-    </p:extLst>
-  </p:cSld>
-  <p:clrMapOvr>
-    <a:masterClrMapping/>
-  </p:clrMapOvr>
-  <p:timing>
-    <p:tnLst>
-      <p:par>
-        <p:cTn id="1" dur="indefinite" restart="never" nodeType="tmRoot"/>
-      </p:par>
-    </p:tnLst>
-  </p:timing>
-</p:sld>
-</file>
-
-<file path=ppt/slides/slide16.xml><?xml version="1.0" encoding="utf-8"?>
-<p:sld xmlns:a="http://schemas.openxmlformats.org/drawingml/2006/main" xmlns:r="http://schemas.openxmlformats.org/officeDocument/2006/relationships" xmlns:p="http://schemas.openxmlformats.org/presentationml/2006/main">
-  <p:cSld>
-    <p:spTree>
-      <p:nvGrpSpPr>
-        <p:cNvPr id="1" name=""/>
-        <p:cNvGrpSpPr/>
-        <p:nvPr/>
-      </p:nvGrpSpPr>
-      <p:grpSpPr>
-        <a:xfrm>
-          <a:off x="0" y="0"/>
-          <a:ext cx="0" cy="0"/>
-          <a:chOff x="0" y="0"/>
-          <a:chExt cx="0" cy="0"/>
-        </a:xfrm>
-      </p:grpSpPr>
-      <p:sp>
-        <p:nvSpPr>
-          <p:cNvPr id="2" name="標題 1"/>
-          <p:cNvSpPr>
-            <a:spLocks noGrp="1"/>
-          </p:cNvSpPr>
-          <p:nvPr>
-            <p:ph type="title"/>
-          </p:nvPr>
-        </p:nvSpPr>
-        <p:spPr/>
-        <p:txBody>
-          <a:bodyPr>
-            <a:normAutofit fontScale="90000"/>
-          </a:bodyPr>
-          <a:lstStyle/>
-          <a:p>
-            <a:r>
-              <a:rPr lang="zh-TW" altLang="en-US" dirty="0" smtClean="0"/>
-              <a:t>請自行設計一閃爍</a:t>
-            </a:r>
-            <a:r>
-              <a:rPr lang="en-US" altLang="zh-TW" dirty="0" smtClean="0"/>
-              <a:t>10</a:t>
-            </a:r>
-            <a:r>
-              <a:rPr lang="zh-TW" altLang="en-US" dirty="0" smtClean="0"/>
-              <a:t>次之程式，檔名為</a:t>
-            </a:r>
-            <a:r>
-              <a:rPr lang="en-US" altLang="zh-TW" dirty="0" smtClean="0"/>
-              <a:t/>
-            </a:r>
-            <a:br>
-              <a:rPr lang="en-US" altLang="zh-TW" dirty="0" smtClean="0"/>
-            </a:br>
-            <a:r>
-              <a:rPr lang="en-US" altLang="zh-TW" dirty="0" smtClean="0"/>
-              <a:t>blink10_</a:t>
-            </a:r>
-            <a:r>
-              <a:rPr lang="zh-TW" altLang="en-US" dirty="0" smtClean="0"/>
-              <a:t>學號</a:t>
-            </a:r>
-            <a:r>
-              <a:rPr lang="en-US" altLang="zh-TW" dirty="0" smtClean="0"/>
-              <a:t>.</a:t>
-            </a:r>
-            <a:r>
-              <a:rPr lang="en-US" altLang="zh-TW" dirty="0" err="1" smtClean="0"/>
-              <a:t>py</a:t>
-            </a:r>
-            <a:endParaRPr lang="zh-TW" altLang="en-US" dirty="0"/>
-          </a:p>
-        </p:txBody>
-      </p:sp>
-      <p:sp>
-        <p:nvSpPr>
-          <p:cNvPr id="5" name="文字版面配置區 4"/>
-          <p:cNvSpPr>
-            <a:spLocks noGrp="1"/>
-          </p:cNvSpPr>
-          <p:nvPr>
-            <p:ph type="body" idx="1"/>
-          </p:nvPr>
-        </p:nvSpPr>
-        <p:spPr/>
-        <p:txBody>
-          <a:bodyPr/>
-          <a:lstStyle/>
-          <a:p>
-            <a:endParaRPr lang="zh-TW" altLang="en-US" dirty="0"/>
-          </a:p>
-        </p:txBody>
-      </p:sp>
-      <p:sp>
-        <p:nvSpPr>
-          <p:cNvPr id="4" name="投影片編號版面配置區 3"/>
-          <p:cNvSpPr>
-            <a:spLocks noGrp="1"/>
-          </p:cNvSpPr>
-          <p:nvPr>
-            <p:ph type="sldNum" sz="quarter" idx="12"/>
-          </p:nvPr>
-        </p:nvSpPr>
-        <p:spPr/>
-        <p:txBody>
-          <a:bodyPr/>
-          <a:lstStyle/>
-          <a:p>
-            <a:fld id="{EBFB1032-EA64-7144-B003-9BCC9D94B503}" type="slidenum">
-              <a:rPr lang="en-US" smtClean="0"/>
-              <a:t>16</a:t>
             </a:fld>
             <a:endParaRPr lang="en-US" dirty="0"/>
           </a:p>
@@ -9199,13 +8840,6 @@
   <p:clrMapOvr>
     <a:masterClrMapping/>
   </p:clrMapOvr>
-  <p:timing>
-    <p:tnLst>
-      <p:par>
-        <p:cTn id="1" dur="indefinite" restart="never" nodeType="tmRoot"/>
-      </p:par>
-    </p:tnLst>
-  </p:timing>
 </p:sld>
 </file>
 
@@ -9228,131 +8862,36 @@
       </p:grpSpPr>
       <p:sp>
         <p:nvSpPr>
-          <p:cNvPr id="2" name="Title 1"/>
-          <p:cNvSpPr>
-            <a:spLocks noGrp="1"/>
-          </p:cNvSpPr>
-          <p:nvPr>
-            <p:ph type="ctrTitle"/>
-          </p:nvPr>
-        </p:nvSpPr>
-        <p:spPr>
-          <a:xfrm>
-            <a:off x="659173" y="578700"/>
-            <a:ext cx="7781442" cy="2459476"/>
-          </a:xfrm>
-        </p:spPr>
-        <p:txBody>
-          <a:bodyPr/>
-          <a:lstStyle/>
-          <a:p>
-            <a:r>
-              <a:rPr lang="en-US" altLang="zh-TW" sz="4000" b="1" dirty="0">
-                <a:solidFill>
-                  <a:srgbClr val="800000"/>
-                </a:solidFill>
-              </a:rPr>
-              <a:t>Raspberry Pi </a:t>
-            </a:r>
-            <a:r>
-              <a:rPr lang="zh-TW" altLang="en-US" sz="4000" b="1" dirty="0">
-                <a:solidFill>
-                  <a:srgbClr val="800000"/>
-                </a:solidFill>
-              </a:rPr>
-              <a:t>的</a:t>
-            </a:r>
-            <a:r>
-              <a:rPr lang="en-US" altLang="zh-TW" sz="4000" b="1" dirty="0">
-                <a:solidFill>
-                  <a:srgbClr val="800000"/>
-                </a:solidFill>
-              </a:rPr>
-              <a:t>GPIO</a:t>
-            </a:r>
-            <a:r>
-              <a:rPr lang="zh-TW" altLang="en-US" sz="4000" b="1" dirty="0">
-                <a:solidFill>
-                  <a:srgbClr val="800000"/>
-                </a:solidFill>
-              </a:rPr>
-              <a:t>數位輸出、輸入</a:t>
-            </a:r>
-            <a:r>
-              <a:rPr lang="en-US" altLang="zh-TW" sz="4000" b="1" dirty="0">
-                <a:solidFill>
-                  <a:srgbClr val="800000"/>
-                </a:solidFill>
-              </a:rPr>
-              <a:t> </a:t>
-            </a:r>
-            <a:r>
-              <a:rPr lang="en-US" sz="4400" dirty="0" smtClean="0"/>
-              <a:t/>
-            </a:r>
-            <a:br>
-              <a:rPr lang="en-US" sz="4400" dirty="0" smtClean="0"/>
-            </a:br>
-            <a:endParaRPr lang="en-US" sz="2800" dirty="0"/>
-          </a:p>
-        </p:txBody>
-      </p:sp>
-      <p:sp>
-        <p:nvSpPr>
-          <p:cNvPr id="3" name="Subtitle 2"/>
-          <p:cNvSpPr>
-            <a:spLocks noGrp="1"/>
-          </p:cNvSpPr>
-          <p:nvPr>
-            <p:ph type="subTitle" idx="1"/>
-          </p:nvPr>
-        </p:nvSpPr>
-        <p:spPr>
-          <a:xfrm>
-            <a:off x="914400" y="3428999"/>
-            <a:ext cx="7342188" cy="2358003"/>
-          </a:xfrm>
-        </p:spPr>
+          <p:cNvPr id="2" name="標題 1"/>
+          <p:cNvSpPr>
+            <a:spLocks noGrp="1"/>
+          </p:cNvSpPr>
+          <p:nvPr>
+            <p:ph type="title"/>
+          </p:nvPr>
+        </p:nvSpPr>
+        <p:spPr/>
         <p:txBody>
           <a:bodyPr>
             <a:normAutofit/>
           </a:bodyPr>
           <a:lstStyle/>
           <a:p>
-            <a:endParaRPr lang="en-US" sz="3600" b="1" dirty="0" smtClean="0">
-              <a:solidFill>
-                <a:srgbClr val="800000"/>
-              </a:solidFill>
-            </a:endParaRPr>
-          </a:p>
-          <a:p>
-            <a:endParaRPr lang="en-US" sz="3600" b="1" dirty="0">
-              <a:solidFill>
-                <a:srgbClr val="800000"/>
-              </a:solidFill>
-            </a:endParaRPr>
-          </a:p>
-          <a:p>
-            <a:r>
-              <a:rPr lang="en-US" sz="3000" dirty="0" smtClean="0"/>
-              <a:t>JUI-YUAN SU</a:t>
-            </a:r>
-            <a:endParaRPr lang="en-US" sz="3000" b="1" dirty="0">
-              <a:solidFill>
-                <a:srgbClr val="800000"/>
-              </a:solidFill>
-            </a:endParaRPr>
-          </a:p>
-        </p:txBody>
-      </p:sp>
-      <p:sp>
-        <p:nvSpPr>
-          <p:cNvPr id="4" name="Slide Number Placeholder 3"/>
-          <p:cNvSpPr>
-            <a:spLocks noGrp="1"/>
-          </p:cNvSpPr>
-          <p:nvPr>
-            <p:ph type="sldNum" sz="quarter" idx="12"/>
+            <a:r>
+              <a:rPr lang="zh-TW" altLang="en-US" dirty="0"/>
+              <a:t>本章目的</a:t>
+            </a:r>
+          </a:p>
+        </p:txBody>
+      </p:sp>
+      <p:sp>
+        <p:nvSpPr>
+          <p:cNvPr id="3" name="內容版面配置區 2"/>
+          <p:cNvSpPr>
+            <a:spLocks noGrp="1"/>
+          </p:cNvSpPr>
+          <p:nvPr>
+            <p:ph idx="1"/>
           </p:nvPr>
         </p:nvSpPr>
         <p:spPr/>
@@ -9360,9 +8899,59 @@
           <a:bodyPr/>
           <a:lstStyle/>
           <a:p>
-            <a:fld id="{FA84A37A-AFC2-4A01-80A1-FC20F2C0D5BB}" type="slidenum">
+            <a:r>
+              <a:rPr lang="zh-TW" altLang="en-US" dirty="0"/>
+              <a:t>利用</a:t>
+            </a:r>
+            <a:r>
+              <a:rPr lang="en-US" altLang="zh-TW" dirty="0"/>
+              <a:t>Python</a:t>
+            </a:r>
+            <a:r>
+              <a:rPr lang="zh-TW" altLang="en-US" dirty="0"/>
+              <a:t>程式開發</a:t>
+            </a:r>
+            <a:r>
+              <a:rPr lang="en-US" altLang="zh-TW" dirty="0"/>
+              <a:t>GPIO</a:t>
+            </a:r>
+            <a:r>
+              <a:rPr lang="zh-TW" altLang="en-US" dirty="0"/>
+              <a:t>控制程式</a:t>
+            </a:r>
+            <a:endParaRPr lang="en-US" altLang="zh-TW" dirty="0"/>
+          </a:p>
+          <a:p>
+            <a:pPr lvl="1"/>
+            <a:r>
+              <a:rPr lang="en-US" altLang="zh-TW" dirty="0"/>
+              <a:t>LED</a:t>
+            </a:r>
+            <a:r>
+              <a:rPr lang="zh-TW" altLang="en-US" dirty="0"/>
+              <a:t>燈控制</a:t>
+            </a:r>
+            <a:endParaRPr lang="en-US" altLang="zh-TW" dirty="0"/>
+          </a:p>
+        </p:txBody>
+      </p:sp>
+      <p:sp>
+        <p:nvSpPr>
+          <p:cNvPr id="4" name="投影片編號版面配置區 3"/>
+          <p:cNvSpPr>
+            <a:spLocks noGrp="1"/>
+          </p:cNvSpPr>
+          <p:nvPr>
+            <p:ph type="sldNum" sz="quarter" idx="12"/>
+          </p:nvPr>
+        </p:nvSpPr>
+        <p:spPr/>
+        <p:txBody>
+          <a:bodyPr/>
+          <a:lstStyle/>
+          <a:p>
+            <a:fld id="{EBFB1032-EA64-7144-B003-9BCC9D94B503}" type="slidenum">
               <a:rPr lang="en-US" smtClean="0"/>
-              <a:pPr/>
               <a:t>2</a:t>
             </a:fld>
             <a:endParaRPr lang="en-US" dirty="0"/>
@@ -9372,20 +8961,13 @@
     </p:spTree>
     <p:extLst>
       <p:ext uri="{BB962C8B-B14F-4D97-AF65-F5344CB8AC3E}">
-        <p14:creationId xmlns:p14="http://schemas.microsoft.com/office/powerpoint/2010/main" val="996738249"/>
+        <p14:creationId xmlns:p14="http://schemas.microsoft.com/office/powerpoint/2010/main" val="2255845936"/>
       </p:ext>
     </p:extLst>
   </p:cSld>
   <p:clrMapOvr>
     <a:masterClrMapping/>
   </p:clrMapOvr>
-  <p:timing>
-    <p:tnLst>
-      <p:par>
-        <p:cTn id="1" dur="indefinite" restart="never" nodeType="tmRoot"/>
-      </p:par>
-    </p:tnLst>
-  </p:timing>
 </p:sld>
 </file>
 
@@ -9424,10 +9006,17 @@
           <a:lstStyle/>
           <a:p>
             <a:r>
-              <a:rPr lang="zh-TW" altLang="en-US" dirty="0" smtClean="0"/>
-              <a:t>本章目的</a:t>
-            </a:r>
-            <a:endParaRPr lang="zh-TW" altLang="en-US" dirty="0"/>
+              <a:rPr lang="zh-TW" altLang="en-US" dirty="0"/>
+              <a:t>安裝</a:t>
+            </a:r>
+            <a:r>
+              <a:rPr lang="en-US" altLang="zh-TW" dirty="0"/>
+              <a:t>Python GPIO</a:t>
+            </a:r>
+            <a:r>
+              <a:rPr lang="zh-TW" altLang="en-US" dirty="0"/>
+              <a:t>的模組</a:t>
+            </a:r>
           </a:p>
         </p:txBody>
       </p:sp>
@@ -9443,42 +9032,194 @@
         </p:nvSpPr>
         <p:spPr/>
         <p:txBody>
-          <a:bodyPr/>
+          <a:bodyPr>
+            <a:normAutofit/>
+          </a:bodyPr>
           <a:lstStyle/>
           <a:p>
             <a:r>
-              <a:rPr lang="zh-TW" altLang="en-US" dirty="0" smtClean="0"/>
-              <a:t>利用</a:t>
-            </a:r>
-            <a:r>
-              <a:rPr lang="en-US" altLang="zh-TW" dirty="0" smtClean="0"/>
+              <a:rPr lang="en-US" altLang="zh-TW" dirty="0"/>
               <a:t>Python</a:t>
             </a:r>
             <a:r>
-              <a:rPr lang="zh-TW" altLang="en-US" dirty="0" smtClean="0"/>
-              <a:t>程式開發</a:t>
-            </a:r>
-            <a:r>
-              <a:rPr lang="en-US" altLang="zh-TW" dirty="0" smtClean="0"/>
+              <a:rPr lang="zh-TW" altLang="en-US" dirty="0"/>
+              <a:t>官方已經正式將</a:t>
+            </a:r>
+            <a:r>
+              <a:rPr lang="en-US" altLang="zh-TW" dirty="0"/>
+              <a:t>Raspberry Pi</a:t>
+            </a:r>
+            <a:r>
+              <a:rPr lang="zh-TW" altLang="en-US" dirty="0"/>
+              <a:t>的</a:t>
+            </a:r>
+            <a:r>
+              <a:rPr lang="en-US" altLang="zh-TW" dirty="0"/>
               <a:t>GPIO</a:t>
             </a:r>
             <a:r>
-              <a:rPr lang="zh-TW" altLang="en-US" dirty="0" smtClean="0"/>
-              <a:t>控制程式</a:t>
-            </a:r>
-            <a:endParaRPr lang="en-US" altLang="zh-TW" dirty="0" smtClean="0"/>
+              <a:rPr lang="zh-TW" altLang="en-US" dirty="0"/>
+              <a:t>功能正式加入</a:t>
+            </a:r>
+            <a:r>
+              <a:rPr lang="en-US" altLang="zh-TW" dirty="0"/>
+              <a:t>Python</a:t>
+            </a:r>
+            <a:r>
+              <a:rPr lang="zh-TW" altLang="en-US" dirty="0"/>
+              <a:t>中，並且持續更新</a:t>
+            </a:r>
+            <a:endParaRPr lang="en-US" altLang="zh-TW" dirty="0"/>
+          </a:p>
+          <a:p>
+            <a:r>
+              <a:rPr lang="zh-TW" altLang="en-US" dirty="0"/>
+              <a:t>網址</a:t>
+            </a:r>
+            <a:r>
+              <a:rPr lang="en-US" altLang="zh-TW" dirty="0"/>
+              <a:t>https://pypi.python.org/pypi/RPi.GPIO</a:t>
+            </a:r>
+          </a:p>
+          <a:p>
+            <a:r>
+              <a:rPr lang="zh-TW" altLang="en-US" dirty="0"/>
+              <a:t>目前版本：</a:t>
+            </a:r>
+            <a:r>
+              <a:rPr lang="en-US" altLang="zh-TW" dirty="0"/>
+              <a:t>0.6.2</a:t>
+            </a:r>
           </a:p>
           <a:p>
             <a:pPr lvl="1"/>
             <a:r>
-              <a:rPr lang="en-US" altLang="zh-TW" dirty="0" smtClean="0"/>
-              <a:t>LED</a:t>
-            </a:r>
-            <a:r>
-              <a:rPr lang="zh-TW" altLang="en-US" dirty="0" smtClean="0"/>
-              <a:t>燈控制</a:t>
-            </a:r>
-            <a:endParaRPr lang="en-US" altLang="zh-TW" dirty="0" smtClean="0"/>
+              <a:rPr lang="zh-TW" altLang="en-US" dirty="0"/>
+              <a:t>不適合</a:t>
+            </a:r>
+            <a:r>
+              <a:rPr lang="en-US" altLang="zh-TW" dirty="0" err="1"/>
+              <a:t>Realtime</a:t>
+            </a:r>
+            <a:r>
+              <a:rPr lang="zh-TW" altLang="en-US" dirty="0"/>
+              <a:t>控制功能</a:t>
+            </a:r>
+            <a:r>
+              <a:rPr lang="en-US" altLang="zh-TW" dirty="0"/>
+              <a:t>(</a:t>
+            </a:r>
+            <a:r>
+              <a:rPr lang="zh-TW" altLang="en-US" dirty="0"/>
+              <a:t>因</a:t>
+            </a:r>
+            <a:r>
+              <a:rPr lang="en-US" altLang="zh-TW" dirty="0"/>
+              <a:t>Linux</a:t>
+            </a:r>
+            <a:r>
+              <a:rPr lang="zh-TW" altLang="en-US" dirty="0"/>
+              <a:t>非</a:t>
+            </a:r>
+            <a:r>
+              <a:rPr lang="en-US" altLang="zh-TW" dirty="0" err="1"/>
+              <a:t>Realtime</a:t>
+            </a:r>
+            <a:r>
+              <a:rPr lang="zh-TW" altLang="en-US" dirty="0"/>
+              <a:t>作業系統</a:t>
+            </a:r>
+            <a:r>
+              <a:rPr lang="en-US" altLang="zh-TW" dirty="0"/>
+              <a:t>)</a:t>
+            </a:r>
+          </a:p>
+          <a:p>
+            <a:pPr lvl="2"/>
+            <a:r>
+              <a:rPr lang="zh-TW" altLang="en-US" dirty="0"/>
+              <a:t>若需要</a:t>
+            </a:r>
+            <a:r>
+              <a:rPr lang="en-US" altLang="zh-TW" dirty="0" err="1"/>
+              <a:t>Realtime</a:t>
+            </a:r>
+            <a:r>
+              <a:rPr lang="zh-TW" altLang="en-US" dirty="0"/>
+              <a:t>控制，則需使用</a:t>
+            </a:r>
+            <a:r>
+              <a:rPr lang="en-US" altLang="zh-TW" dirty="0"/>
+              <a:t>Arduino</a:t>
+            </a:r>
+          </a:p>
+          <a:p>
+            <a:pPr lvl="1"/>
+            <a:r>
+              <a:rPr lang="zh-TW" altLang="en-US" dirty="0"/>
+              <a:t>支援項目：</a:t>
+            </a:r>
+            <a:endParaRPr lang="en-US" altLang="zh-TW" dirty="0"/>
+          </a:p>
+          <a:p>
+            <a:pPr lvl="2"/>
+            <a:r>
+              <a:rPr lang="zh-TW" altLang="en-US" dirty="0"/>
+              <a:t>數位輸入、數位資料輸出、使用軟體模擬</a:t>
+            </a:r>
+            <a:r>
+              <a:rPr lang="en-US" altLang="zh-TW" dirty="0"/>
+              <a:t>PWM</a:t>
+            </a:r>
+            <a:r>
+              <a:rPr lang="zh-TW" altLang="en-US" dirty="0"/>
+              <a:t>輸出</a:t>
+            </a:r>
+            <a:endParaRPr lang="en-US" altLang="zh-TW" dirty="0"/>
+          </a:p>
+          <a:p>
+            <a:pPr lvl="1"/>
+            <a:r>
+              <a:rPr lang="zh-TW" altLang="en-US" dirty="0"/>
+              <a:t>不支援項目</a:t>
+            </a:r>
+            <a:endParaRPr lang="en-US" altLang="zh-TW" dirty="0"/>
+          </a:p>
+          <a:p>
+            <a:pPr lvl="2"/>
+            <a:r>
+              <a:rPr lang="en-US" altLang="zh-TW" dirty="0"/>
+              <a:t>SPI</a:t>
+            </a:r>
+            <a:r>
+              <a:rPr lang="zh-TW" altLang="en-US" dirty="0"/>
+              <a:t>、</a:t>
+            </a:r>
+            <a:r>
+              <a:rPr lang="en-US" altLang="zh-TW" dirty="0"/>
+              <a:t>I2C</a:t>
+            </a:r>
+            <a:r>
+              <a:rPr lang="zh-TW" altLang="en-US" dirty="0"/>
+              <a:t>、硬體</a:t>
+            </a:r>
+            <a:r>
+              <a:rPr lang="en-US" altLang="zh-TW" dirty="0"/>
+              <a:t>PWM</a:t>
+            </a:r>
+            <a:r>
+              <a:rPr lang="zh-TW" altLang="en-US" dirty="0"/>
+              <a:t>、序列</a:t>
+            </a:r>
+            <a:r>
+              <a:rPr lang="en-US" altLang="zh-TW" dirty="0"/>
+              <a:t>(Serial)</a:t>
+            </a:r>
+            <a:r>
+              <a:rPr lang="zh-TW" altLang="en-US" dirty="0"/>
+              <a:t>資料輸入、輸出</a:t>
+            </a:r>
+            <a:endParaRPr lang="en-US" altLang="zh-TW" dirty="0"/>
           </a:p>
         </p:txBody>
       </p:sp>
@@ -9508,20 +9249,13 @@
     </p:spTree>
     <p:extLst>
       <p:ext uri="{BB962C8B-B14F-4D97-AF65-F5344CB8AC3E}">
-        <p14:creationId xmlns:p14="http://schemas.microsoft.com/office/powerpoint/2010/main" val="2255845936"/>
+        <p14:creationId xmlns:p14="http://schemas.microsoft.com/office/powerpoint/2010/main" val="855090229"/>
       </p:ext>
     </p:extLst>
   </p:cSld>
   <p:clrMapOvr>
     <a:masterClrMapping/>
   </p:clrMapOvr>
-  <p:timing>
-    <p:tnLst>
-      <p:par>
-        <p:cTn id="1" dur="indefinite" restart="never" nodeType="tmRoot"/>
-      </p:par>
-    </p:tnLst>
-  </p:timing>
 </p:sld>
 </file>
 
@@ -9554,227 +9288,40 @@
         </p:nvSpPr>
         <p:spPr/>
         <p:txBody>
-          <a:bodyPr>
-            <a:normAutofit/>
-          </a:bodyPr>
+          <a:bodyPr/>
           <a:lstStyle/>
           <a:p>
             <a:r>
-              <a:rPr lang="zh-TW" altLang="en-US" dirty="0" smtClean="0"/>
-              <a:t>安裝</a:t>
-            </a:r>
-            <a:r>
-              <a:rPr lang="en-US" altLang="zh-TW" dirty="0" smtClean="0"/>
+              <a:rPr lang="zh-TW" altLang="en-US" dirty="0"/>
+              <a:t>下載</a:t>
+            </a:r>
+            <a:r>
+              <a:rPr lang="en-US" altLang="zh-TW" dirty="0"/>
               <a:t>Python GPIO</a:t>
             </a:r>
             <a:r>
-              <a:rPr lang="zh-TW" altLang="en-US" dirty="0" smtClean="0"/>
-              <a:t>的模組</a:t>
-            </a:r>
+              <a:rPr lang="zh-TW" altLang="en-US" dirty="0"/>
+              <a:t>模組</a:t>
+            </a:r>
+          </a:p>
+        </p:txBody>
+      </p:sp>
+      <p:sp>
+        <p:nvSpPr>
+          <p:cNvPr id="3" name="內容版面配置區 2"/>
+          <p:cNvSpPr>
+            <a:spLocks noGrp="1"/>
+          </p:cNvSpPr>
+          <p:nvPr>
+            <p:ph idx="1"/>
+          </p:nvPr>
+        </p:nvSpPr>
+        <p:spPr/>
+        <p:txBody>
+          <a:bodyPr/>
+          <a:lstStyle/>
+          <a:p>
             <a:endParaRPr lang="zh-TW" altLang="en-US" dirty="0"/>
-          </a:p>
-        </p:txBody>
-      </p:sp>
-      <p:sp>
-        <p:nvSpPr>
-          <p:cNvPr id="3" name="內容版面配置區 2"/>
-          <p:cNvSpPr>
-            <a:spLocks noGrp="1"/>
-          </p:cNvSpPr>
-          <p:nvPr>
-            <p:ph idx="1"/>
-          </p:nvPr>
-        </p:nvSpPr>
-        <p:spPr/>
-        <p:txBody>
-          <a:bodyPr>
-            <a:normAutofit/>
-          </a:bodyPr>
-          <a:lstStyle/>
-          <a:p>
-            <a:r>
-              <a:rPr lang="en-US" altLang="zh-TW" dirty="0" smtClean="0"/>
-              <a:t>Python</a:t>
-            </a:r>
-            <a:r>
-              <a:rPr lang="zh-TW" altLang="en-US" dirty="0" smtClean="0"/>
-              <a:t>官方已經正式將</a:t>
-            </a:r>
-            <a:r>
-              <a:rPr lang="en-US" altLang="zh-TW" dirty="0" smtClean="0"/>
-              <a:t>Raspberry Pi</a:t>
-            </a:r>
-            <a:r>
-              <a:rPr lang="zh-TW" altLang="en-US" dirty="0" smtClean="0"/>
-              <a:t>的</a:t>
-            </a:r>
-            <a:r>
-              <a:rPr lang="en-US" altLang="zh-TW" dirty="0" smtClean="0"/>
-              <a:t>GPIO</a:t>
-            </a:r>
-            <a:r>
-              <a:rPr lang="zh-TW" altLang="en-US" dirty="0" smtClean="0"/>
-              <a:t>功能正式加入</a:t>
-            </a:r>
-            <a:r>
-              <a:rPr lang="en-US" altLang="zh-TW" dirty="0" smtClean="0"/>
-              <a:t>Python</a:t>
-            </a:r>
-            <a:r>
-              <a:rPr lang="zh-TW" altLang="en-US" dirty="0" smtClean="0"/>
-              <a:t>中，並且持續更新</a:t>
-            </a:r>
-            <a:endParaRPr lang="en-US" altLang="zh-TW" dirty="0" smtClean="0"/>
-          </a:p>
-          <a:p>
-            <a:r>
-              <a:rPr lang="zh-TW" altLang="en-US" dirty="0" smtClean="0"/>
-              <a:t>網址</a:t>
-            </a:r>
-            <a:r>
-              <a:rPr lang="en-US" altLang="zh-TW" dirty="0"/>
-              <a:t>https://pypi.python.org/pypi/RPi.GPIO</a:t>
-            </a:r>
-          </a:p>
-          <a:p>
-            <a:r>
-              <a:rPr lang="zh-TW" altLang="en-US" dirty="0" smtClean="0"/>
-              <a:t>目前版本：</a:t>
-            </a:r>
-            <a:r>
-              <a:rPr lang="en-US" altLang="zh-TW" dirty="0" smtClean="0"/>
-              <a:t>0.6.2</a:t>
-            </a:r>
-          </a:p>
-          <a:p>
-            <a:pPr lvl="1"/>
-            <a:r>
-              <a:rPr lang="zh-TW" altLang="en-US" dirty="0" smtClean="0"/>
-              <a:t>不適合</a:t>
-            </a:r>
-            <a:r>
-              <a:rPr lang="en-US" altLang="zh-TW" dirty="0" err="1" smtClean="0"/>
-              <a:t>Realtime</a:t>
-            </a:r>
-            <a:r>
-              <a:rPr lang="zh-TW" altLang="en-US" dirty="0" smtClean="0"/>
-              <a:t>控制功能</a:t>
-            </a:r>
-            <a:r>
-              <a:rPr lang="en-US" altLang="zh-TW" dirty="0" smtClean="0"/>
-              <a:t>(</a:t>
-            </a:r>
-            <a:r>
-              <a:rPr lang="zh-TW" altLang="en-US" dirty="0" smtClean="0"/>
-              <a:t>因</a:t>
-            </a:r>
-            <a:r>
-              <a:rPr lang="en-US" altLang="zh-TW" dirty="0" smtClean="0"/>
-              <a:t>Linux</a:t>
-            </a:r>
-            <a:r>
-              <a:rPr lang="zh-TW" altLang="en-US" dirty="0" smtClean="0"/>
-              <a:t>非</a:t>
-            </a:r>
-            <a:r>
-              <a:rPr lang="en-US" altLang="zh-TW" dirty="0" err="1" smtClean="0"/>
-              <a:t>Realtime</a:t>
-            </a:r>
-            <a:r>
-              <a:rPr lang="zh-TW" altLang="en-US" dirty="0" smtClean="0"/>
-              <a:t>作業系統</a:t>
-            </a:r>
-            <a:r>
-              <a:rPr lang="en-US" altLang="zh-TW" dirty="0" smtClean="0"/>
-              <a:t>)</a:t>
-            </a:r>
-          </a:p>
-          <a:p>
-            <a:pPr lvl="2"/>
-            <a:r>
-              <a:rPr lang="zh-TW" altLang="en-US" dirty="0" smtClean="0"/>
-              <a:t>若需要</a:t>
-            </a:r>
-            <a:r>
-              <a:rPr lang="en-US" altLang="zh-TW" dirty="0" err="1" smtClean="0"/>
-              <a:t>Realtime</a:t>
-            </a:r>
-            <a:r>
-              <a:rPr lang="zh-TW" altLang="en-US" dirty="0" smtClean="0"/>
-              <a:t>控制，則需使用</a:t>
-            </a:r>
-            <a:r>
-              <a:rPr lang="en-US" altLang="zh-TW" dirty="0" smtClean="0"/>
-              <a:t>Arduino</a:t>
-            </a:r>
-          </a:p>
-          <a:p>
-            <a:pPr lvl="1"/>
-            <a:r>
-              <a:rPr lang="zh-TW" altLang="en-US" dirty="0" smtClean="0"/>
-              <a:t>支援項目：</a:t>
-            </a:r>
-            <a:endParaRPr lang="en-US" altLang="zh-TW" dirty="0" smtClean="0"/>
-          </a:p>
-          <a:p>
-            <a:pPr lvl="2"/>
-            <a:r>
-              <a:rPr lang="zh-TW" altLang="en-US" dirty="0" smtClean="0"/>
-              <a:t>數位輸入、數位資料輸出、使用軟體模擬</a:t>
-            </a:r>
-            <a:r>
-              <a:rPr lang="en-US" altLang="zh-TW" dirty="0" smtClean="0"/>
-              <a:t>PWM</a:t>
-            </a:r>
-            <a:r>
-              <a:rPr lang="zh-TW" altLang="en-US" dirty="0" smtClean="0"/>
-              <a:t>輸出</a:t>
-            </a:r>
-            <a:endParaRPr lang="en-US" altLang="zh-TW" dirty="0" smtClean="0"/>
-          </a:p>
-          <a:p>
-            <a:pPr lvl="1"/>
-            <a:r>
-              <a:rPr lang="zh-TW" altLang="en-US" dirty="0" smtClean="0"/>
-              <a:t>不支援項目</a:t>
-            </a:r>
-            <a:endParaRPr lang="en-US" altLang="zh-TW" dirty="0" smtClean="0"/>
-          </a:p>
-          <a:p>
-            <a:pPr lvl="2"/>
-            <a:r>
-              <a:rPr lang="en-US" altLang="zh-TW" dirty="0" smtClean="0"/>
-              <a:t>SPI</a:t>
-            </a:r>
-            <a:r>
-              <a:rPr lang="zh-TW" altLang="en-US" dirty="0" smtClean="0"/>
-              <a:t>、</a:t>
-            </a:r>
-            <a:r>
-              <a:rPr lang="en-US" altLang="zh-TW" dirty="0" smtClean="0"/>
-              <a:t>I2C</a:t>
-            </a:r>
-            <a:r>
-              <a:rPr lang="zh-TW" altLang="en-US" dirty="0" smtClean="0"/>
-              <a:t>、硬體</a:t>
-            </a:r>
-            <a:r>
-              <a:rPr lang="en-US" altLang="zh-TW" dirty="0" smtClean="0"/>
-              <a:t>PWM</a:t>
-            </a:r>
-            <a:r>
-              <a:rPr lang="zh-TW" altLang="en-US" dirty="0" smtClean="0"/>
-              <a:t>、序列</a:t>
-            </a:r>
-            <a:r>
-              <a:rPr lang="en-US" altLang="zh-TW" dirty="0" smtClean="0"/>
-              <a:t>(Serial)</a:t>
-            </a:r>
-            <a:r>
-              <a:rPr lang="zh-TW" altLang="en-US" dirty="0" smtClean="0"/>
-              <a:t>資料輸入、輸出</a:t>
-            </a:r>
-            <a:endParaRPr lang="en-US" altLang="zh-TW" dirty="0" smtClean="0"/>
           </a:p>
         </p:txBody>
       </p:sp>
@@ -9796,116 +9343,6 @@
             <a:fld id="{EBFB1032-EA64-7144-B003-9BCC9D94B503}" type="slidenum">
               <a:rPr lang="en-US" smtClean="0"/>
               <a:t>4</a:t>
-            </a:fld>
-            <a:endParaRPr lang="en-US" dirty="0"/>
-          </a:p>
-        </p:txBody>
-      </p:sp>
-    </p:spTree>
-    <p:extLst>
-      <p:ext uri="{BB962C8B-B14F-4D97-AF65-F5344CB8AC3E}">
-        <p14:creationId xmlns:p14="http://schemas.microsoft.com/office/powerpoint/2010/main" val="855090229"/>
-      </p:ext>
-    </p:extLst>
-  </p:cSld>
-  <p:clrMapOvr>
-    <a:masterClrMapping/>
-  </p:clrMapOvr>
-  <p:timing>
-    <p:tnLst>
-      <p:par>
-        <p:cTn id="1" dur="indefinite" restart="never" nodeType="tmRoot"/>
-      </p:par>
-    </p:tnLst>
-  </p:timing>
-</p:sld>
-</file>
-
-<file path=ppt/slides/slide5.xml><?xml version="1.0" encoding="utf-8"?>
-<p:sld xmlns:a="http://schemas.openxmlformats.org/drawingml/2006/main" xmlns:r="http://schemas.openxmlformats.org/officeDocument/2006/relationships" xmlns:p="http://schemas.openxmlformats.org/presentationml/2006/main">
-  <p:cSld>
-    <p:spTree>
-      <p:nvGrpSpPr>
-        <p:cNvPr id="1" name=""/>
-        <p:cNvGrpSpPr/>
-        <p:nvPr/>
-      </p:nvGrpSpPr>
-      <p:grpSpPr>
-        <a:xfrm>
-          <a:off x="0" y="0"/>
-          <a:ext cx="0" cy="0"/>
-          <a:chOff x="0" y="0"/>
-          <a:chExt cx="0" cy="0"/>
-        </a:xfrm>
-      </p:grpSpPr>
-      <p:sp>
-        <p:nvSpPr>
-          <p:cNvPr id="2" name="標題 1"/>
-          <p:cNvSpPr>
-            <a:spLocks noGrp="1"/>
-          </p:cNvSpPr>
-          <p:nvPr>
-            <p:ph type="title"/>
-          </p:nvPr>
-        </p:nvSpPr>
-        <p:spPr/>
-        <p:txBody>
-          <a:bodyPr/>
-          <a:lstStyle/>
-          <a:p>
-            <a:r>
-              <a:rPr lang="zh-TW" altLang="en-US" dirty="0" smtClean="0"/>
-              <a:t>下載</a:t>
-            </a:r>
-            <a:r>
-              <a:rPr lang="en-US" altLang="zh-TW" dirty="0" smtClean="0"/>
-              <a:t>Python GPIO</a:t>
-            </a:r>
-            <a:r>
-              <a:rPr lang="zh-TW" altLang="en-US" dirty="0" smtClean="0"/>
-              <a:t>模組</a:t>
-            </a:r>
-            <a:endParaRPr lang="zh-TW" altLang="en-US" dirty="0"/>
-          </a:p>
-        </p:txBody>
-      </p:sp>
-      <p:sp>
-        <p:nvSpPr>
-          <p:cNvPr id="3" name="內容版面配置區 2"/>
-          <p:cNvSpPr>
-            <a:spLocks noGrp="1"/>
-          </p:cNvSpPr>
-          <p:nvPr>
-            <p:ph idx="1"/>
-          </p:nvPr>
-        </p:nvSpPr>
-        <p:spPr/>
-        <p:txBody>
-          <a:bodyPr/>
-          <a:lstStyle/>
-          <a:p>
-            <a:endParaRPr lang="zh-TW" altLang="en-US" dirty="0"/>
-          </a:p>
-        </p:txBody>
-      </p:sp>
-      <p:sp>
-        <p:nvSpPr>
-          <p:cNvPr id="4" name="投影片編號版面配置區 3"/>
-          <p:cNvSpPr>
-            <a:spLocks noGrp="1"/>
-          </p:cNvSpPr>
-          <p:nvPr>
-            <p:ph type="sldNum" sz="quarter" idx="12"/>
-          </p:nvPr>
-        </p:nvSpPr>
-        <p:spPr/>
-        <p:txBody>
-          <a:bodyPr/>
-          <a:lstStyle/>
-          <a:p>
-            <a:fld id="{EBFB1032-EA64-7144-B003-9BCC9D94B503}" type="slidenum">
-              <a:rPr lang="en-US" smtClean="0"/>
-              <a:t>5</a:t>
             </a:fld>
             <a:endParaRPr lang="en-US" dirty="0"/>
           </a:p>
@@ -9972,6 +9409,178 @@
 </p:sld>
 </file>
 
+<file path=ppt/slides/slide5.xml><?xml version="1.0" encoding="utf-8"?>
+<p:sld xmlns:a="http://schemas.openxmlformats.org/drawingml/2006/main" xmlns:r="http://schemas.openxmlformats.org/officeDocument/2006/relationships" xmlns:p="http://schemas.openxmlformats.org/presentationml/2006/main">
+  <p:cSld>
+    <p:spTree>
+      <p:nvGrpSpPr>
+        <p:cNvPr id="1" name=""/>
+        <p:cNvGrpSpPr/>
+        <p:nvPr/>
+      </p:nvGrpSpPr>
+      <p:grpSpPr>
+        <a:xfrm>
+          <a:off x="0" y="0"/>
+          <a:ext cx="0" cy="0"/>
+          <a:chOff x="0" y="0"/>
+          <a:chExt cx="0" cy="0"/>
+        </a:xfrm>
+      </p:grpSpPr>
+      <p:sp>
+        <p:nvSpPr>
+          <p:cNvPr id="2" name="標題 1"/>
+          <p:cNvSpPr>
+            <a:spLocks noGrp="1"/>
+          </p:cNvSpPr>
+          <p:nvPr>
+            <p:ph type="title"/>
+          </p:nvPr>
+        </p:nvSpPr>
+        <p:spPr/>
+        <p:txBody>
+          <a:bodyPr/>
+          <a:lstStyle/>
+          <a:p>
+            <a:r>
+              <a:rPr lang="zh-TW" altLang="en-US" dirty="0"/>
+              <a:t>下載流程</a:t>
+            </a:r>
+          </a:p>
+        </p:txBody>
+      </p:sp>
+      <p:sp>
+        <p:nvSpPr>
+          <p:cNvPr id="3" name="內容版面配置區 2"/>
+          <p:cNvSpPr>
+            <a:spLocks noGrp="1"/>
+          </p:cNvSpPr>
+          <p:nvPr>
+            <p:ph idx="1"/>
+          </p:nvPr>
+        </p:nvSpPr>
+        <p:spPr>
+          <a:xfrm>
+            <a:off x="900112" y="2133601"/>
+            <a:ext cx="7428640" cy="3931920"/>
+          </a:xfrm>
+        </p:spPr>
+        <p:txBody>
+          <a:bodyPr>
+            <a:normAutofit/>
+          </a:bodyPr>
+          <a:lstStyle/>
+          <a:p>
+            <a:r>
+              <a:rPr lang="zh-TW" altLang="en-US" dirty="0"/>
+              <a:t>以</a:t>
+            </a:r>
+            <a:r>
+              <a:rPr lang="en-US" altLang="zh-TW" dirty="0"/>
+              <a:t>putty</a:t>
+            </a:r>
+            <a:r>
+              <a:rPr lang="zh-TW" altLang="en-US" dirty="0"/>
+              <a:t>登入</a:t>
+            </a:r>
+            <a:r>
+              <a:rPr lang="en-US" altLang="zh-TW" dirty="0"/>
+              <a:t>Raspberry Pi</a:t>
+            </a:r>
+          </a:p>
+          <a:p>
+            <a:r>
+              <a:rPr lang="zh-TW" altLang="en-US" dirty="0"/>
+              <a:t>下載及解壓縮</a:t>
+            </a:r>
+            <a:r>
+              <a:rPr lang="en-US" altLang="zh-TW" dirty="0" err="1"/>
+              <a:t>Rpi.GPIO</a:t>
+            </a:r>
+            <a:endParaRPr lang="en-US" altLang="zh-TW" dirty="0"/>
+          </a:p>
+          <a:p>
+            <a:pPr marL="0" indent="0">
+              <a:buNone/>
+            </a:pPr>
+            <a:r>
+              <a:rPr lang="en-US" altLang="zh-TW" dirty="0" err="1">
+                <a:latin typeface="Courier New" panose="02070309020205020404" pitchFamily="49" charset="0"/>
+                <a:cs typeface="Courier New" panose="02070309020205020404" pitchFamily="49" charset="0"/>
+              </a:rPr>
+              <a:t>wget</a:t>
+            </a:r>
+            <a:r>
+              <a:rPr lang="en-US" altLang="zh-TW" dirty="0">
+                <a:latin typeface="Courier New" panose="02070309020205020404" pitchFamily="49" charset="0"/>
+                <a:cs typeface="Courier New" panose="02070309020205020404" pitchFamily="49" charset="0"/>
+              </a:rPr>
+              <a:t> https://pypi.python.org/packages/ c1/a8/de92cf6d04376f541ce250de420f4fe7cbb2b32a7128929a600bc89aede5/RPi.GPIO-0.6.2.tar.gz</a:t>
+            </a:r>
+          </a:p>
+          <a:p>
+            <a:pPr marL="0" indent="0">
+              <a:buNone/>
+            </a:pPr>
+            <a:r>
+              <a:rPr lang="en-US" altLang="zh-TW" dirty="0">
+                <a:latin typeface="Courier New" panose="02070309020205020404" pitchFamily="49" charset="0"/>
+                <a:cs typeface="Courier New" panose="02070309020205020404" pitchFamily="49" charset="0"/>
+              </a:rPr>
+              <a:t>tar </a:t>
+            </a:r>
+            <a:r>
+              <a:rPr lang="en-US" altLang="zh-TW" dirty="0" err="1">
+                <a:latin typeface="Courier New" panose="02070309020205020404" pitchFamily="49" charset="0"/>
+                <a:cs typeface="Courier New" panose="02070309020205020404" pitchFamily="49" charset="0"/>
+              </a:rPr>
+              <a:t>zxf</a:t>
+            </a:r>
+            <a:r>
+              <a:rPr lang="en-US" altLang="zh-TW" dirty="0">
+                <a:latin typeface="Courier New" panose="02070309020205020404" pitchFamily="49" charset="0"/>
+                <a:cs typeface="Courier New" panose="02070309020205020404" pitchFamily="49" charset="0"/>
+              </a:rPr>
+              <a:t> RPi.GPIO-0.6.2.tar.gz</a:t>
+            </a:r>
+          </a:p>
+        </p:txBody>
+      </p:sp>
+      <p:sp>
+        <p:nvSpPr>
+          <p:cNvPr id="4" name="投影片編號版面配置區 3"/>
+          <p:cNvSpPr>
+            <a:spLocks noGrp="1"/>
+          </p:cNvSpPr>
+          <p:nvPr>
+            <p:ph type="sldNum" sz="quarter" idx="12"/>
+          </p:nvPr>
+        </p:nvSpPr>
+        <p:spPr/>
+        <p:txBody>
+          <a:bodyPr/>
+          <a:lstStyle/>
+          <a:p>
+            <a:fld id="{EBFB1032-EA64-7144-B003-9BCC9D94B503}" type="slidenum">
+              <a:rPr lang="en-US" smtClean="0"/>
+              <a:t>5</a:t>
+            </a:fld>
+            <a:endParaRPr lang="en-US" dirty="0"/>
+          </a:p>
+        </p:txBody>
+      </p:sp>
+    </p:spTree>
+    <p:extLst>
+      <p:ext uri="{BB962C8B-B14F-4D97-AF65-F5344CB8AC3E}">
+        <p14:creationId xmlns:p14="http://schemas.microsoft.com/office/powerpoint/2010/main" val="3024493123"/>
+      </p:ext>
+    </p:extLst>
+  </p:cSld>
+  <p:clrMapOvr>
+    <a:masterClrMapping/>
+  </p:clrMapOvr>
+</p:sld>
+</file>
+
 <file path=ppt/slides/slide6.xml><?xml version="1.0" encoding="utf-8"?>
 <p:sld xmlns:a="http://schemas.openxmlformats.org/drawingml/2006/main" xmlns:r="http://schemas.openxmlformats.org/officeDocument/2006/relationships" xmlns:p="http://schemas.openxmlformats.org/presentationml/2006/main">
   <p:cSld>
@@ -10005,13 +9614,14 @@
           <a:lstStyle/>
           <a:p>
             <a:r>
-              <a:rPr lang="zh-TW" altLang="en-US" dirty="0" smtClean="0"/>
-              <a:t>下載</a:t>
-            </a:r>
-            <a:r>
               <a:rPr lang="zh-TW" altLang="en-US" dirty="0"/>
-              <a:t>流程</a:t>
-            </a:r>
+              <a:t>安裝</a:t>
+            </a:r>
+            <a:r>
+              <a:rPr lang="en-US" altLang="zh-TW" dirty="0"/>
+              <a:t>Python2.7-dev</a:t>
+            </a:r>
+            <a:endParaRPr lang="zh-TW" altLang="en-US" dirty="0"/>
           </a:p>
         </p:txBody>
       </p:sp>
@@ -10025,12 +9635,7 @@
             <p:ph idx="1"/>
           </p:nvPr>
         </p:nvSpPr>
-        <p:spPr>
-          <a:xfrm>
-            <a:off x="900112" y="2133601"/>
-            <a:ext cx="7428640" cy="3931920"/>
-          </a:xfrm>
-        </p:spPr>
+        <p:spPr/>
         <p:txBody>
           <a:bodyPr>
             <a:normAutofit/>
@@ -10038,68 +9643,28 @@
           <a:lstStyle/>
           <a:p>
             <a:r>
-              <a:rPr lang="zh-TW" altLang="en-US" dirty="0" smtClean="0"/>
-              <a:t>以</a:t>
-            </a:r>
-            <a:r>
-              <a:rPr lang="en-US" altLang="zh-TW" dirty="0" smtClean="0"/>
-              <a:t>putty</a:t>
-            </a:r>
-            <a:r>
-              <a:rPr lang="zh-TW" altLang="en-US" dirty="0" smtClean="0"/>
-              <a:t>登入</a:t>
-            </a:r>
-            <a:r>
-              <a:rPr lang="en-US" altLang="zh-TW" dirty="0" smtClean="0"/>
-              <a:t>Raspberry Pi</a:t>
-            </a:r>
-          </a:p>
-          <a:p>
-            <a:r>
-              <a:rPr lang="zh-TW" altLang="en-US" dirty="0" smtClean="0"/>
-              <a:t>下載及解壓</a:t>
-            </a:r>
-            <a:r>
               <a:rPr lang="zh-TW" altLang="en-US" dirty="0"/>
-              <a:t>縮</a:t>
-            </a:r>
-            <a:r>
-              <a:rPr lang="en-US" altLang="zh-TW" dirty="0" err="1" smtClean="0"/>
-              <a:t>Rpi.GPIO</a:t>
-            </a:r>
-            <a:endParaRPr lang="en-US" altLang="zh-TW" dirty="0" smtClean="0"/>
+              <a:t>執行下列指令</a:t>
+            </a:r>
+            <a:endParaRPr lang="en-US" altLang="zh-TW" dirty="0"/>
           </a:p>
           <a:p>
             <a:pPr marL="0" indent="0">
               <a:buNone/>
             </a:pPr>
             <a:r>
-              <a:rPr lang="en-US" altLang="zh-TW" dirty="0" err="1" smtClean="0">
-                <a:latin typeface="Courier New" panose="02070309020205020404" pitchFamily="49" charset="0"/>
-                <a:cs typeface="Courier New" panose="02070309020205020404" pitchFamily="49" charset="0"/>
-              </a:rPr>
-              <a:t>wget</a:t>
-            </a:r>
-            <a:r>
-              <a:rPr lang="en-US" altLang="zh-TW" dirty="0" smtClean="0">
-                <a:latin typeface="Courier New" panose="02070309020205020404" pitchFamily="49" charset="0"/>
-                <a:cs typeface="Courier New" panose="02070309020205020404" pitchFamily="49" charset="0"/>
-              </a:rPr>
-              <a:t> </a:t>
+              <a:rPr lang="en-US" altLang="zh-TW" dirty="0" err="1">
+                <a:latin typeface="Courier New" panose="02070309020205020404" pitchFamily="49" charset="0"/>
+                <a:cs typeface="Courier New" panose="02070309020205020404" pitchFamily="49" charset="0"/>
+              </a:rPr>
+              <a:t>sudo</a:t>
             </a:r>
             <a:r>
               <a:rPr lang="en-US" altLang="zh-TW" dirty="0">
                 <a:latin typeface="Courier New" panose="02070309020205020404" pitchFamily="49" charset="0"/>
                 <a:cs typeface="Courier New" panose="02070309020205020404" pitchFamily="49" charset="0"/>
               </a:rPr>
-              <a:t>https://</a:t>
-            </a:r>
-            <a:r>
-              <a:rPr lang="en-US" altLang="zh-TW" dirty="0" smtClean="0">
-                <a:latin typeface="Courier New" panose="02070309020205020404" pitchFamily="49" charset="0"/>
-                <a:cs typeface="Courier New" panose="02070309020205020404" pitchFamily="49" charset="0"/>
-              </a:rPr>
-              <a:t>pypi.python.org/packages/ c1/a8/de92cf6d04376f541ce250de420f4fe7cbb2b32a7128929a600bc89aede5/RPi.GPIO-0.6.2.tar.gz</a:t>
+              <a:t> apt-get install python2.7-dev</a:t>
             </a:r>
           </a:p>
           <a:p>
@@ -10111,29 +9676,116 @@
                 <a:latin typeface="Courier New" panose="02070309020205020404" pitchFamily="49" charset="0"/>
                 <a:cs typeface="Courier New" panose="02070309020205020404" pitchFamily="49" charset="0"/>
               </a:rPr>
-              <a:t>tar </a:t>
-            </a:r>
+              <a:t>cd RPi.GPIO-0.6.2</a:t>
+            </a:r>
+            <a:endParaRPr lang="zh-TW" altLang="en-US" dirty="0">
+              <a:latin typeface="Courier New" panose="02070309020205020404" pitchFamily="49" charset="0"/>
+              <a:cs typeface="Courier New" panose="02070309020205020404" pitchFamily="49" charset="0"/>
+            </a:endParaRPr>
+          </a:p>
+          <a:p>
+            <a:pPr marL="0" indent="0">
+              <a:buNone/>
+            </a:pPr>
             <a:r>
               <a:rPr lang="en-US" altLang="zh-TW" dirty="0" err="1">
                 <a:latin typeface="Courier New" panose="02070309020205020404" pitchFamily="49" charset="0"/>
                 <a:cs typeface="Courier New" panose="02070309020205020404" pitchFamily="49" charset="0"/>
               </a:rPr>
-              <a:t>zxf</a:t>
+              <a:t>sudo</a:t>
             </a:r>
             <a:r>
               <a:rPr lang="en-US" altLang="zh-TW" dirty="0">
                 <a:latin typeface="Courier New" panose="02070309020205020404" pitchFamily="49" charset="0"/>
                 <a:cs typeface="Courier New" panose="02070309020205020404" pitchFamily="49" charset="0"/>
               </a:rPr>
-              <a:t> </a:t>
-            </a:r>
-            <a:r>
-              <a:rPr lang="en-US" altLang="zh-TW" dirty="0" smtClean="0">
-                <a:latin typeface="Courier New" panose="02070309020205020404" pitchFamily="49" charset="0"/>
-                <a:cs typeface="Courier New" panose="02070309020205020404" pitchFamily="49" charset="0"/>
-              </a:rPr>
-              <a:t>RPi.GPIO-0.6.2.tar.gz</a:t>
-            </a:r>
+              <a:t> python setup.py install</a:t>
+            </a:r>
+          </a:p>
+          <a:p>
+            <a:r>
+              <a:rPr lang="zh-TW" altLang="en-US" dirty="0"/>
+              <a:t>上述執行過程將安裝最新版本，若想安裝預設的</a:t>
+            </a:r>
+            <a:r>
+              <a:rPr lang="en-US" altLang="zh-TW" dirty="0"/>
+              <a:t>python GPIO</a:t>
+            </a:r>
+            <a:r>
+              <a:rPr lang="zh-TW" altLang="en-US" dirty="0"/>
+              <a:t>套件，則可直接執行下列指令</a:t>
+            </a:r>
+            <a:endParaRPr lang="en-US" altLang="zh-TW" dirty="0"/>
+          </a:p>
+          <a:p>
+            <a:pPr marL="0" indent="0">
+              <a:buNone/>
+            </a:pPr>
+            <a:r>
+              <a:rPr lang="en-US" altLang="zh-TW" dirty="0" err="1">
+                <a:latin typeface="Courier New" panose="02070309020205020404" pitchFamily="49" charset="0"/>
+                <a:cs typeface="Courier New" panose="02070309020205020404" pitchFamily="49" charset="0"/>
+              </a:rPr>
+              <a:t>sudo</a:t>
+            </a:r>
+            <a:r>
+              <a:rPr lang="en-US" altLang="zh-TW" dirty="0">
+                <a:latin typeface="Courier New" panose="02070309020205020404" pitchFamily="49" charset="0"/>
+                <a:cs typeface="Courier New" panose="02070309020205020404" pitchFamily="49" charset="0"/>
+              </a:rPr>
+              <a:t> apt-get install python-</a:t>
+            </a:r>
+            <a:r>
+              <a:rPr lang="en-US" altLang="zh-TW" dirty="0" err="1">
+                <a:latin typeface="Courier New" panose="02070309020205020404" pitchFamily="49" charset="0"/>
+                <a:cs typeface="Courier New" panose="02070309020205020404" pitchFamily="49" charset="0"/>
+              </a:rPr>
+              <a:t>rpi.gpio</a:t>
+            </a:r>
+            <a:endParaRPr lang="en-US" altLang="zh-TW" dirty="0">
+              <a:latin typeface="Courier New" panose="02070309020205020404" pitchFamily="49" charset="0"/>
+              <a:cs typeface="Courier New" panose="02070309020205020404" pitchFamily="49" charset="0"/>
+            </a:endParaRPr>
+          </a:p>
+          <a:p>
+            <a:pPr marL="0" indent="0">
+              <a:buNone/>
+            </a:pPr>
+            <a:r>
+              <a:rPr lang="en-US" altLang="zh-TW" dirty="0">
+                <a:latin typeface="Courier New" panose="02070309020205020404" pitchFamily="49" charset="0"/>
+                <a:cs typeface="Courier New" panose="02070309020205020404" pitchFamily="49" charset="0"/>
+              </a:rPr>
+              <a:t>export PYTHONPATH=$PATH</a:t>
+            </a:r>
+          </a:p>
+          <a:p>
+            <a:pPr marL="0" indent="0">
+              <a:buNone/>
+            </a:pPr>
+            <a:r>
+              <a:rPr lang="en-US" altLang="zh-TW" dirty="0" err="1">
+                <a:latin typeface="Courier New" panose="02070309020205020404" pitchFamily="49" charset="0"/>
+                <a:cs typeface="Courier New" panose="02070309020205020404" pitchFamily="49" charset="0"/>
+              </a:rPr>
+              <a:t>sudo</a:t>
+            </a:r>
+            <a:r>
+              <a:rPr lang="en-US" altLang="zh-TW" dirty="0">
+                <a:latin typeface="Courier New" panose="02070309020205020404" pitchFamily="49" charset="0"/>
+                <a:cs typeface="Courier New" panose="02070309020205020404" pitchFamily="49" charset="0"/>
+              </a:rPr>
+              <a:t> reboot</a:t>
+            </a:r>
+          </a:p>
+          <a:p>
+            <a:pPr marL="0" indent="0">
+              <a:buNone/>
+            </a:pPr>
+            <a:endParaRPr lang="zh-TW" altLang="en-US" dirty="0">
+              <a:latin typeface="Courier New" panose="02070309020205020404" pitchFamily="49" charset="0"/>
+              <a:cs typeface="Courier New" panose="02070309020205020404" pitchFamily="49" charset="0"/>
+            </a:endParaRPr>
           </a:p>
         </p:txBody>
       </p:sp>
@@ -10163,7 +9815,7 @@
     </p:spTree>
     <p:extLst>
       <p:ext uri="{BB962C8B-B14F-4D97-AF65-F5344CB8AC3E}">
-        <p14:creationId xmlns:p14="http://schemas.microsoft.com/office/powerpoint/2010/main" val="3024493123"/>
+        <p14:creationId xmlns:p14="http://schemas.microsoft.com/office/powerpoint/2010/main" val="1202222221"/>
       </p:ext>
     </p:extLst>
   </p:cSld>
@@ -10206,14 +9858,17 @@
           <a:lstStyle/>
           <a:p>
             <a:r>
-              <a:rPr lang="zh-TW" altLang="en-US" dirty="0" smtClean="0"/>
-              <a:t>安裝</a:t>
-            </a:r>
-            <a:r>
-              <a:rPr lang="en-US" altLang="zh-TW" dirty="0" smtClean="0"/>
-              <a:t>Python2.7-dev</a:t>
-            </a:r>
-            <a:endParaRPr lang="zh-TW" altLang="en-US" dirty="0"/>
+              <a:rPr lang="zh-TW" altLang="en-US" dirty="0"/>
+              <a:t>第一個</a:t>
+            </a:r>
+            <a:r>
+              <a:rPr lang="en-US" altLang="zh-TW" dirty="0"/>
+              <a:t>Python GPIO</a:t>
+            </a:r>
+            <a:r>
+              <a:rPr lang="zh-TW" altLang="en-US" dirty="0"/>
+              <a:t>程式</a:t>
+            </a:r>
           </a:p>
         </p:txBody>
       </p:sp>
@@ -10229,169 +9884,80 @@
         </p:nvSpPr>
         <p:spPr/>
         <p:txBody>
-          <a:bodyPr>
-            <a:normAutofit/>
-          </a:bodyPr>
+          <a:bodyPr/>
           <a:lstStyle/>
           <a:p>
             <a:r>
-              <a:rPr lang="zh-TW" altLang="en-US" dirty="0" smtClean="0"/>
-              <a:t>執行下列指令</a:t>
-            </a:r>
-            <a:endParaRPr lang="en-US" altLang="zh-TW" dirty="0" smtClean="0"/>
-          </a:p>
-          <a:p>
-            <a:pPr marL="0" indent="0">
-              <a:buNone/>
-            </a:pPr>
-            <a:r>
-              <a:rPr lang="en-US" altLang="zh-TW" dirty="0" err="1" smtClean="0">
-                <a:latin typeface="Courier New" panose="02070309020205020404" pitchFamily="49" charset="0"/>
-                <a:cs typeface="Courier New" panose="02070309020205020404" pitchFamily="49" charset="0"/>
-              </a:rPr>
-              <a:t>sudo</a:t>
-            </a:r>
-            <a:r>
-              <a:rPr lang="en-US" altLang="zh-TW" dirty="0" smtClean="0">
-                <a:latin typeface="Courier New" panose="02070309020205020404" pitchFamily="49" charset="0"/>
-                <a:cs typeface="Courier New" panose="02070309020205020404" pitchFamily="49" charset="0"/>
-              </a:rPr>
-              <a:t> apt-get install python2.7-dev</a:t>
-            </a:r>
-          </a:p>
-          <a:p>
-            <a:pPr marL="0" indent="0">
-              <a:buNone/>
-            </a:pPr>
-            <a:r>
-              <a:rPr lang="en-US" altLang="zh-TW" dirty="0">
-                <a:latin typeface="Courier New" panose="02070309020205020404" pitchFamily="49" charset="0"/>
-                <a:cs typeface="Courier New" panose="02070309020205020404" pitchFamily="49" charset="0"/>
-              </a:rPr>
-              <a:t>cd RPi.GPIO-0.6.2</a:t>
-            </a:r>
-            <a:endParaRPr lang="zh-TW" altLang="en-US" dirty="0">
-              <a:latin typeface="Courier New" panose="02070309020205020404" pitchFamily="49" charset="0"/>
-              <a:cs typeface="Courier New" panose="02070309020205020404" pitchFamily="49" charset="0"/>
-            </a:endParaRPr>
-          </a:p>
-          <a:p>
-            <a:pPr marL="0" indent="0">
-              <a:buNone/>
-            </a:pPr>
-            <a:r>
-              <a:rPr lang="en-US" altLang="zh-TW" dirty="0" err="1" smtClean="0">
-                <a:latin typeface="Courier New" panose="02070309020205020404" pitchFamily="49" charset="0"/>
-                <a:cs typeface="Courier New" panose="02070309020205020404" pitchFamily="49" charset="0"/>
-              </a:rPr>
-              <a:t>sudo</a:t>
-            </a:r>
-            <a:r>
-              <a:rPr lang="en-US" altLang="zh-TW" dirty="0" smtClean="0">
-                <a:latin typeface="Courier New" panose="02070309020205020404" pitchFamily="49" charset="0"/>
-                <a:cs typeface="Courier New" panose="02070309020205020404" pitchFamily="49" charset="0"/>
-              </a:rPr>
-              <a:t> python setup.py install</a:t>
-            </a:r>
-          </a:p>
-          <a:p>
-            <a:r>
               <a:rPr lang="zh-TW" altLang="en-US" dirty="0"/>
-              <a:t>上述執行過程將安裝最新版本，若想安裝預設的</a:t>
-            </a:r>
+              <a:t>硬體</a:t>
+            </a:r>
+            <a:endParaRPr lang="en-US" altLang="zh-TW" dirty="0"/>
+          </a:p>
+          <a:p>
+            <a:pPr lvl="1"/>
             <a:r>
               <a:rPr lang="en-US" altLang="zh-TW" dirty="0"/>
-              <a:t>python GPIO</a:t>
+              <a:t>Raspberry Pi</a:t>
             </a:r>
             <a:r>
               <a:rPr lang="zh-TW" altLang="en-US" dirty="0"/>
-              <a:t>套件，則可直接執行下列指令</a:t>
+              <a:t> 主機</a:t>
             </a:r>
             <a:endParaRPr lang="en-US" altLang="zh-TW" dirty="0"/>
           </a:p>
           <a:p>
-            <a:pPr marL="0" indent="0">
-              <a:buNone/>
-            </a:pPr>
-            <a:r>
-              <a:rPr lang="en-US" altLang="zh-TW" dirty="0" err="1" smtClean="0">
-                <a:latin typeface="Courier New" panose="02070309020205020404" pitchFamily="49" charset="0"/>
-                <a:cs typeface="Courier New" panose="02070309020205020404" pitchFamily="49" charset="0"/>
-              </a:rPr>
-              <a:t>sudo</a:t>
-            </a:r>
-            <a:r>
-              <a:rPr lang="en-US" altLang="zh-TW" dirty="0" smtClean="0">
-                <a:latin typeface="Courier New" panose="02070309020205020404" pitchFamily="49" charset="0"/>
-                <a:cs typeface="Courier New" panose="02070309020205020404" pitchFamily="49" charset="0"/>
-              </a:rPr>
-              <a:t> apt-get install python-</a:t>
-            </a:r>
-            <a:r>
-              <a:rPr lang="en-US" altLang="zh-TW" dirty="0" err="1" smtClean="0">
-                <a:latin typeface="Courier New" panose="02070309020205020404" pitchFamily="49" charset="0"/>
-                <a:cs typeface="Courier New" panose="02070309020205020404" pitchFamily="49" charset="0"/>
-              </a:rPr>
-              <a:t>rpi.gpio</a:t>
-            </a:r>
-            <a:endParaRPr lang="en-US" altLang="zh-TW" dirty="0" smtClean="0">
-              <a:latin typeface="Courier New" panose="02070309020205020404" pitchFamily="49" charset="0"/>
-              <a:cs typeface="Courier New" panose="02070309020205020404" pitchFamily="49" charset="0"/>
-            </a:endParaRPr>
-          </a:p>
-          <a:p>
-            <a:pPr marL="0" indent="0">
-              <a:buNone/>
-            </a:pPr>
-            <a:r>
-              <a:rPr lang="en-US" altLang="zh-TW" dirty="0">
-                <a:latin typeface="Courier New" panose="02070309020205020404" pitchFamily="49" charset="0"/>
-                <a:cs typeface="Courier New" panose="02070309020205020404" pitchFamily="49" charset="0"/>
-              </a:rPr>
-              <a:t>export PYTHONPATH=$</a:t>
-            </a:r>
-            <a:r>
-              <a:rPr lang="en-US" altLang="zh-TW" dirty="0" smtClean="0">
-                <a:latin typeface="Courier New" panose="02070309020205020404" pitchFamily="49" charset="0"/>
-                <a:cs typeface="Courier New" panose="02070309020205020404" pitchFamily="49" charset="0"/>
-              </a:rPr>
-              <a:t>PATH</a:t>
-            </a:r>
-          </a:p>
-          <a:p>
-            <a:pPr marL="0" indent="0">
-              <a:buNone/>
-            </a:pPr>
-            <a:r>
-              <a:rPr lang="en-US" altLang="zh-TW" dirty="0" err="1">
-                <a:latin typeface="Courier New" panose="02070309020205020404" pitchFamily="49" charset="0"/>
-                <a:cs typeface="Courier New" panose="02070309020205020404" pitchFamily="49" charset="0"/>
-              </a:rPr>
-              <a:t>s</a:t>
-            </a:r>
-            <a:r>
-              <a:rPr lang="en-US" altLang="zh-TW" dirty="0" err="1" smtClean="0">
-                <a:latin typeface="Courier New" panose="02070309020205020404" pitchFamily="49" charset="0"/>
-                <a:cs typeface="Courier New" panose="02070309020205020404" pitchFamily="49" charset="0"/>
-              </a:rPr>
-              <a:t>udo</a:t>
-            </a:r>
-            <a:r>
-              <a:rPr lang="en-US" altLang="zh-TW" dirty="0" smtClean="0">
-                <a:latin typeface="Courier New" panose="02070309020205020404" pitchFamily="49" charset="0"/>
-                <a:cs typeface="Courier New" panose="02070309020205020404" pitchFamily="49" charset="0"/>
-              </a:rPr>
-              <a:t> reboot</a:t>
-            </a:r>
-          </a:p>
-          <a:p>
-            <a:pPr marL="0" indent="0">
-              <a:buNone/>
-            </a:pPr>
-            <a:endParaRPr lang="zh-TW" altLang="en-US" dirty="0">
-              <a:latin typeface="Courier New" panose="02070309020205020404" pitchFamily="49" charset="0"/>
-              <a:cs typeface="Courier New" panose="02070309020205020404" pitchFamily="49" charset="0"/>
-            </a:endParaRPr>
+            <a:pPr lvl="1"/>
+            <a:r>
+              <a:rPr lang="en-US" altLang="zh-TW" dirty="0"/>
+              <a:t>LED</a:t>
+            </a:r>
+            <a:r>
+              <a:rPr lang="zh-TW" altLang="en-US" dirty="0"/>
+              <a:t>燈</a:t>
+            </a:r>
+            <a:endParaRPr lang="en-US" altLang="zh-TW" dirty="0"/>
+          </a:p>
+          <a:p>
+            <a:pPr lvl="1"/>
+            <a:r>
+              <a:rPr lang="en-US" altLang="zh-TW" dirty="0"/>
+              <a:t>10K</a:t>
+            </a:r>
+            <a:r>
+              <a:rPr lang="el-GR" altLang="zh-TW" dirty="0"/>
+              <a:t>Ω</a:t>
+            </a:r>
+            <a:r>
+              <a:rPr lang="zh-TW" altLang="en-US" dirty="0"/>
+              <a:t>電阻</a:t>
+            </a:r>
+            <a:r>
+              <a:rPr lang="en-US" altLang="zh-TW" dirty="0"/>
+              <a:t>(</a:t>
+            </a:r>
+            <a:r>
+              <a:rPr lang="zh-TW" altLang="en-US" dirty="0"/>
+              <a:t>棕黑橘</a:t>
+            </a:r>
+            <a:r>
+              <a:rPr lang="en-US" altLang="zh-TW" dirty="0"/>
+              <a:t>)</a:t>
+            </a:r>
+          </a:p>
+          <a:p>
+            <a:pPr lvl="1"/>
+            <a:r>
+              <a:rPr lang="zh-TW" altLang="en-US" dirty="0"/>
+              <a:t>麵包版</a:t>
+            </a:r>
+            <a:endParaRPr lang="en-US" altLang="zh-TW" dirty="0"/>
+          </a:p>
+          <a:p>
+            <a:pPr lvl="1"/>
+            <a:r>
+              <a:rPr lang="zh-TW" altLang="en-US" dirty="0"/>
+              <a:t>電線數條</a:t>
+            </a:r>
           </a:p>
         </p:txBody>
       </p:sp>
@@ -10421,7 +9987,7 @@
     </p:spTree>
     <p:extLst>
       <p:ext uri="{BB962C8B-B14F-4D97-AF65-F5344CB8AC3E}">
-        <p14:creationId xmlns:p14="http://schemas.microsoft.com/office/powerpoint/2010/main" val="1202222221"/>
+        <p14:creationId xmlns:p14="http://schemas.microsoft.com/office/powerpoint/2010/main" val="3995294418"/>
       </p:ext>
     </p:extLst>
   </p:cSld>
@@ -10460,115 +10026,51 @@
         </p:nvSpPr>
         <p:spPr/>
         <p:txBody>
-          <a:bodyPr/>
+          <a:bodyPr>
+            <a:normAutofit/>
+          </a:bodyPr>
           <a:lstStyle/>
           <a:p>
             <a:r>
-              <a:rPr lang="zh-TW" altLang="en-US" dirty="0" smtClean="0"/>
-              <a:t>第一個</a:t>
-            </a:r>
-            <a:r>
-              <a:rPr lang="en-US" altLang="zh-TW" dirty="0" smtClean="0"/>
-              <a:t>Python GPIO</a:t>
-            </a:r>
-            <a:r>
-              <a:rPr lang="zh-TW" altLang="en-US" dirty="0" smtClean="0"/>
-              <a:t>程式</a:t>
-            </a:r>
-            <a:endParaRPr lang="zh-TW" altLang="en-US" dirty="0"/>
-          </a:p>
-        </p:txBody>
-      </p:sp>
-      <p:sp>
-        <p:nvSpPr>
-          <p:cNvPr id="3" name="內容版面配置區 2"/>
-          <p:cNvSpPr>
-            <a:spLocks noGrp="1"/>
-          </p:cNvSpPr>
+              <a:rPr lang="en-US" altLang="zh-TW" dirty="0"/>
+              <a:t>Raspberry Pi 3 GPIO</a:t>
+            </a:r>
+            <a:r>
+              <a:rPr lang="zh-TW" altLang="en-US" dirty="0"/>
+              <a:t>接腳</a:t>
+            </a:r>
+          </a:p>
+        </p:txBody>
+      </p:sp>
+      <p:pic>
+        <p:nvPicPr>
+          <p:cNvPr id="7" name="內容版面配置區 6"/>
+          <p:cNvPicPr>
+            <a:picLocks noGrp="1" noChangeAspect="1"/>
+          </p:cNvPicPr>
           <p:nvPr>
             <p:ph idx="1"/>
           </p:nvPr>
-        </p:nvSpPr>
-        <p:spPr/>
-        <p:txBody>
-          <a:bodyPr/>
-          <a:lstStyle/>
-          <a:p>
-            <a:r>
-              <a:rPr lang="zh-TW" altLang="en-US" dirty="0" smtClean="0"/>
-              <a:t>硬體</a:t>
-            </a:r>
-            <a:endParaRPr lang="en-US" altLang="zh-TW" dirty="0" smtClean="0"/>
-          </a:p>
-          <a:p>
-            <a:pPr lvl="1"/>
-            <a:r>
-              <a:rPr lang="en-US" altLang="zh-TW" dirty="0" smtClean="0"/>
-              <a:t>Raspberry Pi</a:t>
-            </a:r>
-            <a:r>
-              <a:rPr lang="zh-TW" altLang="en-US" dirty="0" smtClean="0"/>
-              <a:t> 主機</a:t>
-            </a:r>
-            <a:endParaRPr lang="en-US" altLang="zh-TW" dirty="0" smtClean="0"/>
-          </a:p>
-          <a:p>
-            <a:pPr lvl="1"/>
-            <a:r>
-              <a:rPr lang="en-US" altLang="zh-TW" dirty="0" smtClean="0"/>
-              <a:t>LED</a:t>
-            </a:r>
-            <a:r>
-              <a:rPr lang="zh-TW" altLang="en-US" dirty="0" smtClean="0"/>
-              <a:t>燈</a:t>
-            </a:r>
-            <a:endParaRPr lang="en-US" altLang="zh-TW" dirty="0" smtClean="0"/>
-          </a:p>
-          <a:p>
-            <a:pPr lvl="1"/>
-            <a:r>
-              <a:rPr lang="en-US" altLang="zh-TW" dirty="0" smtClean="0"/>
-              <a:t>10K</a:t>
-            </a:r>
-            <a:r>
-              <a:rPr lang="el-GR" altLang="zh-TW" dirty="0" smtClean="0"/>
-              <a:t>Ω</a:t>
-            </a:r>
-            <a:r>
-              <a:rPr lang="zh-TW" altLang="en-US" dirty="0" smtClean="0"/>
-              <a:t>電阻</a:t>
-            </a:r>
-            <a:r>
-              <a:rPr lang="en-US" altLang="zh-TW" dirty="0" smtClean="0"/>
-              <a:t>(</a:t>
-            </a:r>
-            <a:r>
-              <a:rPr lang="zh-TW" altLang="en-US" dirty="0" smtClean="0"/>
-              <a:t>棕黑橘</a:t>
-            </a:r>
-            <a:r>
-              <a:rPr lang="en-US" altLang="zh-TW" dirty="0" smtClean="0"/>
-              <a:t>)</a:t>
-            </a:r>
-          </a:p>
-          <a:p>
-            <a:pPr lvl="1"/>
-            <a:r>
-              <a:rPr lang="zh-TW" altLang="en-US" dirty="0" smtClean="0"/>
-              <a:t>麵包版</a:t>
-            </a:r>
-            <a:endParaRPr lang="en-US" altLang="zh-TW" dirty="0" smtClean="0"/>
-          </a:p>
-          <a:p>
-            <a:pPr lvl="1"/>
-            <a:r>
-              <a:rPr lang="zh-TW" altLang="en-US" dirty="0" smtClean="0"/>
-              <a:t>電線數條</a:t>
-            </a:r>
-            <a:endParaRPr lang="zh-TW" altLang="en-US" dirty="0"/>
-          </a:p>
-        </p:txBody>
-      </p:sp>
+        </p:nvPicPr>
+        <p:blipFill>
+          <a:blip r:embed="rId2" cstate="email">
+            <a:extLst>
+              <a:ext uri="{28A0092B-C50C-407E-A947-70E740481C1C}">
+                <a14:useLocalDpi xmlns:a14="http://schemas.microsoft.com/office/drawing/2010/main" val="0"/>
+              </a:ext>
+            </a:extLst>
+          </a:blip>
+          <a:stretch>
+            <a:fillRect/>
+          </a:stretch>
+        </p:blipFill>
+        <p:spPr>
+          <a:xfrm>
+            <a:off x="1369672" y="1764743"/>
+            <a:ext cx="6375185" cy="4361136"/>
+          </a:xfrm>
+        </p:spPr>
+      </p:pic>
       <p:sp>
         <p:nvSpPr>
           <p:cNvPr id="4" name="投影片編號版面配置區 3"/>
@@ -10595,20 +10097,13 @@
     </p:spTree>
     <p:extLst>
       <p:ext uri="{BB962C8B-B14F-4D97-AF65-F5344CB8AC3E}">
-        <p14:creationId xmlns:p14="http://schemas.microsoft.com/office/powerpoint/2010/main" val="3995294418"/>
+        <p14:creationId xmlns:p14="http://schemas.microsoft.com/office/powerpoint/2010/main" val="75086565"/>
       </p:ext>
     </p:extLst>
   </p:cSld>
   <p:clrMapOvr>
     <a:masterClrMapping/>
   </p:clrMapOvr>
-  <p:timing>
-    <p:tnLst>
-      <p:par>
-        <p:cTn id="1" dur="indefinite" restart="never" nodeType="tmRoot"/>
-      </p:par>
-    </p:tnLst>
-  </p:timing>
 </p:sld>
 </file>
 
@@ -10641,35 +10136,105 @@
         </p:nvSpPr>
         <p:spPr/>
         <p:txBody>
-          <a:bodyPr>
-            <a:normAutofit/>
-          </a:bodyPr>
+          <a:bodyPr/>
           <a:lstStyle/>
           <a:p>
             <a:r>
-              <a:rPr lang="en-US" altLang="zh-TW" dirty="0" smtClean="0"/>
-              <a:t>Raspberry Pi 3 GPIO</a:t>
-            </a:r>
-            <a:r>
-              <a:rPr lang="zh-TW" altLang="en-US" dirty="0" smtClean="0"/>
-              <a:t>接腳</a:t>
+              <a:rPr lang="zh-TW" altLang="en-US" dirty="0"/>
+              <a:t>測試</a:t>
+            </a:r>
+            <a:r>
+              <a:rPr lang="en-US" altLang="zh-TW" dirty="0"/>
+              <a:t>GPIO</a:t>
             </a:r>
             <a:endParaRPr lang="zh-TW" altLang="en-US" dirty="0"/>
+          </a:p>
+        </p:txBody>
+      </p:sp>
+      <p:sp>
+        <p:nvSpPr>
+          <p:cNvPr id="3" name="內容版面配置區 2"/>
+          <p:cNvSpPr>
+            <a:spLocks noGrp="1"/>
+          </p:cNvSpPr>
+          <p:nvPr>
+            <p:ph idx="1"/>
+          </p:nvPr>
+        </p:nvSpPr>
+        <p:spPr>
+          <a:xfrm>
+            <a:off x="900113" y="2133601"/>
+            <a:ext cx="3290888" cy="3931920"/>
+          </a:xfrm>
+        </p:spPr>
+        <p:txBody>
+          <a:bodyPr/>
+          <a:lstStyle/>
+          <a:p>
+            <a:r>
+              <a:rPr lang="zh-TW" altLang="en-US" dirty="0"/>
+              <a:t>將</a:t>
+            </a:r>
+            <a:r>
+              <a:rPr lang="en-US" altLang="zh-TW" dirty="0"/>
+              <a:t>LED</a:t>
+            </a:r>
+            <a:r>
+              <a:rPr lang="zh-TW" altLang="en-US" dirty="0"/>
+              <a:t>燈一端接</a:t>
+            </a:r>
+            <a:r>
+              <a:rPr lang="en-US" altLang="zh-TW" dirty="0"/>
+              <a:t>3.3V</a:t>
+            </a:r>
+            <a:r>
+              <a:rPr lang="zh-TW" altLang="en-US" dirty="0"/>
+              <a:t>，另一端接地，則</a:t>
+            </a:r>
+            <a:r>
+              <a:rPr lang="en-US" altLang="zh-TW" dirty="0"/>
+              <a:t>LED</a:t>
+            </a:r>
+            <a:r>
+              <a:rPr lang="zh-TW" altLang="en-US" dirty="0"/>
+              <a:t>燈將恆亮</a:t>
+            </a:r>
+          </a:p>
+        </p:txBody>
+      </p:sp>
+      <p:sp>
+        <p:nvSpPr>
+          <p:cNvPr id="4" name="投影片編號版面配置區 3"/>
+          <p:cNvSpPr>
+            <a:spLocks noGrp="1"/>
+          </p:cNvSpPr>
+          <p:nvPr>
+            <p:ph type="sldNum" sz="quarter" idx="12"/>
+          </p:nvPr>
+        </p:nvSpPr>
+        <p:spPr/>
+        <p:txBody>
+          <a:bodyPr/>
+          <a:lstStyle/>
+          <a:p>
+            <a:fld id="{EBFB1032-EA64-7144-B003-9BCC9D94B503}" type="slidenum">
+              <a:rPr lang="en-US" smtClean="0"/>
+              <a:t>9</a:t>
+            </a:fld>
+            <a:endParaRPr lang="en-US" dirty="0"/>
           </a:p>
         </p:txBody>
       </p:sp>
       <p:pic>
         <p:nvPicPr>
-          <p:cNvPr id="7" name="內容版面配置區 6"/>
+          <p:cNvPr id="6" name="圖片 5"/>
           <p:cNvPicPr>
-            <a:picLocks noGrp="1" noChangeAspect="1"/>
+            <a:picLocks noChangeAspect="1"/>
           </p:cNvPicPr>
-          <p:nvPr>
-            <p:ph idx="1"/>
-          </p:nvPr>
+          <p:nvPr/>
         </p:nvPicPr>
         <p:blipFill>
-          <a:blip r:embed="rId2" cstate="email">
+          <a:blip r:embed="rId2">
             <a:extLst>
               <a:ext uri="{28A0092B-C50C-407E-A947-70E740481C1C}">
                 <a14:useLocalDpi xmlns:a14="http://schemas.microsoft.com/office/drawing/2010/main" val="0"/>
@@ -10682,51 +10247,24 @@
         </p:blipFill>
         <p:spPr>
           <a:xfrm>
-            <a:off x="1369672" y="1764743"/>
-            <a:ext cx="6375185" cy="4361136"/>
+            <a:off x="4319587" y="1874837"/>
+            <a:ext cx="4043363" cy="4543104"/>
           </a:xfrm>
+          <a:prstGeom prst="rect">
+            <a:avLst/>
+          </a:prstGeom>
         </p:spPr>
       </p:pic>
-      <p:sp>
-        <p:nvSpPr>
-          <p:cNvPr id="4" name="投影片編號版面配置區 3"/>
-          <p:cNvSpPr>
-            <a:spLocks noGrp="1"/>
-          </p:cNvSpPr>
-          <p:nvPr>
-            <p:ph type="sldNum" sz="quarter" idx="12"/>
-          </p:nvPr>
-        </p:nvSpPr>
-        <p:spPr/>
-        <p:txBody>
-          <a:bodyPr/>
-          <a:lstStyle/>
-          <a:p>
-            <a:fld id="{EBFB1032-EA64-7144-B003-9BCC9D94B503}" type="slidenum">
-              <a:rPr lang="en-US" smtClean="0"/>
-              <a:t>9</a:t>
-            </a:fld>
-            <a:endParaRPr lang="en-US" dirty="0"/>
-          </a:p>
-        </p:txBody>
-      </p:sp>
     </p:spTree>
     <p:extLst>
       <p:ext uri="{BB962C8B-B14F-4D97-AF65-F5344CB8AC3E}">
-        <p14:creationId xmlns:p14="http://schemas.microsoft.com/office/powerpoint/2010/main" val="75086565"/>
+        <p14:creationId xmlns:p14="http://schemas.microsoft.com/office/powerpoint/2010/main" val="4108447067"/>
       </p:ext>
     </p:extLst>
   </p:cSld>
   <p:clrMapOvr>
     <a:masterClrMapping/>
   </p:clrMapOvr>
-  <p:timing>
-    <p:tnLst>
-      <p:par>
-        <p:cTn id="1" dur="indefinite" restart="never" nodeType="tmRoot"/>
-      </p:par>
-    </p:tnLst>
-  </p:timing>
 </p:sld>
 </file>
 
